--- a/reports/Block_diagram_v6.pptx
+++ b/reports/Block_diagram_v6.pptx
@@ -8,14 +8,18 @@
     <p:sldId id="289" r:id="rId2"/>
     <p:sldId id="273" r:id="rId3"/>
     <p:sldId id="276" r:id="rId4"/>
-    <p:sldId id="290" r:id="rId5"/>
-    <p:sldId id="278" r:id="rId6"/>
-    <p:sldId id="281" r:id="rId7"/>
-    <p:sldId id="282" r:id="rId8"/>
-    <p:sldId id="291" r:id="rId9"/>
-    <p:sldId id="293" r:id="rId10"/>
-    <p:sldId id="292" r:id="rId11"/>
-    <p:sldId id="284" r:id="rId12"/>
+    <p:sldId id="294" r:id="rId5"/>
+    <p:sldId id="296" r:id="rId6"/>
+    <p:sldId id="297" r:id="rId7"/>
+    <p:sldId id="298" r:id="rId8"/>
+    <p:sldId id="290" r:id="rId9"/>
+    <p:sldId id="278" r:id="rId10"/>
+    <p:sldId id="281" r:id="rId11"/>
+    <p:sldId id="282" r:id="rId12"/>
+    <p:sldId id="291" r:id="rId13"/>
+    <p:sldId id="293" r:id="rId14"/>
+    <p:sldId id="292" r:id="rId15"/>
+    <p:sldId id="284" r:id="rId16"/>
   </p:sldIdLst>
   <p:sldSz cx="12192000" cy="6858000"/>
   <p:notesSz cx="6858000" cy="9144000"/>
@@ -271,7 +275,7 @@
           <a:p>
             <a:fld id="{34373858-EECC-1547-998C-41930A46EF41}" type="datetimeFigureOut">
               <a:rPr lang="en-IL" smtClean="0"/>
-              <a:t>05/07/2024</a:t>
+              <a:t>06/07/2024</a:t>
             </a:fld>
             <a:endParaRPr lang="en-IL"/>
           </a:p>
@@ -471,7 +475,7 @@
           <a:p>
             <a:fld id="{34373858-EECC-1547-998C-41930A46EF41}" type="datetimeFigureOut">
               <a:rPr lang="en-IL" smtClean="0"/>
-              <a:t>05/07/2024</a:t>
+              <a:t>06/07/2024</a:t>
             </a:fld>
             <a:endParaRPr lang="en-IL"/>
           </a:p>
@@ -681,7 +685,7 @@
           <a:p>
             <a:fld id="{34373858-EECC-1547-998C-41930A46EF41}" type="datetimeFigureOut">
               <a:rPr lang="en-IL" smtClean="0"/>
-              <a:t>05/07/2024</a:t>
+              <a:t>06/07/2024</a:t>
             </a:fld>
             <a:endParaRPr lang="en-IL"/>
           </a:p>
@@ -881,7 +885,7 @@
           <a:p>
             <a:fld id="{34373858-EECC-1547-998C-41930A46EF41}" type="datetimeFigureOut">
               <a:rPr lang="en-IL" smtClean="0"/>
-              <a:t>05/07/2024</a:t>
+              <a:t>06/07/2024</a:t>
             </a:fld>
             <a:endParaRPr lang="en-IL"/>
           </a:p>
@@ -1157,7 +1161,7 @@
           <a:p>
             <a:fld id="{34373858-EECC-1547-998C-41930A46EF41}" type="datetimeFigureOut">
               <a:rPr lang="en-IL" smtClean="0"/>
-              <a:t>05/07/2024</a:t>
+              <a:t>06/07/2024</a:t>
             </a:fld>
             <a:endParaRPr lang="en-IL"/>
           </a:p>
@@ -1425,7 +1429,7 @@
           <a:p>
             <a:fld id="{34373858-EECC-1547-998C-41930A46EF41}" type="datetimeFigureOut">
               <a:rPr lang="en-IL" smtClean="0"/>
-              <a:t>05/07/2024</a:t>
+              <a:t>06/07/2024</a:t>
             </a:fld>
             <a:endParaRPr lang="en-IL"/>
           </a:p>
@@ -1840,7 +1844,7 @@
           <a:p>
             <a:fld id="{34373858-EECC-1547-998C-41930A46EF41}" type="datetimeFigureOut">
               <a:rPr lang="en-IL" smtClean="0"/>
-              <a:t>05/07/2024</a:t>
+              <a:t>06/07/2024</a:t>
             </a:fld>
             <a:endParaRPr lang="en-IL"/>
           </a:p>
@@ -1982,7 +1986,7 @@
           <a:p>
             <a:fld id="{34373858-EECC-1547-998C-41930A46EF41}" type="datetimeFigureOut">
               <a:rPr lang="en-IL" smtClean="0"/>
-              <a:t>05/07/2024</a:t>
+              <a:t>06/07/2024</a:t>
             </a:fld>
             <a:endParaRPr lang="en-IL"/>
           </a:p>
@@ -2095,7 +2099,7 @@
           <a:p>
             <a:fld id="{34373858-EECC-1547-998C-41930A46EF41}" type="datetimeFigureOut">
               <a:rPr lang="en-IL" smtClean="0"/>
-              <a:t>05/07/2024</a:t>
+              <a:t>06/07/2024</a:t>
             </a:fld>
             <a:endParaRPr lang="en-IL"/>
           </a:p>
@@ -2408,7 +2412,7 @@
           <a:p>
             <a:fld id="{34373858-EECC-1547-998C-41930A46EF41}" type="datetimeFigureOut">
               <a:rPr lang="en-IL" smtClean="0"/>
-              <a:t>05/07/2024</a:t>
+              <a:t>06/07/2024</a:t>
             </a:fld>
             <a:endParaRPr lang="en-IL"/>
           </a:p>
@@ -2697,7 +2701,7 @@
           <a:p>
             <a:fld id="{34373858-EECC-1547-998C-41930A46EF41}" type="datetimeFigureOut">
               <a:rPr lang="en-IL" smtClean="0"/>
-              <a:t>05/07/2024</a:t>
+              <a:t>06/07/2024</a:t>
             </a:fld>
             <a:endParaRPr lang="en-IL"/>
           </a:p>
@@ -2940,7 +2944,7 @@
           <a:p>
             <a:fld id="{34373858-EECC-1547-998C-41930A46EF41}" type="datetimeFigureOut">
               <a:rPr lang="en-IL" smtClean="0"/>
-              <a:t>05/07/2024</a:t>
+              <a:t>06/07/2024</a:t>
             </a:fld>
             <a:endParaRPr lang="en-IL"/>
           </a:p>
@@ -3367,10 +3371,10 @@
       </p:grpSpPr>
       <p:pic>
         <p:nvPicPr>
-          <p:cNvPr id="4" name="Picture 3">
-            <a:extLst>
-              <a:ext uri="{FF2B5EF4-FFF2-40B4-BE49-F238E27FC236}">
-                <a16:creationId xmlns:a16="http://schemas.microsoft.com/office/drawing/2014/main" id="{97913EDA-157C-BA45-ED7F-FDFCA11BD628}"/>
+          <p:cNvPr id="2" name="Picture 1" descr="A diagram of a computer program&#10;&#10;Description automatically generated">
+            <a:extLst>
+              <a:ext uri="{FF2B5EF4-FFF2-40B4-BE49-F238E27FC236}">
+                <a16:creationId xmlns:a16="http://schemas.microsoft.com/office/drawing/2014/main" id="{4C316A9F-15E8-509C-C037-830780C777AD}"/>
               </a:ext>
             </a:extLst>
           </p:cNvPr>
@@ -3387,8 +3391,8 @@
         </p:blipFill>
         <p:spPr>
           <a:xfrm>
-            <a:off x="1110343" y="587247"/>
-            <a:ext cx="9590314" cy="5750248"/>
+            <a:off x="1453442" y="643466"/>
+            <a:ext cx="9285115" cy="5571067"/>
           </a:xfrm>
           <a:prstGeom prst="rect">
             <a:avLst/>
@@ -3430,7 +3434,7 @@
           <p:cNvPr id="2" name="Title 1">
             <a:extLst>
               <a:ext uri="{FF2B5EF4-FFF2-40B4-BE49-F238E27FC236}">
-                <a16:creationId xmlns:a16="http://schemas.microsoft.com/office/drawing/2014/main" id="{94286F2A-F963-F778-AB0E-B193C3255FDF}"/>
+                <a16:creationId xmlns:a16="http://schemas.microsoft.com/office/drawing/2014/main" id="{A4037E89-4E35-9542-504C-0549156D271C}"/>
               </a:ext>
             </a:extLst>
           </p:cNvPr>
@@ -3449,7 +3453,615 @@
             <a:pPr algn="ctr"/>
             <a:r>
               <a:rPr lang="en-IL" dirty="0"/>
-              <a:t>Checkerboard 2x2’black’– [2:0]Mode = ‘110’</a:t>
+              <a:t>Constant test mode – [2:0]Mode = ‘010’</a:t>
+            </a:r>
+          </a:p>
+        </p:txBody>
+      </p:sp>
+      <p:sp>
+        <p:nvSpPr>
+          <p:cNvPr id="3" name="Rectangle 2">
+            <a:extLst>
+              <a:ext uri="{FF2B5EF4-FFF2-40B4-BE49-F238E27FC236}">
+                <a16:creationId xmlns:a16="http://schemas.microsoft.com/office/drawing/2014/main" id="{717DB2EF-88B2-7419-C3BF-2B186A65E744}"/>
+              </a:ext>
+            </a:extLst>
+          </p:cNvPr>
+          <p:cNvSpPr/>
+          <p:nvPr/>
+        </p:nvSpPr>
+        <p:spPr>
+          <a:xfrm>
+            <a:off x="653144" y="1690687"/>
+            <a:ext cx="2645226" cy="4252503"/>
+          </a:xfrm>
+          <a:prstGeom prst="rect">
+            <a:avLst/>
+          </a:prstGeom>
+        </p:spPr>
+        <p:style>
+          <a:lnRef idx="2">
+            <a:schemeClr val="accent1">
+              <a:shade val="15000"/>
+            </a:schemeClr>
+          </a:lnRef>
+          <a:fillRef idx="1">
+            <a:schemeClr val="accent1"/>
+          </a:fillRef>
+          <a:effectRef idx="0">
+            <a:schemeClr val="accent1"/>
+          </a:effectRef>
+          <a:fontRef idx="minor">
+            <a:schemeClr val="lt1"/>
+          </a:fontRef>
+        </p:style>
+        <p:txBody>
+          <a:bodyPr rtlCol="0" anchor="ctr"/>
+          <a:lstStyle/>
+          <a:p>
+            <a:pPr algn="ctr"/>
+            <a:r>
+              <a:rPr lang="en-IL" b="1" u="sng" dirty="0"/>
+              <a:t>READY</a:t>
+            </a:r>
+          </a:p>
+          <a:p>
+            <a:pPr algn="ctr"/>
+            <a:r>
+              <a:rPr lang="en-IL" b="1" u="sng" dirty="0"/>
+              <a:t> [2:0]Mode == ‘010’ :</a:t>
+            </a:r>
+          </a:p>
+          <a:p>
+            <a:pPr algn="ctr"/>
+            <a:r>
+              <a:rPr lang="en-IL" dirty="0"/>
+              <a:t>5b_enb =‘1’</a:t>
+            </a:r>
+          </a:p>
+          <a:p>
+            <a:pPr algn="ctr"/>
+            <a:r>
+              <a:rPr lang="en-IL" dirty="0"/>
+              <a:t>Test = ‘1’</a:t>
+            </a:r>
+          </a:p>
+          <a:p>
+            <a:pPr algn="ctr"/>
+            <a:r>
+              <a:rPr lang="en-IL" dirty="0"/>
+              <a:t>Binary_Or_Gray=’0’</a:t>
+            </a:r>
+          </a:p>
+          <a:p>
+            <a:pPr algn="ctr"/>
+            <a:r>
+              <a:rPr lang="en-IL" dirty="0"/>
+              <a:t>ramp_enb =’0’</a:t>
+            </a:r>
+          </a:p>
+          <a:p>
+            <a:pPr algn="ctr"/>
+            <a:r>
+              <a:rPr lang="en-IL" dirty="0"/>
+              <a:t>[1:0]ValSel = ‘01’(2d clk)</a:t>
+            </a:r>
+          </a:p>
+          <a:p>
+            <a:pPr algn="ctr"/>
+            <a:r>
+              <a:rPr lang="en-IL" dirty="0"/>
+              <a:t>Cnt_enb=‘1’(2d clk)</a:t>
+            </a:r>
+          </a:p>
+          <a:p>
+            <a:pPr algn="ctr"/>
+            <a:r>
+              <a:rPr lang="en-IL" dirty="0"/>
+              <a:t>NewLine =‘1’(2d clk)</a:t>
+            </a:r>
+          </a:p>
+        </p:txBody>
+      </p:sp>
+      <p:sp>
+        <p:nvSpPr>
+          <p:cNvPr id="5" name="Rectangle 4">
+            <a:extLst>
+              <a:ext uri="{FF2B5EF4-FFF2-40B4-BE49-F238E27FC236}">
+                <a16:creationId xmlns:a16="http://schemas.microsoft.com/office/drawing/2014/main" id="{705ABBCC-FA1C-C85D-1DEF-0D30AF7DE968}"/>
+              </a:ext>
+            </a:extLst>
+          </p:cNvPr>
+          <p:cNvSpPr/>
+          <p:nvPr/>
+        </p:nvSpPr>
+        <p:spPr>
+          <a:xfrm>
+            <a:off x="4767937" y="1690688"/>
+            <a:ext cx="2460169" cy="4259489"/>
+          </a:xfrm>
+          <a:prstGeom prst="rect">
+            <a:avLst/>
+          </a:prstGeom>
+        </p:spPr>
+        <p:style>
+          <a:lnRef idx="2">
+            <a:schemeClr val="accent1">
+              <a:shade val="15000"/>
+            </a:schemeClr>
+          </a:lnRef>
+          <a:fillRef idx="1">
+            <a:schemeClr val="accent1"/>
+          </a:fillRef>
+          <a:effectRef idx="0">
+            <a:schemeClr val="accent1"/>
+          </a:effectRef>
+          <a:fontRef idx="minor">
+            <a:schemeClr val="lt1"/>
+          </a:fontRef>
+        </p:style>
+        <p:txBody>
+          <a:bodyPr rtlCol="0" anchor="ctr"/>
+          <a:lstStyle/>
+          <a:p>
+            <a:pPr algn="ctr"/>
+            <a:r>
+              <a:rPr lang="en-IL" b="1" u="sng" dirty="0"/>
+              <a:t>Normal:</a:t>
+            </a:r>
+          </a:p>
+          <a:p>
+            <a:pPr algn="ctr"/>
+            <a:r>
+              <a:rPr lang="en-US" u="sng" dirty="0"/>
+              <a:t>I</a:t>
+            </a:r>
+            <a:r>
+              <a:rPr lang="en-IL" u="sng" dirty="0"/>
+              <a:t>nput:</a:t>
+            </a:r>
+          </a:p>
+          <a:p>
+            <a:pPr algn="ctr"/>
+            <a:r>
+              <a:rPr lang="en-IL" dirty="0"/>
+              <a:t>EndLine=’0’:</a:t>
+            </a:r>
+          </a:p>
+          <a:p>
+            <a:pPr algn="ctr"/>
+            <a:r>
+              <a:rPr lang="en-US" u="sng" dirty="0"/>
+              <a:t>O</a:t>
+            </a:r>
+            <a:r>
+              <a:rPr lang="en-IL" u="sng" dirty="0"/>
+              <a:t>utput:</a:t>
+            </a:r>
+          </a:p>
+          <a:p>
+            <a:pPr algn="ctr"/>
+            <a:r>
+              <a:rPr lang="en-IL" dirty="0"/>
+              <a:t>Xmode= ‘00’</a:t>
+            </a:r>
+          </a:p>
+          <a:p>
+            <a:pPr algn="ctr"/>
+            <a:r>
+              <a:rPr lang="en-IL" dirty="0"/>
+              <a:t>Cnt_enb=‘1’</a:t>
+            </a:r>
+          </a:p>
+          <a:p>
+            <a:pPr algn="ctr"/>
+            <a:r>
+              <a:rPr lang="en-IL" dirty="0"/>
+              <a:t>12b_enb = ‘1’</a:t>
+            </a:r>
+          </a:p>
+          <a:p>
+            <a:pPr algn="ctr"/>
+            <a:r>
+              <a:rPr lang="en-US" u="sng" dirty="0"/>
+              <a:t>I</a:t>
+            </a:r>
+            <a:r>
+              <a:rPr lang="en-IL" u="sng" dirty="0"/>
+              <a:t>nput:</a:t>
+            </a:r>
+          </a:p>
+          <a:p>
+            <a:pPr algn="ctr"/>
+            <a:r>
+              <a:rPr lang="en-IL" dirty="0"/>
+              <a:t>EndLine=’1’:</a:t>
+            </a:r>
+          </a:p>
+          <a:p>
+            <a:pPr algn="ctr"/>
+            <a:r>
+              <a:rPr lang="en-US" u="sng" dirty="0"/>
+              <a:t>O</a:t>
+            </a:r>
+            <a:r>
+              <a:rPr lang="en-IL" u="sng" dirty="0"/>
+              <a:t>utput:</a:t>
+            </a:r>
+          </a:p>
+          <a:p>
+            <a:pPr algn="ctr"/>
+            <a:r>
+              <a:rPr lang="en-IL" dirty="0"/>
+              <a:t>Cnt_enb=‘0’</a:t>
+            </a:r>
+          </a:p>
+          <a:p>
+            <a:pPr algn="ctr"/>
+            <a:r>
+              <a:rPr lang="en-IL" dirty="0"/>
+              <a:t>12b_enb = ‘0’</a:t>
+            </a:r>
+          </a:p>
+          <a:p>
+            <a:pPr algn="ctr"/>
+            <a:endParaRPr lang="en-IL" dirty="0"/>
+          </a:p>
+        </p:txBody>
+      </p:sp>
+      <p:sp>
+        <p:nvSpPr>
+          <p:cNvPr id="8" name="Right Arrow 7">
+            <a:extLst>
+              <a:ext uri="{FF2B5EF4-FFF2-40B4-BE49-F238E27FC236}">
+                <a16:creationId xmlns:a16="http://schemas.microsoft.com/office/drawing/2014/main" id="{FF1EE064-C372-D7FE-FCB6-DA52B2DFAC27}"/>
+              </a:ext>
+            </a:extLst>
+          </p:cNvPr>
+          <p:cNvSpPr/>
+          <p:nvPr/>
+        </p:nvSpPr>
+        <p:spPr>
+          <a:xfrm>
+            <a:off x="3298370" y="2068422"/>
+            <a:ext cx="1469568" cy="620485"/>
+          </a:xfrm>
+          <a:prstGeom prst="rightArrow">
+            <a:avLst/>
+          </a:prstGeom>
+        </p:spPr>
+        <p:style>
+          <a:lnRef idx="2">
+            <a:schemeClr val="accent1">
+              <a:shade val="15000"/>
+            </a:schemeClr>
+          </a:lnRef>
+          <a:fillRef idx="1">
+            <a:schemeClr val="accent1"/>
+          </a:fillRef>
+          <a:effectRef idx="0">
+            <a:schemeClr val="accent1"/>
+          </a:effectRef>
+          <a:fontRef idx="minor">
+            <a:schemeClr val="lt1"/>
+          </a:fontRef>
+        </p:style>
+        <p:txBody>
+          <a:bodyPr rtlCol="0" anchor="ctr"/>
+          <a:lstStyle/>
+          <a:p>
+            <a:pPr algn="ctr"/>
+            <a:endParaRPr lang="en-IL"/>
+          </a:p>
+        </p:txBody>
+      </p:sp>
+      <p:sp>
+        <p:nvSpPr>
+          <p:cNvPr id="9" name="TextBox 8">
+            <a:extLst>
+              <a:ext uri="{FF2B5EF4-FFF2-40B4-BE49-F238E27FC236}">
+                <a16:creationId xmlns:a16="http://schemas.microsoft.com/office/drawing/2014/main" id="{E2811DE1-79C3-BC5E-1B5E-A2FEFB44AC10}"/>
+              </a:ext>
+            </a:extLst>
+          </p:cNvPr>
+          <p:cNvSpPr txBox="1"/>
+          <p:nvPr/>
+        </p:nvSpPr>
+        <p:spPr>
+          <a:xfrm>
+            <a:off x="3513329" y="4780961"/>
+            <a:ext cx="1039644" cy="369332"/>
+          </a:xfrm>
+          <a:prstGeom prst="rect">
+            <a:avLst/>
+          </a:prstGeom>
+          <a:noFill/>
+        </p:spPr>
+        <p:txBody>
+          <a:bodyPr wrap="none" rtlCol="0">
+            <a:spAutoFit/>
+          </a:bodyPr>
+          <a:lstStyle/>
+          <a:p>
+            <a:r>
+              <a:rPr lang="en-IL" dirty="0"/>
+              <a:t>Sync=‘1’</a:t>
+            </a:r>
+          </a:p>
+        </p:txBody>
+      </p:sp>
+      <p:sp>
+        <p:nvSpPr>
+          <p:cNvPr id="10" name="Right Arrow 9">
+            <a:extLst>
+              <a:ext uri="{FF2B5EF4-FFF2-40B4-BE49-F238E27FC236}">
+                <a16:creationId xmlns:a16="http://schemas.microsoft.com/office/drawing/2014/main" id="{7497BFCF-4F6C-67AE-91E0-ACAECCC664B5}"/>
+              </a:ext>
+            </a:extLst>
+          </p:cNvPr>
+          <p:cNvSpPr/>
+          <p:nvPr/>
+        </p:nvSpPr>
+        <p:spPr>
+          <a:xfrm rot="10800000">
+            <a:off x="3298365" y="4160475"/>
+            <a:ext cx="1469569" cy="620485"/>
+          </a:xfrm>
+          <a:prstGeom prst="rightArrow">
+            <a:avLst/>
+          </a:prstGeom>
+        </p:spPr>
+        <p:style>
+          <a:lnRef idx="2">
+            <a:schemeClr val="accent1">
+              <a:shade val="15000"/>
+            </a:schemeClr>
+          </a:lnRef>
+          <a:fillRef idx="1">
+            <a:schemeClr val="accent1"/>
+          </a:fillRef>
+          <a:effectRef idx="0">
+            <a:schemeClr val="accent1"/>
+          </a:effectRef>
+          <a:fontRef idx="minor">
+            <a:schemeClr val="lt1"/>
+          </a:fontRef>
+        </p:style>
+        <p:txBody>
+          <a:bodyPr rtlCol="0" anchor="ctr"/>
+          <a:lstStyle/>
+          <a:p>
+            <a:pPr algn="ctr"/>
+            <a:endParaRPr lang="en-IL"/>
+          </a:p>
+        </p:txBody>
+      </p:sp>
+      <p:sp>
+        <p:nvSpPr>
+          <p:cNvPr id="11" name="TextBox 10">
+            <a:extLst>
+              <a:ext uri="{FF2B5EF4-FFF2-40B4-BE49-F238E27FC236}">
+                <a16:creationId xmlns:a16="http://schemas.microsoft.com/office/drawing/2014/main" id="{5E7C4290-B9B8-0B75-EC3C-E4FD78C81F1A}"/>
+              </a:ext>
+            </a:extLst>
+          </p:cNvPr>
+          <p:cNvSpPr txBox="1"/>
+          <p:nvPr/>
+        </p:nvSpPr>
+        <p:spPr>
+          <a:xfrm>
+            <a:off x="3513329" y="1777781"/>
+            <a:ext cx="896399" cy="369332"/>
+          </a:xfrm>
+          <a:prstGeom prst="rect">
+            <a:avLst/>
+          </a:prstGeom>
+          <a:noFill/>
+        </p:spPr>
+        <p:txBody>
+          <a:bodyPr wrap="none" rtlCol="0">
+            <a:spAutoFit/>
+          </a:bodyPr>
+          <a:lstStyle/>
+          <a:p>
+            <a:r>
+              <a:rPr lang="en-IL" dirty="0"/>
+              <a:t>2 clock</a:t>
+            </a:r>
+          </a:p>
+        </p:txBody>
+      </p:sp>
+      <p:sp>
+        <p:nvSpPr>
+          <p:cNvPr id="12" name="Rectangle 11">
+            <a:extLst>
+              <a:ext uri="{FF2B5EF4-FFF2-40B4-BE49-F238E27FC236}">
+                <a16:creationId xmlns:a16="http://schemas.microsoft.com/office/drawing/2014/main" id="{5361DF46-DEA1-87D9-4C30-C63E1E6535F2}"/>
+              </a:ext>
+            </a:extLst>
+          </p:cNvPr>
+          <p:cNvSpPr/>
+          <p:nvPr/>
+        </p:nvSpPr>
+        <p:spPr>
+          <a:xfrm>
+            <a:off x="8787251" y="1690688"/>
+            <a:ext cx="2460169" cy="4259489"/>
+          </a:xfrm>
+          <a:prstGeom prst="rect">
+            <a:avLst/>
+          </a:prstGeom>
+        </p:spPr>
+        <p:style>
+          <a:lnRef idx="2">
+            <a:schemeClr val="accent1">
+              <a:shade val="15000"/>
+            </a:schemeClr>
+          </a:lnRef>
+          <a:fillRef idx="1">
+            <a:schemeClr val="accent1"/>
+          </a:fillRef>
+          <a:effectRef idx="0">
+            <a:schemeClr val="accent1"/>
+          </a:effectRef>
+          <a:fontRef idx="minor">
+            <a:schemeClr val="lt1"/>
+          </a:fontRef>
+        </p:style>
+        <p:txBody>
+          <a:bodyPr rtlCol="0" anchor="ctr"/>
+          <a:lstStyle/>
+          <a:p>
+            <a:pPr algn="ctr"/>
+            <a:r>
+              <a:rPr lang="en-IL" b="1" u="sng" dirty="0"/>
+              <a:t>IDLE</a:t>
+            </a:r>
+          </a:p>
+        </p:txBody>
+      </p:sp>
+      <p:sp>
+        <p:nvSpPr>
+          <p:cNvPr id="13" name="Right Arrow 12">
+            <a:extLst>
+              <a:ext uri="{FF2B5EF4-FFF2-40B4-BE49-F238E27FC236}">
+                <a16:creationId xmlns:a16="http://schemas.microsoft.com/office/drawing/2014/main" id="{BFE76325-DAA7-0FAB-78DF-3F2A844A837F}"/>
+              </a:ext>
+            </a:extLst>
+          </p:cNvPr>
+          <p:cNvSpPr/>
+          <p:nvPr/>
+        </p:nvSpPr>
+        <p:spPr>
+          <a:xfrm>
+            <a:off x="7228106" y="3429000"/>
+            <a:ext cx="1559144" cy="620485"/>
+          </a:xfrm>
+          <a:prstGeom prst="rightArrow">
+            <a:avLst/>
+          </a:prstGeom>
+        </p:spPr>
+        <p:style>
+          <a:lnRef idx="2">
+            <a:schemeClr val="accent1">
+              <a:shade val="15000"/>
+            </a:schemeClr>
+          </a:lnRef>
+          <a:fillRef idx="1">
+            <a:schemeClr val="accent1"/>
+          </a:fillRef>
+          <a:effectRef idx="0">
+            <a:schemeClr val="accent1"/>
+          </a:effectRef>
+          <a:fontRef idx="minor">
+            <a:schemeClr val="lt1"/>
+          </a:fontRef>
+        </p:style>
+        <p:txBody>
+          <a:bodyPr rtlCol="0" anchor="ctr"/>
+          <a:lstStyle/>
+          <a:p>
+            <a:pPr algn="ctr"/>
+            <a:endParaRPr lang="en-IL"/>
+          </a:p>
+        </p:txBody>
+      </p:sp>
+      <p:sp>
+        <p:nvSpPr>
+          <p:cNvPr id="14" name="TextBox 13">
+            <a:extLst>
+              <a:ext uri="{FF2B5EF4-FFF2-40B4-BE49-F238E27FC236}">
+                <a16:creationId xmlns:a16="http://schemas.microsoft.com/office/drawing/2014/main" id="{0FAED5B9-1E03-76B6-0487-70EC6F487AB7}"/>
+              </a:ext>
+            </a:extLst>
+          </p:cNvPr>
+          <p:cNvSpPr txBox="1"/>
+          <p:nvPr/>
+        </p:nvSpPr>
+        <p:spPr>
+          <a:xfrm>
+            <a:off x="7228106" y="2816234"/>
+            <a:ext cx="1559145" cy="646331"/>
+          </a:xfrm>
+          <a:prstGeom prst="rect">
+            <a:avLst/>
+          </a:prstGeom>
+          <a:noFill/>
+        </p:spPr>
+        <p:txBody>
+          <a:bodyPr wrap="none" rtlCol="0">
+            <a:spAutoFit/>
+          </a:bodyPr>
+          <a:lstStyle/>
+          <a:p>
+            <a:r>
+              <a:rPr lang="en-IL" dirty="0"/>
+              <a:t>EndLine=‘1’</a:t>
+            </a:r>
+          </a:p>
+          <a:p>
+            <a:r>
+              <a:rPr lang="en-IL" dirty="0"/>
+              <a:t>EndFrame=‘1’</a:t>
+            </a:r>
+          </a:p>
+        </p:txBody>
+      </p:sp>
+    </p:spTree>
+    <p:extLst>
+      <p:ext uri="{BB962C8B-B14F-4D97-AF65-F5344CB8AC3E}">
+        <p14:creationId xmlns:p14="http://schemas.microsoft.com/office/powerpoint/2010/main" val="1299480461"/>
+      </p:ext>
+    </p:extLst>
+  </p:cSld>
+  <p:clrMapOvr>
+    <a:masterClrMapping/>
+  </p:clrMapOvr>
+</p:sld>
+</file>
+
+<file path=ppt/slides/slide11.xml><?xml version="1.0" encoding="utf-8"?>
+<p:sld xmlns:a="http://schemas.openxmlformats.org/drawingml/2006/main" xmlns:r="http://schemas.openxmlformats.org/officeDocument/2006/relationships" xmlns:p="http://schemas.openxmlformats.org/presentationml/2006/main">
+  <p:cSld>
+    <p:spTree>
+      <p:nvGrpSpPr>
+        <p:cNvPr id="1" name=""/>
+        <p:cNvGrpSpPr/>
+        <p:nvPr/>
+      </p:nvGrpSpPr>
+      <p:grpSpPr>
+        <a:xfrm>
+          <a:off x="0" y="0"/>
+          <a:ext cx="0" cy="0"/>
+          <a:chOff x="0" y="0"/>
+          <a:chExt cx="0" cy="0"/>
+        </a:xfrm>
+      </p:grpSpPr>
+      <p:sp>
+        <p:nvSpPr>
+          <p:cNvPr id="2" name="Title 1">
+            <a:extLst>
+              <a:ext uri="{FF2B5EF4-FFF2-40B4-BE49-F238E27FC236}">
+                <a16:creationId xmlns:a16="http://schemas.microsoft.com/office/drawing/2014/main" id="{94286F2A-F963-F778-AB0E-B193C3255FDF}"/>
+              </a:ext>
+            </a:extLst>
+          </p:cNvPr>
+          <p:cNvSpPr>
+            <a:spLocks noGrp="1"/>
+          </p:cNvSpPr>
+          <p:nvPr>
+            <p:ph type="title"/>
+          </p:nvPr>
+        </p:nvSpPr>
+        <p:spPr/>
+        <p:txBody>
+          <a:bodyPr/>
+          <a:lstStyle/>
+          <a:p>
+            <a:pPr algn="ctr"/>
+            <a:r>
+              <a:rPr lang="en-IL" dirty="0"/>
+              <a:t>Checkerboard 1x1’white’– [2:0]Mode = ‘011’</a:t>
             </a:r>
           </a:p>
         </p:txBody>
@@ -3505,7 +4117,7 @@
             <a:pPr algn="ctr"/>
             <a:r>
               <a:rPr lang="en-IL" b="1" u="sng" dirty="0"/>
-              <a:t> [2:0]Mode == ‘110’ :</a:t>
+              <a:t> [2:0]Mode == ‘011’ :</a:t>
             </a:r>
           </a:p>
           <a:p>
@@ -3562,7 +4174,7 @@
             </a:r>
             <a:r>
               <a:rPr lang="en-IL" dirty="0"/>
-              <a:t>lag = ‘00’ or ‘01’:</a:t>
+              <a:t>lag = ‘0’:</a:t>
             </a:r>
           </a:p>
           <a:p>
@@ -3573,7 +4185,7 @@
             </a:r>
             <a:r>
               <a:rPr lang="en-IL" dirty="0"/>
-              <a:t> [1:0]ValSel = ‘10’</a:t>
+              <a:t> [1:0]ValSel = ‘00’</a:t>
             </a:r>
           </a:p>
           <a:p>
@@ -3588,7 +4200,7 @@
             </a:r>
             <a:r>
               <a:rPr lang="en-IL" dirty="0"/>
-              <a:t>lag = ‘10’ or ‘11’:</a:t>
+              <a:t>lag = ‘1’:</a:t>
             </a:r>
           </a:p>
           <a:p>
@@ -3599,8 +4211,168 @@
             </a:r>
             <a:r>
               <a:rPr lang="en-IL" dirty="0"/>
-              <a:t> [1:0]ValSel = ‘00’</a:t>
-            </a:r>
+              <a:t> [1:0]ValSel = ‘10’</a:t>
+            </a:r>
+          </a:p>
+        </p:txBody>
+      </p:sp>
+      <p:sp>
+        <p:nvSpPr>
+          <p:cNvPr id="5" name="Rectangle 4">
+            <a:extLst>
+              <a:ext uri="{FF2B5EF4-FFF2-40B4-BE49-F238E27FC236}">
+                <a16:creationId xmlns:a16="http://schemas.microsoft.com/office/drawing/2014/main" id="{B3678CFE-B37B-6B84-02C0-C674143B3E17}"/>
+              </a:ext>
+            </a:extLst>
+          </p:cNvPr>
+          <p:cNvSpPr/>
+          <p:nvPr/>
+        </p:nvSpPr>
+        <p:spPr>
+          <a:xfrm>
+            <a:off x="4767937" y="1690688"/>
+            <a:ext cx="2460169" cy="4259489"/>
+          </a:xfrm>
+          <a:prstGeom prst="rect">
+            <a:avLst/>
+          </a:prstGeom>
+        </p:spPr>
+        <p:style>
+          <a:lnRef idx="2">
+            <a:schemeClr val="accent1">
+              <a:shade val="15000"/>
+            </a:schemeClr>
+          </a:lnRef>
+          <a:fillRef idx="1">
+            <a:schemeClr val="accent1"/>
+          </a:fillRef>
+          <a:effectRef idx="0">
+            <a:schemeClr val="accent1"/>
+          </a:effectRef>
+          <a:fontRef idx="minor">
+            <a:schemeClr val="lt1"/>
+          </a:fontRef>
+        </p:style>
+        <p:txBody>
+          <a:bodyPr rtlCol="0" anchor="ctr"/>
+          <a:lstStyle/>
+          <a:p>
+            <a:pPr algn="ctr"/>
+            <a:r>
+              <a:rPr lang="en-IL" b="1" u="sng" dirty="0"/>
+              <a:t>CB 1x1:</a:t>
+            </a:r>
+          </a:p>
+          <a:p>
+            <a:pPr algn="ctr"/>
+            <a:r>
+              <a:rPr lang="en-US" u="sng" dirty="0"/>
+              <a:t>I</a:t>
+            </a:r>
+            <a:r>
+              <a:rPr lang="en-IL" u="sng" dirty="0"/>
+              <a:t>nput:</a:t>
+            </a:r>
+          </a:p>
+          <a:p>
+            <a:pPr algn="ctr"/>
+            <a:r>
+              <a:rPr lang="en-IL" dirty="0"/>
+              <a:t>EndLine=’0’:</a:t>
+            </a:r>
+          </a:p>
+          <a:p>
+            <a:pPr algn="ctr"/>
+            <a:r>
+              <a:rPr lang="en-US" u="sng" dirty="0"/>
+              <a:t>O</a:t>
+            </a:r>
+            <a:r>
+              <a:rPr lang="en-IL" u="sng" dirty="0"/>
+              <a:t>utput:</a:t>
+            </a:r>
+          </a:p>
+          <a:p>
+            <a:pPr algn="ctr"/>
+            <a:r>
+              <a:rPr lang="en-IL" dirty="0"/>
+              <a:t>Xmode= ‘00’</a:t>
+            </a:r>
+          </a:p>
+          <a:p>
+            <a:pPr algn="ctr"/>
+            <a:r>
+              <a:rPr lang="en-IL" dirty="0"/>
+              <a:t>Cnt_enb=‘1’</a:t>
+            </a:r>
+          </a:p>
+          <a:p>
+            <a:pPr algn="ctr"/>
+            <a:r>
+              <a:rPr lang="en-IL" dirty="0"/>
+              <a:t>12b_enb = ‘1’</a:t>
+            </a:r>
+          </a:p>
+          <a:p>
+            <a:pPr algn="ctr"/>
+            <a:r>
+              <a:rPr lang="en-IL" dirty="0"/>
+              <a:t>ValSel[1]=~ValSel[1]</a:t>
+            </a:r>
+          </a:p>
+          <a:p>
+            <a:pPr algn="ctr"/>
+            <a:r>
+              <a:rPr lang="en-IL" dirty="0"/>
+              <a:t>Flag = ~Flag(1clk)</a:t>
+            </a:r>
+          </a:p>
+          <a:p>
+            <a:pPr algn="ctr"/>
+            <a:r>
+              <a:rPr lang="en-US" u="sng" dirty="0"/>
+              <a:t>I</a:t>
+            </a:r>
+            <a:r>
+              <a:rPr lang="en-IL" u="sng" dirty="0"/>
+              <a:t>nput:</a:t>
+            </a:r>
+          </a:p>
+          <a:p>
+            <a:pPr algn="ctr"/>
+            <a:r>
+              <a:rPr lang="en-IL" dirty="0"/>
+              <a:t>EndLine=’1’:</a:t>
+            </a:r>
+          </a:p>
+          <a:p>
+            <a:pPr algn="ctr"/>
+            <a:r>
+              <a:rPr lang="en-US" u="sng" dirty="0"/>
+              <a:t>O</a:t>
+            </a:r>
+            <a:r>
+              <a:rPr lang="en-IL" u="sng" dirty="0"/>
+              <a:t>utput:</a:t>
+            </a:r>
+          </a:p>
+          <a:p>
+            <a:pPr algn="ctr"/>
+            <a:r>
+              <a:rPr lang="en-IL" dirty="0"/>
+              <a:t>Cnt_enb=‘0’</a:t>
+            </a:r>
+          </a:p>
+          <a:p>
+            <a:pPr algn="ctr"/>
+            <a:r>
+              <a:rPr lang="en-IL" dirty="0"/>
+              <a:t>12b_enb = ‘0’</a:t>
+            </a:r>
+          </a:p>
+          <a:p>
+            <a:pPr algn="ctr"/>
+            <a:endParaRPr lang="en-IL" dirty="0"/>
           </a:p>
         </p:txBody>
       </p:sp>
@@ -3780,6 +4552,1854 @@
         </p:nvSpPr>
         <p:spPr>
           <a:xfrm>
+            <a:off x="8787251" y="1690688"/>
+            <a:ext cx="2460169" cy="4259489"/>
+          </a:xfrm>
+          <a:prstGeom prst="rect">
+            <a:avLst/>
+          </a:prstGeom>
+        </p:spPr>
+        <p:style>
+          <a:lnRef idx="2">
+            <a:schemeClr val="accent1">
+              <a:shade val="15000"/>
+            </a:schemeClr>
+          </a:lnRef>
+          <a:fillRef idx="1">
+            <a:schemeClr val="accent1"/>
+          </a:fillRef>
+          <a:effectRef idx="0">
+            <a:schemeClr val="accent1"/>
+          </a:effectRef>
+          <a:fontRef idx="minor">
+            <a:schemeClr val="lt1"/>
+          </a:fontRef>
+        </p:style>
+        <p:txBody>
+          <a:bodyPr rtlCol="0" anchor="ctr"/>
+          <a:lstStyle/>
+          <a:p>
+            <a:pPr algn="ctr"/>
+            <a:r>
+              <a:rPr lang="en-IL" b="1" u="sng" dirty="0"/>
+              <a:t>IDLE</a:t>
+            </a:r>
+          </a:p>
+        </p:txBody>
+      </p:sp>
+      <p:sp>
+        <p:nvSpPr>
+          <p:cNvPr id="14" name="Right Arrow 13">
+            <a:extLst>
+              <a:ext uri="{FF2B5EF4-FFF2-40B4-BE49-F238E27FC236}">
+                <a16:creationId xmlns:a16="http://schemas.microsoft.com/office/drawing/2014/main" id="{020C8085-F819-2FAA-41C4-2BB269B2E78D}"/>
+              </a:ext>
+            </a:extLst>
+          </p:cNvPr>
+          <p:cNvSpPr/>
+          <p:nvPr/>
+        </p:nvSpPr>
+        <p:spPr>
+          <a:xfrm>
+            <a:off x="7228106" y="3429000"/>
+            <a:ext cx="1559144" cy="620485"/>
+          </a:xfrm>
+          <a:prstGeom prst="rightArrow">
+            <a:avLst/>
+          </a:prstGeom>
+        </p:spPr>
+        <p:style>
+          <a:lnRef idx="2">
+            <a:schemeClr val="accent1">
+              <a:shade val="15000"/>
+            </a:schemeClr>
+          </a:lnRef>
+          <a:fillRef idx="1">
+            <a:schemeClr val="accent1"/>
+          </a:fillRef>
+          <a:effectRef idx="0">
+            <a:schemeClr val="accent1"/>
+          </a:effectRef>
+          <a:fontRef idx="minor">
+            <a:schemeClr val="lt1"/>
+          </a:fontRef>
+        </p:style>
+        <p:txBody>
+          <a:bodyPr rtlCol="0" anchor="ctr"/>
+          <a:lstStyle/>
+          <a:p>
+            <a:pPr algn="ctr"/>
+            <a:endParaRPr lang="en-IL"/>
+          </a:p>
+        </p:txBody>
+      </p:sp>
+      <p:sp>
+        <p:nvSpPr>
+          <p:cNvPr id="15" name="TextBox 14">
+            <a:extLst>
+              <a:ext uri="{FF2B5EF4-FFF2-40B4-BE49-F238E27FC236}">
+                <a16:creationId xmlns:a16="http://schemas.microsoft.com/office/drawing/2014/main" id="{D08EF13E-D08F-7B08-1AA4-62D2F02C95CE}"/>
+              </a:ext>
+            </a:extLst>
+          </p:cNvPr>
+          <p:cNvSpPr txBox="1"/>
+          <p:nvPr/>
+        </p:nvSpPr>
+        <p:spPr>
+          <a:xfrm>
+            <a:off x="7228106" y="2816234"/>
+            <a:ext cx="1559145" cy="646331"/>
+          </a:xfrm>
+          <a:prstGeom prst="rect">
+            <a:avLst/>
+          </a:prstGeom>
+          <a:noFill/>
+        </p:spPr>
+        <p:txBody>
+          <a:bodyPr wrap="none" rtlCol="0">
+            <a:spAutoFit/>
+          </a:bodyPr>
+          <a:lstStyle/>
+          <a:p>
+            <a:r>
+              <a:rPr lang="en-IL" dirty="0"/>
+              <a:t>EndLine=‘1’</a:t>
+            </a:r>
+          </a:p>
+          <a:p>
+            <a:r>
+              <a:rPr lang="en-IL" dirty="0"/>
+              <a:t>EndFrame=‘1’</a:t>
+            </a:r>
+          </a:p>
+        </p:txBody>
+      </p:sp>
+    </p:spTree>
+    <p:extLst>
+      <p:ext uri="{BB962C8B-B14F-4D97-AF65-F5344CB8AC3E}">
+        <p14:creationId xmlns:p14="http://schemas.microsoft.com/office/powerpoint/2010/main" val="2417252751"/>
+      </p:ext>
+    </p:extLst>
+  </p:cSld>
+  <p:clrMapOvr>
+    <a:masterClrMapping/>
+  </p:clrMapOvr>
+</p:sld>
+</file>
+
+<file path=ppt/slides/slide12.xml><?xml version="1.0" encoding="utf-8"?>
+<p:sld xmlns:a="http://schemas.openxmlformats.org/drawingml/2006/main" xmlns:r="http://schemas.openxmlformats.org/officeDocument/2006/relationships" xmlns:p="http://schemas.openxmlformats.org/presentationml/2006/main">
+  <p:cSld>
+    <p:spTree>
+      <p:nvGrpSpPr>
+        <p:cNvPr id="1" name=""/>
+        <p:cNvGrpSpPr/>
+        <p:nvPr/>
+      </p:nvGrpSpPr>
+      <p:grpSpPr>
+        <a:xfrm>
+          <a:off x="0" y="0"/>
+          <a:ext cx="0" cy="0"/>
+          <a:chOff x="0" y="0"/>
+          <a:chExt cx="0" cy="0"/>
+        </a:xfrm>
+      </p:grpSpPr>
+      <p:sp>
+        <p:nvSpPr>
+          <p:cNvPr id="2" name="Title 1">
+            <a:extLst>
+              <a:ext uri="{FF2B5EF4-FFF2-40B4-BE49-F238E27FC236}">
+                <a16:creationId xmlns:a16="http://schemas.microsoft.com/office/drawing/2014/main" id="{94286F2A-F963-F778-AB0E-B193C3255FDF}"/>
+              </a:ext>
+            </a:extLst>
+          </p:cNvPr>
+          <p:cNvSpPr>
+            <a:spLocks noGrp="1"/>
+          </p:cNvSpPr>
+          <p:nvPr>
+            <p:ph type="title"/>
+          </p:nvPr>
+        </p:nvSpPr>
+        <p:spPr/>
+        <p:txBody>
+          <a:bodyPr/>
+          <a:lstStyle/>
+          <a:p>
+            <a:pPr algn="ctr"/>
+            <a:r>
+              <a:rPr lang="en-IL" dirty="0"/>
+              <a:t>Checkerboard 1x1’black’– [2:0]Mode = ‘100’</a:t>
+            </a:r>
+          </a:p>
+        </p:txBody>
+      </p:sp>
+      <p:sp>
+        <p:nvSpPr>
+          <p:cNvPr id="3" name="Rectangle 2">
+            <a:extLst>
+              <a:ext uri="{FF2B5EF4-FFF2-40B4-BE49-F238E27FC236}">
+                <a16:creationId xmlns:a16="http://schemas.microsoft.com/office/drawing/2014/main" id="{7CABD7A3-FE25-C0FC-C685-E0DF0E3EEB2A}"/>
+              </a:ext>
+            </a:extLst>
+          </p:cNvPr>
+          <p:cNvSpPr/>
+          <p:nvPr/>
+        </p:nvSpPr>
+        <p:spPr>
+          <a:xfrm>
+            <a:off x="642258" y="1690687"/>
+            <a:ext cx="2656112" cy="4252503"/>
+          </a:xfrm>
+          <a:prstGeom prst="rect">
+            <a:avLst/>
+          </a:prstGeom>
+        </p:spPr>
+        <p:style>
+          <a:lnRef idx="2">
+            <a:schemeClr val="accent1">
+              <a:shade val="15000"/>
+            </a:schemeClr>
+          </a:lnRef>
+          <a:fillRef idx="1">
+            <a:schemeClr val="accent1"/>
+          </a:fillRef>
+          <a:effectRef idx="0">
+            <a:schemeClr val="accent1"/>
+          </a:effectRef>
+          <a:fontRef idx="minor">
+            <a:schemeClr val="lt1"/>
+          </a:fontRef>
+        </p:style>
+        <p:txBody>
+          <a:bodyPr rtlCol="0" anchor="ctr"/>
+          <a:lstStyle/>
+          <a:p>
+            <a:pPr algn="ctr"/>
+            <a:r>
+              <a:rPr lang="en-IL" b="1" u="sng" dirty="0"/>
+              <a:t>READY</a:t>
+            </a:r>
+          </a:p>
+          <a:p>
+            <a:pPr algn="ctr"/>
+            <a:r>
+              <a:rPr lang="en-IL" b="1" u="sng" dirty="0"/>
+              <a:t> [2:0]Mode == ‘100’ :</a:t>
+            </a:r>
+          </a:p>
+          <a:p>
+            <a:pPr algn="ctr"/>
+            <a:r>
+              <a:rPr lang="en-IL" dirty="0"/>
+              <a:t>5b_enb =‘1’</a:t>
+            </a:r>
+          </a:p>
+          <a:p>
+            <a:pPr algn="ctr"/>
+            <a:r>
+              <a:rPr lang="en-IL" dirty="0"/>
+              <a:t>Test = ‘1’</a:t>
+            </a:r>
+          </a:p>
+          <a:p>
+            <a:pPr algn="ctr"/>
+            <a:r>
+              <a:rPr lang="en-IL" dirty="0"/>
+              <a:t>Binary_Or_Gray=’0’</a:t>
+            </a:r>
+          </a:p>
+          <a:p>
+            <a:pPr algn="ctr"/>
+            <a:r>
+              <a:rPr lang="en-IL" dirty="0"/>
+              <a:t>ramp_enb =’0’</a:t>
+            </a:r>
+          </a:p>
+          <a:p>
+            <a:pPr algn="ctr"/>
+            <a:r>
+              <a:rPr lang="en-IL" dirty="0"/>
+              <a:t>NewLine =‘1’(2d clk)</a:t>
+            </a:r>
+          </a:p>
+          <a:p>
+            <a:pPr algn="ctr"/>
+            <a:r>
+              <a:rPr lang="en-IL" dirty="0"/>
+              <a:t>Cnt_enb=‘1’(2d clk)</a:t>
+            </a:r>
+          </a:p>
+          <a:p>
+            <a:pPr algn="ctr"/>
+            <a:r>
+              <a:rPr lang="en-US" u="sng" dirty="0"/>
+              <a:t>Input: </a:t>
+            </a:r>
+            <a:r>
+              <a:rPr lang="en-US" dirty="0"/>
+              <a:t>F</a:t>
+            </a:r>
+            <a:r>
+              <a:rPr lang="en-IL" dirty="0"/>
+              <a:t>lag = ‘0’:</a:t>
+            </a:r>
+          </a:p>
+          <a:p>
+            <a:pPr algn="ctr"/>
+            <a:r>
+              <a:rPr lang="en-IL" u="sng" dirty="0"/>
+              <a:t>Output:</a:t>
+            </a:r>
+            <a:r>
+              <a:rPr lang="en-IL" dirty="0"/>
+              <a:t> [1:0]ValSel = ‘10’</a:t>
+            </a:r>
+          </a:p>
+          <a:p>
+            <a:pPr algn="ctr"/>
+            <a:r>
+              <a:rPr lang="en-US" u="sng" dirty="0"/>
+              <a:t>Input: </a:t>
+            </a:r>
+            <a:r>
+              <a:rPr lang="en-US" dirty="0"/>
+              <a:t>F</a:t>
+            </a:r>
+            <a:r>
+              <a:rPr lang="en-IL" dirty="0"/>
+              <a:t>lag = ‘1’:</a:t>
+            </a:r>
+          </a:p>
+          <a:p>
+            <a:pPr algn="ctr"/>
+            <a:r>
+              <a:rPr lang="en-IL" u="sng" dirty="0"/>
+              <a:t>Output:</a:t>
+            </a:r>
+            <a:r>
+              <a:rPr lang="en-IL" dirty="0"/>
+              <a:t> [1:0]ValSel = ‘00’</a:t>
+            </a:r>
+          </a:p>
+        </p:txBody>
+      </p:sp>
+      <p:sp>
+        <p:nvSpPr>
+          <p:cNvPr id="5" name="Rectangle 4">
+            <a:extLst>
+              <a:ext uri="{FF2B5EF4-FFF2-40B4-BE49-F238E27FC236}">
+                <a16:creationId xmlns:a16="http://schemas.microsoft.com/office/drawing/2014/main" id="{B3678CFE-B37B-6B84-02C0-C674143B3E17}"/>
+              </a:ext>
+            </a:extLst>
+          </p:cNvPr>
+          <p:cNvSpPr/>
+          <p:nvPr/>
+        </p:nvSpPr>
+        <p:spPr>
+          <a:xfrm>
+            <a:off x="4767937" y="1690688"/>
+            <a:ext cx="2460169" cy="4259489"/>
+          </a:xfrm>
+          <a:prstGeom prst="rect">
+            <a:avLst/>
+          </a:prstGeom>
+        </p:spPr>
+        <p:style>
+          <a:lnRef idx="2">
+            <a:schemeClr val="accent1">
+              <a:shade val="15000"/>
+            </a:schemeClr>
+          </a:lnRef>
+          <a:fillRef idx="1">
+            <a:schemeClr val="accent1"/>
+          </a:fillRef>
+          <a:effectRef idx="0">
+            <a:schemeClr val="accent1"/>
+          </a:effectRef>
+          <a:fontRef idx="minor">
+            <a:schemeClr val="lt1"/>
+          </a:fontRef>
+        </p:style>
+        <p:txBody>
+          <a:bodyPr rtlCol="0" anchor="ctr"/>
+          <a:lstStyle/>
+          <a:p>
+            <a:pPr algn="ctr"/>
+            <a:r>
+              <a:rPr lang="en-IL" b="1" u="sng" dirty="0"/>
+              <a:t>CB 1x1:</a:t>
+            </a:r>
+          </a:p>
+          <a:p>
+            <a:pPr algn="ctr"/>
+            <a:r>
+              <a:rPr lang="en-US" u="sng" dirty="0"/>
+              <a:t>I</a:t>
+            </a:r>
+            <a:r>
+              <a:rPr lang="en-IL" u="sng" dirty="0"/>
+              <a:t>nput:</a:t>
+            </a:r>
+          </a:p>
+          <a:p>
+            <a:pPr algn="ctr"/>
+            <a:r>
+              <a:rPr lang="en-IL" dirty="0"/>
+              <a:t>EndLine=’0’:</a:t>
+            </a:r>
+          </a:p>
+          <a:p>
+            <a:pPr algn="ctr"/>
+            <a:r>
+              <a:rPr lang="en-US" u="sng" dirty="0"/>
+              <a:t>O</a:t>
+            </a:r>
+            <a:r>
+              <a:rPr lang="en-IL" u="sng" dirty="0"/>
+              <a:t>utput:</a:t>
+            </a:r>
+          </a:p>
+          <a:p>
+            <a:pPr algn="ctr"/>
+            <a:r>
+              <a:rPr lang="en-IL" dirty="0"/>
+              <a:t>Xmode= ‘00’</a:t>
+            </a:r>
+          </a:p>
+          <a:p>
+            <a:pPr algn="ctr"/>
+            <a:r>
+              <a:rPr lang="en-IL" dirty="0"/>
+              <a:t>Cnt_enb=‘1’</a:t>
+            </a:r>
+          </a:p>
+          <a:p>
+            <a:pPr algn="ctr"/>
+            <a:r>
+              <a:rPr lang="en-IL" dirty="0"/>
+              <a:t>12b_enb = ‘1’</a:t>
+            </a:r>
+          </a:p>
+          <a:p>
+            <a:pPr algn="ctr"/>
+            <a:r>
+              <a:rPr lang="en-IL" dirty="0"/>
+              <a:t>ValSel[1]=~ValSel[1]</a:t>
+            </a:r>
+          </a:p>
+          <a:p>
+            <a:pPr algn="ctr"/>
+            <a:r>
+              <a:rPr lang="en-IL" dirty="0"/>
+              <a:t>Flag = ~Flag(1clk)</a:t>
+            </a:r>
+          </a:p>
+          <a:p>
+            <a:pPr algn="ctr"/>
+            <a:r>
+              <a:rPr lang="en-US" u="sng" dirty="0"/>
+              <a:t>I</a:t>
+            </a:r>
+            <a:r>
+              <a:rPr lang="en-IL" u="sng" dirty="0"/>
+              <a:t>nput:</a:t>
+            </a:r>
+          </a:p>
+          <a:p>
+            <a:pPr algn="ctr"/>
+            <a:r>
+              <a:rPr lang="en-IL" dirty="0"/>
+              <a:t>EndLine=’1’:</a:t>
+            </a:r>
+          </a:p>
+          <a:p>
+            <a:pPr algn="ctr"/>
+            <a:r>
+              <a:rPr lang="en-US" u="sng" dirty="0"/>
+              <a:t>O</a:t>
+            </a:r>
+            <a:r>
+              <a:rPr lang="en-IL" u="sng" dirty="0"/>
+              <a:t>utput:</a:t>
+            </a:r>
+          </a:p>
+          <a:p>
+            <a:pPr algn="ctr"/>
+            <a:r>
+              <a:rPr lang="en-IL" dirty="0"/>
+              <a:t>Cnt_enb=‘0’</a:t>
+            </a:r>
+          </a:p>
+          <a:p>
+            <a:pPr algn="ctr"/>
+            <a:r>
+              <a:rPr lang="en-IL" dirty="0"/>
+              <a:t>12b_enb = ‘0’</a:t>
+            </a:r>
+          </a:p>
+          <a:p>
+            <a:pPr algn="ctr"/>
+            <a:endParaRPr lang="en-IL" dirty="0"/>
+          </a:p>
+        </p:txBody>
+      </p:sp>
+      <p:sp>
+        <p:nvSpPr>
+          <p:cNvPr id="6" name="Right Arrow 5">
+            <a:extLst>
+              <a:ext uri="{FF2B5EF4-FFF2-40B4-BE49-F238E27FC236}">
+                <a16:creationId xmlns:a16="http://schemas.microsoft.com/office/drawing/2014/main" id="{184311DD-2C26-68C2-72B3-018E26B957BA}"/>
+              </a:ext>
+            </a:extLst>
+          </p:cNvPr>
+          <p:cNvSpPr/>
+          <p:nvPr/>
+        </p:nvSpPr>
+        <p:spPr>
+          <a:xfrm>
+            <a:off x="3298370" y="2068422"/>
+            <a:ext cx="1469568" cy="620485"/>
+          </a:xfrm>
+          <a:prstGeom prst="rightArrow">
+            <a:avLst/>
+          </a:prstGeom>
+        </p:spPr>
+        <p:style>
+          <a:lnRef idx="2">
+            <a:schemeClr val="accent1">
+              <a:shade val="15000"/>
+            </a:schemeClr>
+          </a:lnRef>
+          <a:fillRef idx="1">
+            <a:schemeClr val="accent1"/>
+          </a:fillRef>
+          <a:effectRef idx="0">
+            <a:schemeClr val="accent1"/>
+          </a:effectRef>
+          <a:fontRef idx="minor">
+            <a:schemeClr val="lt1"/>
+          </a:fontRef>
+        </p:style>
+        <p:txBody>
+          <a:bodyPr rtlCol="0" anchor="ctr"/>
+          <a:lstStyle/>
+          <a:p>
+            <a:pPr algn="ctr"/>
+            <a:endParaRPr lang="en-IL"/>
+          </a:p>
+        </p:txBody>
+      </p:sp>
+      <p:sp>
+        <p:nvSpPr>
+          <p:cNvPr id="7" name="TextBox 6">
+            <a:extLst>
+              <a:ext uri="{FF2B5EF4-FFF2-40B4-BE49-F238E27FC236}">
+                <a16:creationId xmlns:a16="http://schemas.microsoft.com/office/drawing/2014/main" id="{762319F4-5DCA-A692-B517-63A9666EECC9}"/>
+              </a:ext>
+            </a:extLst>
+          </p:cNvPr>
+          <p:cNvSpPr txBox="1"/>
+          <p:nvPr/>
+        </p:nvSpPr>
+        <p:spPr>
+          <a:xfrm>
+            <a:off x="3513329" y="4780961"/>
+            <a:ext cx="1039644" cy="369332"/>
+          </a:xfrm>
+          <a:prstGeom prst="rect">
+            <a:avLst/>
+          </a:prstGeom>
+          <a:noFill/>
+        </p:spPr>
+        <p:txBody>
+          <a:bodyPr wrap="none" rtlCol="0">
+            <a:spAutoFit/>
+          </a:bodyPr>
+          <a:lstStyle/>
+          <a:p>
+            <a:r>
+              <a:rPr lang="en-IL" dirty="0"/>
+              <a:t>Sync=‘1’</a:t>
+            </a:r>
+          </a:p>
+        </p:txBody>
+      </p:sp>
+      <p:sp>
+        <p:nvSpPr>
+          <p:cNvPr id="11" name="Right Arrow 10">
+            <a:extLst>
+              <a:ext uri="{FF2B5EF4-FFF2-40B4-BE49-F238E27FC236}">
+                <a16:creationId xmlns:a16="http://schemas.microsoft.com/office/drawing/2014/main" id="{85E27390-7881-0741-DE12-9F51E6932724}"/>
+              </a:ext>
+            </a:extLst>
+          </p:cNvPr>
+          <p:cNvSpPr/>
+          <p:nvPr/>
+        </p:nvSpPr>
+        <p:spPr>
+          <a:xfrm rot="10800000">
+            <a:off x="3298365" y="4160475"/>
+            <a:ext cx="1469569" cy="620485"/>
+          </a:xfrm>
+          <a:prstGeom prst="rightArrow">
+            <a:avLst/>
+          </a:prstGeom>
+        </p:spPr>
+        <p:style>
+          <a:lnRef idx="2">
+            <a:schemeClr val="accent1">
+              <a:shade val="15000"/>
+            </a:schemeClr>
+          </a:lnRef>
+          <a:fillRef idx="1">
+            <a:schemeClr val="accent1"/>
+          </a:fillRef>
+          <a:effectRef idx="0">
+            <a:schemeClr val="accent1"/>
+          </a:effectRef>
+          <a:fontRef idx="minor">
+            <a:schemeClr val="lt1"/>
+          </a:fontRef>
+        </p:style>
+        <p:txBody>
+          <a:bodyPr rtlCol="0" anchor="ctr"/>
+          <a:lstStyle/>
+          <a:p>
+            <a:pPr algn="ctr"/>
+            <a:endParaRPr lang="en-IL"/>
+          </a:p>
+        </p:txBody>
+      </p:sp>
+      <p:sp>
+        <p:nvSpPr>
+          <p:cNvPr id="12" name="TextBox 11">
+            <a:extLst>
+              <a:ext uri="{FF2B5EF4-FFF2-40B4-BE49-F238E27FC236}">
+                <a16:creationId xmlns:a16="http://schemas.microsoft.com/office/drawing/2014/main" id="{37A6783C-C517-13C6-CFA7-3626EF06A7E0}"/>
+              </a:ext>
+            </a:extLst>
+          </p:cNvPr>
+          <p:cNvSpPr txBox="1"/>
+          <p:nvPr/>
+        </p:nvSpPr>
+        <p:spPr>
+          <a:xfrm>
+            <a:off x="3513329" y="1777781"/>
+            <a:ext cx="896399" cy="369332"/>
+          </a:xfrm>
+          <a:prstGeom prst="rect">
+            <a:avLst/>
+          </a:prstGeom>
+          <a:noFill/>
+        </p:spPr>
+        <p:txBody>
+          <a:bodyPr wrap="none" rtlCol="0">
+            <a:spAutoFit/>
+          </a:bodyPr>
+          <a:lstStyle/>
+          <a:p>
+            <a:r>
+              <a:rPr lang="en-IL" dirty="0"/>
+              <a:t>2 clock</a:t>
+            </a:r>
+          </a:p>
+        </p:txBody>
+      </p:sp>
+      <p:sp>
+        <p:nvSpPr>
+          <p:cNvPr id="13" name="Rectangle 12">
+            <a:extLst>
+              <a:ext uri="{FF2B5EF4-FFF2-40B4-BE49-F238E27FC236}">
+                <a16:creationId xmlns:a16="http://schemas.microsoft.com/office/drawing/2014/main" id="{8F5AE00D-AB22-D268-3D89-C109F98244AC}"/>
+              </a:ext>
+            </a:extLst>
+          </p:cNvPr>
+          <p:cNvSpPr/>
+          <p:nvPr/>
+        </p:nvSpPr>
+        <p:spPr>
+          <a:xfrm>
+            <a:off x="8787251" y="1690688"/>
+            <a:ext cx="2460169" cy="4259489"/>
+          </a:xfrm>
+          <a:prstGeom prst="rect">
+            <a:avLst/>
+          </a:prstGeom>
+        </p:spPr>
+        <p:style>
+          <a:lnRef idx="2">
+            <a:schemeClr val="accent1">
+              <a:shade val="15000"/>
+            </a:schemeClr>
+          </a:lnRef>
+          <a:fillRef idx="1">
+            <a:schemeClr val="accent1"/>
+          </a:fillRef>
+          <a:effectRef idx="0">
+            <a:schemeClr val="accent1"/>
+          </a:effectRef>
+          <a:fontRef idx="minor">
+            <a:schemeClr val="lt1"/>
+          </a:fontRef>
+        </p:style>
+        <p:txBody>
+          <a:bodyPr rtlCol="0" anchor="ctr"/>
+          <a:lstStyle/>
+          <a:p>
+            <a:pPr algn="ctr"/>
+            <a:r>
+              <a:rPr lang="en-IL" b="1" u="sng" dirty="0"/>
+              <a:t>IDLE</a:t>
+            </a:r>
+          </a:p>
+        </p:txBody>
+      </p:sp>
+      <p:sp>
+        <p:nvSpPr>
+          <p:cNvPr id="14" name="Right Arrow 13">
+            <a:extLst>
+              <a:ext uri="{FF2B5EF4-FFF2-40B4-BE49-F238E27FC236}">
+                <a16:creationId xmlns:a16="http://schemas.microsoft.com/office/drawing/2014/main" id="{020C8085-F819-2FAA-41C4-2BB269B2E78D}"/>
+              </a:ext>
+            </a:extLst>
+          </p:cNvPr>
+          <p:cNvSpPr/>
+          <p:nvPr/>
+        </p:nvSpPr>
+        <p:spPr>
+          <a:xfrm>
+            <a:off x="7228106" y="3429000"/>
+            <a:ext cx="1559144" cy="620485"/>
+          </a:xfrm>
+          <a:prstGeom prst="rightArrow">
+            <a:avLst/>
+          </a:prstGeom>
+        </p:spPr>
+        <p:style>
+          <a:lnRef idx="2">
+            <a:schemeClr val="accent1">
+              <a:shade val="15000"/>
+            </a:schemeClr>
+          </a:lnRef>
+          <a:fillRef idx="1">
+            <a:schemeClr val="accent1"/>
+          </a:fillRef>
+          <a:effectRef idx="0">
+            <a:schemeClr val="accent1"/>
+          </a:effectRef>
+          <a:fontRef idx="minor">
+            <a:schemeClr val="lt1"/>
+          </a:fontRef>
+        </p:style>
+        <p:txBody>
+          <a:bodyPr rtlCol="0" anchor="ctr"/>
+          <a:lstStyle/>
+          <a:p>
+            <a:pPr algn="ctr"/>
+            <a:endParaRPr lang="en-IL"/>
+          </a:p>
+        </p:txBody>
+      </p:sp>
+      <p:sp>
+        <p:nvSpPr>
+          <p:cNvPr id="15" name="TextBox 14">
+            <a:extLst>
+              <a:ext uri="{FF2B5EF4-FFF2-40B4-BE49-F238E27FC236}">
+                <a16:creationId xmlns:a16="http://schemas.microsoft.com/office/drawing/2014/main" id="{D08EF13E-D08F-7B08-1AA4-62D2F02C95CE}"/>
+              </a:ext>
+            </a:extLst>
+          </p:cNvPr>
+          <p:cNvSpPr txBox="1"/>
+          <p:nvPr/>
+        </p:nvSpPr>
+        <p:spPr>
+          <a:xfrm>
+            <a:off x="7228106" y="2816234"/>
+            <a:ext cx="1559145" cy="646331"/>
+          </a:xfrm>
+          <a:prstGeom prst="rect">
+            <a:avLst/>
+          </a:prstGeom>
+          <a:noFill/>
+        </p:spPr>
+        <p:txBody>
+          <a:bodyPr wrap="none" rtlCol="0">
+            <a:spAutoFit/>
+          </a:bodyPr>
+          <a:lstStyle/>
+          <a:p>
+            <a:r>
+              <a:rPr lang="en-IL" dirty="0"/>
+              <a:t>EndLine=‘1’</a:t>
+            </a:r>
+          </a:p>
+          <a:p>
+            <a:r>
+              <a:rPr lang="en-IL" dirty="0"/>
+              <a:t>EndFrame=‘1’</a:t>
+            </a:r>
+          </a:p>
+        </p:txBody>
+      </p:sp>
+    </p:spTree>
+    <p:extLst>
+      <p:ext uri="{BB962C8B-B14F-4D97-AF65-F5344CB8AC3E}">
+        <p14:creationId xmlns:p14="http://schemas.microsoft.com/office/powerpoint/2010/main" val="2837591648"/>
+      </p:ext>
+    </p:extLst>
+  </p:cSld>
+  <p:clrMapOvr>
+    <a:masterClrMapping/>
+  </p:clrMapOvr>
+</p:sld>
+</file>
+
+<file path=ppt/slides/slide13.xml><?xml version="1.0" encoding="utf-8"?>
+<p:sld xmlns:a="http://schemas.openxmlformats.org/drawingml/2006/main" xmlns:r="http://schemas.openxmlformats.org/officeDocument/2006/relationships" xmlns:p="http://schemas.openxmlformats.org/presentationml/2006/main">
+  <p:cSld>
+    <p:spTree>
+      <p:nvGrpSpPr>
+        <p:cNvPr id="1" name=""/>
+        <p:cNvGrpSpPr/>
+        <p:nvPr/>
+      </p:nvGrpSpPr>
+      <p:grpSpPr>
+        <a:xfrm>
+          <a:off x="0" y="0"/>
+          <a:ext cx="0" cy="0"/>
+          <a:chOff x="0" y="0"/>
+          <a:chExt cx="0" cy="0"/>
+        </a:xfrm>
+      </p:grpSpPr>
+      <p:sp>
+        <p:nvSpPr>
+          <p:cNvPr id="2" name="Title 1">
+            <a:extLst>
+              <a:ext uri="{FF2B5EF4-FFF2-40B4-BE49-F238E27FC236}">
+                <a16:creationId xmlns:a16="http://schemas.microsoft.com/office/drawing/2014/main" id="{94286F2A-F963-F778-AB0E-B193C3255FDF}"/>
+              </a:ext>
+            </a:extLst>
+          </p:cNvPr>
+          <p:cNvSpPr>
+            <a:spLocks noGrp="1"/>
+          </p:cNvSpPr>
+          <p:nvPr>
+            <p:ph type="title"/>
+          </p:nvPr>
+        </p:nvSpPr>
+        <p:spPr/>
+        <p:txBody>
+          <a:bodyPr/>
+          <a:lstStyle/>
+          <a:p>
+            <a:pPr algn="ctr"/>
+            <a:r>
+              <a:rPr lang="en-IL" dirty="0"/>
+              <a:t>Checkerboard 2x2 ’white’– [2:0]Mode = ‘101’</a:t>
+            </a:r>
+          </a:p>
+        </p:txBody>
+      </p:sp>
+      <p:sp>
+        <p:nvSpPr>
+          <p:cNvPr id="3" name="Rectangle 2">
+            <a:extLst>
+              <a:ext uri="{FF2B5EF4-FFF2-40B4-BE49-F238E27FC236}">
+                <a16:creationId xmlns:a16="http://schemas.microsoft.com/office/drawing/2014/main" id="{7CABD7A3-FE25-C0FC-C685-E0DF0E3EEB2A}"/>
+              </a:ext>
+            </a:extLst>
+          </p:cNvPr>
+          <p:cNvSpPr/>
+          <p:nvPr/>
+        </p:nvSpPr>
+        <p:spPr>
+          <a:xfrm>
+            <a:off x="642258" y="1690687"/>
+            <a:ext cx="2656112" cy="4252503"/>
+          </a:xfrm>
+          <a:prstGeom prst="rect">
+            <a:avLst/>
+          </a:prstGeom>
+        </p:spPr>
+        <p:style>
+          <a:lnRef idx="2">
+            <a:schemeClr val="accent1">
+              <a:shade val="15000"/>
+            </a:schemeClr>
+          </a:lnRef>
+          <a:fillRef idx="1">
+            <a:schemeClr val="accent1"/>
+          </a:fillRef>
+          <a:effectRef idx="0">
+            <a:schemeClr val="accent1"/>
+          </a:effectRef>
+          <a:fontRef idx="minor">
+            <a:schemeClr val="lt1"/>
+          </a:fontRef>
+        </p:style>
+        <p:txBody>
+          <a:bodyPr rtlCol="0" anchor="ctr"/>
+          <a:lstStyle/>
+          <a:p>
+            <a:pPr algn="ctr"/>
+            <a:r>
+              <a:rPr lang="en-IL" b="1" u="sng" dirty="0"/>
+              <a:t>READY</a:t>
+            </a:r>
+          </a:p>
+          <a:p>
+            <a:pPr algn="ctr"/>
+            <a:r>
+              <a:rPr lang="en-IL" b="1" u="sng" dirty="0"/>
+              <a:t> [2:0]Mode == ‘101’ :</a:t>
+            </a:r>
+          </a:p>
+          <a:p>
+            <a:pPr algn="ctr"/>
+            <a:r>
+              <a:rPr lang="en-IL" dirty="0"/>
+              <a:t>5b_enb =‘1’</a:t>
+            </a:r>
+          </a:p>
+          <a:p>
+            <a:pPr algn="ctr"/>
+            <a:r>
+              <a:rPr lang="en-IL" dirty="0"/>
+              <a:t>Test = ‘1’</a:t>
+            </a:r>
+          </a:p>
+          <a:p>
+            <a:pPr algn="ctr"/>
+            <a:r>
+              <a:rPr lang="en-IL" dirty="0"/>
+              <a:t>Binary_Or_Gray=’0’</a:t>
+            </a:r>
+          </a:p>
+          <a:p>
+            <a:pPr algn="ctr"/>
+            <a:r>
+              <a:rPr lang="en-IL" dirty="0"/>
+              <a:t>ramp_enb =’0’</a:t>
+            </a:r>
+          </a:p>
+          <a:p>
+            <a:pPr algn="ctr"/>
+            <a:r>
+              <a:rPr lang="en-IL" dirty="0"/>
+              <a:t>NewLine =‘1’(2d clk)</a:t>
+            </a:r>
+          </a:p>
+          <a:p>
+            <a:pPr algn="ctr"/>
+            <a:r>
+              <a:rPr lang="en-IL" dirty="0"/>
+              <a:t>Cnt_enb=‘1’(2d clk)</a:t>
+            </a:r>
+          </a:p>
+          <a:p>
+            <a:pPr algn="ctr"/>
+            <a:r>
+              <a:rPr lang="en-US" u="sng" dirty="0"/>
+              <a:t>Input: </a:t>
+            </a:r>
+            <a:r>
+              <a:rPr lang="en-US" dirty="0"/>
+              <a:t>F</a:t>
+            </a:r>
+            <a:r>
+              <a:rPr lang="en-IL" dirty="0"/>
+              <a:t>lag = ‘00’ or ‘01’:</a:t>
+            </a:r>
+          </a:p>
+          <a:p>
+            <a:pPr algn="ctr"/>
+            <a:r>
+              <a:rPr lang="en-IL" u="sng" dirty="0"/>
+              <a:t>Output:</a:t>
+            </a:r>
+            <a:r>
+              <a:rPr lang="en-IL" dirty="0"/>
+              <a:t> [1:0]ValSel = ‘00’</a:t>
+            </a:r>
+          </a:p>
+          <a:p>
+            <a:pPr algn="ctr"/>
+            <a:r>
+              <a:rPr lang="en-US" u="sng" dirty="0"/>
+              <a:t>Input: </a:t>
+            </a:r>
+            <a:r>
+              <a:rPr lang="en-US" dirty="0"/>
+              <a:t>F</a:t>
+            </a:r>
+            <a:r>
+              <a:rPr lang="en-IL" dirty="0"/>
+              <a:t>lag = ’10’ or ‘11’:</a:t>
+            </a:r>
+          </a:p>
+          <a:p>
+            <a:pPr algn="ctr"/>
+            <a:r>
+              <a:rPr lang="en-IL" u="sng" dirty="0"/>
+              <a:t>Output:</a:t>
+            </a:r>
+            <a:r>
+              <a:rPr lang="en-IL" dirty="0"/>
+              <a:t> [1:0]ValSel = ‘10’</a:t>
+            </a:r>
+          </a:p>
+        </p:txBody>
+      </p:sp>
+      <p:sp>
+        <p:nvSpPr>
+          <p:cNvPr id="5" name="Rectangle 4">
+            <a:extLst>
+              <a:ext uri="{FF2B5EF4-FFF2-40B4-BE49-F238E27FC236}">
+                <a16:creationId xmlns:a16="http://schemas.microsoft.com/office/drawing/2014/main" id="{B3678CFE-B37B-6B84-02C0-C674143B3E17}"/>
+              </a:ext>
+            </a:extLst>
+          </p:cNvPr>
+          <p:cNvSpPr/>
+          <p:nvPr/>
+        </p:nvSpPr>
+        <p:spPr>
+          <a:xfrm>
+            <a:off x="4767937" y="1690688"/>
+            <a:ext cx="2656103" cy="4259489"/>
+          </a:xfrm>
+          <a:prstGeom prst="rect">
+            <a:avLst/>
+          </a:prstGeom>
+        </p:spPr>
+        <p:style>
+          <a:lnRef idx="2">
+            <a:schemeClr val="accent1">
+              <a:shade val="15000"/>
+            </a:schemeClr>
+          </a:lnRef>
+          <a:fillRef idx="1">
+            <a:schemeClr val="accent1"/>
+          </a:fillRef>
+          <a:effectRef idx="0">
+            <a:schemeClr val="accent1"/>
+          </a:effectRef>
+          <a:fontRef idx="minor">
+            <a:schemeClr val="lt1"/>
+          </a:fontRef>
+        </p:style>
+        <p:txBody>
+          <a:bodyPr rtlCol="0" anchor="ctr"/>
+          <a:lstStyle/>
+          <a:p>
+            <a:pPr algn="ctr"/>
+            <a:r>
+              <a:rPr lang="en-IL" b="1" u="sng" dirty="0"/>
+              <a:t>CB 2x2:</a:t>
+            </a:r>
+          </a:p>
+          <a:p>
+            <a:pPr algn="ctr"/>
+            <a:r>
+              <a:rPr lang="en-US" u="sng" dirty="0"/>
+              <a:t>I</a:t>
+            </a:r>
+            <a:r>
+              <a:rPr lang="en-IL" u="sng" dirty="0"/>
+              <a:t>nput:</a:t>
+            </a:r>
+          </a:p>
+          <a:p>
+            <a:pPr algn="ctr"/>
+            <a:r>
+              <a:rPr lang="en-IL" dirty="0"/>
+              <a:t>EndLine=’0’:</a:t>
+            </a:r>
+          </a:p>
+          <a:p>
+            <a:pPr algn="ctr"/>
+            <a:r>
+              <a:rPr lang="en-US" u="sng" dirty="0"/>
+              <a:t>O</a:t>
+            </a:r>
+            <a:r>
+              <a:rPr lang="en-IL" u="sng" dirty="0"/>
+              <a:t>utput:</a:t>
+            </a:r>
+          </a:p>
+          <a:p>
+            <a:pPr algn="ctr"/>
+            <a:r>
+              <a:rPr lang="en-IL" dirty="0"/>
+              <a:t>Xmode= ’00’</a:t>
+            </a:r>
+          </a:p>
+          <a:p>
+            <a:pPr algn="ctr"/>
+            <a:r>
+              <a:rPr lang="en-IL" dirty="0"/>
+              <a:t>Cnt_enb=‘1’</a:t>
+            </a:r>
+          </a:p>
+          <a:p>
+            <a:pPr algn="ctr"/>
+            <a:r>
+              <a:rPr lang="en-IL" dirty="0"/>
+              <a:t>12b_enb = ‘1’</a:t>
+            </a:r>
+          </a:p>
+          <a:p>
+            <a:pPr algn="ctr"/>
+            <a:r>
+              <a:rPr lang="en-IL" dirty="0"/>
+              <a:t>Flag = Flag+1(1clk)</a:t>
+            </a:r>
+          </a:p>
+          <a:p>
+            <a:pPr algn="ctr"/>
+            <a:r>
+              <a:rPr lang="en-US" dirty="0"/>
+              <a:t>E</a:t>
+            </a:r>
+            <a:r>
+              <a:rPr lang="en-IL" dirty="0"/>
+              <a:t>very 2 clks:</a:t>
+            </a:r>
+          </a:p>
+          <a:p>
+            <a:pPr algn="ctr"/>
+            <a:r>
+              <a:rPr lang="en-IL" dirty="0"/>
+              <a:t>ValSel[1]=~ValSel[1] </a:t>
+            </a:r>
+          </a:p>
+          <a:p>
+            <a:pPr algn="ctr"/>
+            <a:r>
+              <a:rPr lang="en-US" u="sng" dirty="0"/>
+              <a:t>I</a:t>
+            </a:r>
+            <a:r>
+              <a:rPr lang="en-IL" u="sng" dirty="0"/>
+              <a:t>nput:</a:t>
+            </a:r>
+          </a:p>
+          <a:p>
+            <a:pPr algn="ctr"/>
+            <a:r>
+              <a:rPr lang="en-IL" dirty="0"/>
+              <a:t>EndLine=’1’:</a:t>
+            </a:r>
+          </a:p>
+          <a:p>
+            <a:pPr algn="ctr"/>
+            <a:r>
+              <a:rPr lang="en-US" u="sng" dirty="0"/>
+              <a:t>O</a:t>
+            </a:r>
+            <a:r>
+              <a:rPr lang="en-IL" u="sng" dirty="0"/>
+              <a:t>utput:</a:t>
+            </a:r>
+          </a:p>
+          <a:p>
+            <a:pPr algn="ctr"/>
+            <a:r>
+              <a:rPr lang="en-IL" dirty="0"/>
+              <a:t>Cnt_enb=‘0’</a:t>
+            </a:r>
+          </a:p>
+          <a:p>
+            <a:pPr algn="ctr"/>
+            <a:r>
+              <a:rPr lang="en-IL" dirty="0"/>
+              <a:t>12b_enb = ‘0’</a:t>
+            </a:r>
+          </a:p>
+        </p:txBody>
+      </p:sp>
+      <p:sp>
+        <p:nvSpPr>
+          <p:cNvPr id="6" name="Right Arrow 5">
+            <a:extLst>
+              <a:ext uri="{FF2B5EF4-FFF2-40B4-BE49-F238E27FC236}">
+                <a16:creationId xmlns:a16="http://schemas.microsoft.com/office/drawing/2014/main" id="{184311DD-2C26-68C2-72B3-018E26B957BA}"/>
+              </a:ext>
+            </a:extLst>
+          </p:cNvPr>
+          <p:cNvSpPr/>
+          <p:nvPr/>
+        </p:nvSpPr>
+        <p:spPr>
+          <a:xfrm>
+            <a:off x="3298370" y="2068422"/>
+            <a:ext cx="1469568" cy="620485"/>
+          </a:xfrm>
+          <a:prstGeom prst="rightArrow">
+            <a:avLst/>
+          </a:prstGeom>
+        </p:spPr>
+        <p:style>
+          <a:lnRef idx="2">
+            <a:schemeClr val="accent1">
+              <a:shade val="15000"/>
+            </a:schemeClr>
+          </a:lnRef>
+          <a:fillRef idx="1">
+            <a:schemeClr val="accent1"/>
+          </a:fillRef>
+          <a:effectRef idx="0">
+            <a:schemeClr val="accent1"/>
+          </a:effectRef>
+          <a:fontRef idx="minor">
+            <a:schemeClr val="lt1"/>
+          </a:fontRef>
+        </p:style>
+        <p:txBody>
+          <a:bodyPr rtlCol="0" anchor="ctr"/>
+          <a:lstStyle/>
+          <a:p>
+            <a:pPr algn="ctr"/>
+            <a:endParaRPr lang="en-IL"/>
+          </a:p>
+        </p:txBody>
+      </p:sp>
+      <p:sp>
+        <p:nvSpPr>
+          <p:cNvPr id="7" name="TextBox 6">
+            <a:extLst>
+              <a:ext uri="{FF2B5EF4-FFF2-40B4-BE49-F238E27FC236}">
+                <a16:creationId xmlns:a16="http://schemas.microsoft.com/office/drawing/2014/main" id="{762319F4-5DCA-A692-B517-63A9666EECC9}"/>
+              </a:ext>
+            </a:extLst>
+          </p:cNvPr>
+          <p:cNvSpPr txBox="1"/>
+          <p:nvPr/>
+        </p:nvSpPr>
+        <p:spPr>
+          <a:xfrm>
+            <a:off x="3513329" y="4780961"/>
+            <a:ext cx="1039644" cy="369332"/>
+          </a:xfrm>
+          <a:prstGeom prst="rect">
+            <a:avLst/>
+          </a:prstGeom>
+          <a:noFill/>
+        </p:spPr>
+        <p:txBody>
+          <a:bodyPr wrap="none" rtlCol="0">
+            <a:spAutoFit/>
+          </a:bodyPr>
+          <a:lstStyle/>
+          <a:p>
+            <a:r>
+              <a:rPr lang="en-IL" dirty="0"/>
+              <a:t>Sync=‘1’</a:t>
+            </a:r>
+          </a:p>
+        </p:txBody>
+      </p:sp>
+      <p:sp>
+        <p:nvSpPr>
+          <p:cNvPr id="11" name="Right Arrow 10">
+            <a:extLst>
+              <a:ext uri="{FF2B5EF4-FFF2-40B4-BE49-F238E27FC236}">
+                <a16:creationId xmlns:a16="http://schemas.microsoft.com/office/drawing/2014/main" id="{85E27390-7881-0741-DE12-9F51E6932724}"/>
+              </a:ext>
+            </a:extLst>
+          </p:cNvPr>
+          <p:cNvSpPr/>
+          <p:nvPr/>
+        </p:nvSpPr>
+        <p:spPr>
+          <a:xfrm rot="10800000">
+            <a:off x="3298365" y="4160475"/>
+            <a:ext cx="1469569" cy="620485"/>
+          </a:xfrm>
+          <a:prstGeom prst="rightArrow">
+            <a:avLst/>
+          </a:prstGeom>
+        </p:spPr>
+        <p:style>
+          <a:lnRef idx="2">
+            <a:schemeClr val="accent1">
+              <a:shade val="15000"/>
+            </a:schemeClr>
+          </a:lnRef>
+          <a:fillRef idx="1">
+            <a:schemeClr val="accent1"/>
+          </a:fillRef>
+          <a:effectRef idx="0">
+            <a:schemeClr val="accent1"/>
+          </a:effectRef>
+          <a:fontRef idx="minor">
+            <a:schemeClr val="lt1"/>
+          </a:fontRef>
+        </p:style>
+        <p:txBody>
+          <a:bodyPr rtlCol="0" anchor="ctr"/>
+          <a:lstStyle/>
+          <a:p>
+            <a:pPr algn="ctr"/>
+            <a:endParaRPr lang="en-IL"/>
+          </a:p>
+        </p:txBody>
+      </p:sp>
+      <p:sp>
+        <p:nvSpPr>
+          <p:cNvPr id="12" name="TextBox 11">
+            <a:extLst>
+              <a:ext uri="{FF2B5EF4-FFF2-40B4-BE49-F238E27FC236}">
+                <a16:creationId xmlns:a16="http://schemas.microsoft.com/office/drawing/2014/main" id="{37A6783C-C517-13C6-CFA7-3626EF06A7E0}"/>
+              </a:ext>
+            </a:extLst>
+          </p:cNvPr>
+          <p:cNvSpPr txBox="1"/>
+          <p:nvPr/>
+        </p:nvSpPr>
+        <p:spPr>
+          <a:xfrm>
+            <a:off x="3513329" y="1777781"/>
+            <a:ext cx="896399" cy="369332"/>
+          </a:xfrm>
+          <a:prstGeom prst="rect">
+            <a:avLst/>
+          </a:prstGeom>
+          <a:noFill/>
+        </p:spPr>
+        <p:txBody>
+          <a:bodyPr wrap="none" rtlCol="0">
+            <a:spAutoFit/>
+          </a:bodyPr>
+          <a:lstStyle/>
+          <a:p>
+            <a:r>
+              <a:rPr lang="en-IL" dirty="0"/>
+              <a:t>2 clock</a:t>
+            </a:r>
+          </a:p>
+        </p:txBody>
+      </p:sp>
+      <p:sp>
+        <p:nvSpPr>
+          <p:cNvPr id="13" name="Rectangle 12">
+            <a:extLst>
+              <a:ext uri="{FF2B5EF4-FFF2-40B4-BE49-F238E27FC236}">
+                <a16:creationId xmlns:a16="http://schemas.microsoft.com/office/drawing/2014/main" id="{8F5AE00D-AB22-D268-3D89-C109F98244AC}"/>
+              </a:ext>
+            </a:extLst>
+          </p:cNvPr>
+          <p:cNvSpPr/>
+          <p:nvPr/>
+        </p:nvSpPr>
+        <p:spPr>
+          <a:xfrm>
+            <a:off x="8983184" y="1690688"/>
+            <a:ext cx="2264236" cy="4259489"/>
+          </a:xfrm>
+          <a:prstGeom prst="rect">
+            <a:avLst/>
+          </a:prstGeom>
+        </p:spPr>
+        <p:style>
+          <a:lnRef idx="2">
+            <a:schemeClr val="accent1">
+              <a:shade val="15000"/>
+            </a:schemeClr>
+          </a:lnRef>
+          <a:fillRef idx="1">
+            <a:schemeClr val="accent1"/>
+          </a:fillRef>
+          <a:effectRef idx="0">
+            <a:schemeClr val="accent1"/>
+          </a:effectRef>
+          <a:fontRef idx="minor">
+            <a:schemeClr val="lt1"/>
+          </a:fontRef>
+        </p:style>
+        <p:txBody>
+          <a:bodyPr rtlCol="0" anchor="ctr"/>
+          <a:lstStyle/>
+          <a:p>
+            <a:pPr algn="ctr"/>
+            <a:r>
+              <a:rPr lang="en-IL" b="1" u="sng" dirty="0"/>
+              <a:t>IDLE</a:t>
+            </a:r>
+          </a:p>
+        </p:txBody>
+      </p:sp>
+      <p:sp>
+        <p:nvSpPr>
+          <p:cNvPr id="14" name="Right Arrow 13">
+            <a:extLst>
+              <a:ext uri="{FF2B5EF4-FFF2-40B4-BE49-F238E27FC236}">
+                <a16:creationId xmlns:a16="http://schemas.microsoft.com/office/drawing/2014/main" id="{020C8085-F819-2FAA-41C4-2BB269B2E78D}"/>
+              </a:ext>
+            </a:extLst>
+          </p:cNvPr>
+          <p:cNvSpPr/>
+          <p:nvPr/>
+        </p:nvSpPr>
+        <p:spPr>
+          <a:xfrm>
+            <a:off x="7424040" y="3506695"/>
+            <a:ext cx="1559144" cy="620485"/>
+          </a:xfrm>
+          <a:prstGeom prst="rightArrow">
+            <a:avLst/>
+          </a:prstGeom>
+        </p:spPr>
+        <p:style>
+          <a:lnRef idx="2">
+            <a:schemeClr val="accent1">
+              <a:shade val="15000"/>
+            </a:schemeClr>
+          </a:lnRef>
+          <a:fillRef idx="1">
+            <a:schemeClr val="accent1"/>
+          </a:fillRef>
+          <a:effectRef idx="0">
+            <a:schemeClr val="accent1"/>
+          </a:effectRef>
+          <a:fontRef idx="minor">
+            <a:schemeClr val="lt1"/>
+          </a:fontRef>
+        </p:style>
+        <p:txBody>
+          <a:bodyPr rtlCol="0" anchor="ctr"/>
+          <a:lstStyle/>
+          <a:p>
+            <a:pPr algn="ctr"/>
+            <a:endParaRPr lang="en-IL"/>
+          </a:p>
+        </p:txBody>
+      </p:sp>
+      <p:sp>
+        <p:nvSpPr>
+          <p:cNvPr id="15" name="TextBox 14">
+            <a:extLst>
+              <a:ext uri="{FF2B5EF4-FFF2-40B4-BE49-F238E27FC236}">
+                <a16:creationId xmlns:a16="http://schemas.microsoft.com/office/drawing/2014/main" id="{D08EF13E-D08F-7B08-1AA4-62D2F02C95CE}"/>
+              </a:ext>
+            </a:extLst>
+          </p:cNvPr>
+          <p:cNvSpPr txBox="1"/>
+          <p:nvPr/>
+        </p:nvSpPr>
+        <p:spPr>
+          <a:xfrm>
+            <a:off x="7477229" y="2860364"/>
+            <a:ext cx="1559145" cy="646331"/>
+          </a:xfrm>
+          <a:prstGeom prst="rect">
+            <a:avLst/>
+          </a:prstGeom>
+          <a:noFill/>
+        </p:spPr>
+        <p:txBody>
+          <a:bodyPr wrap="none" rtlCol="0">
+            <a:spAutoFit/>
+          </a:bodyPr>
+          <a:lstStyle/>
+          <a:p>
+            <a:r>
+              <a:rPr lang="en-IL" dirty="0"/>
+              <a:t>EndLine=‘1’</a:t>
+            </a:r>
+          </a:p>
+          <a:p>
+            <a:r>
+              <a:rPr lang="en-IL" dirty="0"/>
+              <a:t>EndFrame=‘1’</a:t>
+            </a:r>
+          </a:p>
+        </p:txBody>
+      </p:sp>
+    </p:spTree>
+    <p:extLst>
+      <p:ext uri="{BB962C8B-B14F-4D97-AF65-F5344CB8AC3E}">
+        <p14:creationId xmlns:p14="http://schemas.microsoft.com/office/powerpoint/2010/main" val="2498590066"/>
+      </p:ext>
+    </p:extLst>
+  </p:cSld>
+  <p:clrMapOvr>
+    <a:masterClrMapping/>
+  </p:clrMapOvr>
+</p:sld>
+</file>
+
+<file path=ppt/slides/slide14.xml><?xml version="1.0" encoding="utf-8"?>
+<p:sld xmlns:a="http://schemas.openxmlformats.org/drawingml/2006/main" xmlns:r="http://schemas.openxmlformats.org/officeDocument/2006/relationships" xmlns:p="http://schemas.openxmlformats.org/presentationml/2006/main">
+  <p:cSld>
+    <p:spTree>
+      <p:nvGrpSpPr>
+        <p:cNvPr id="1" name=""/>
+        <p:cNvGrpSpPr/>
+        <p:nvPr/>
+      </p:nvGrpSpPr>
+      <p:grpSpPr>
+        <a:xfrm>
+          <a:off x="0" y="0"/>
+          <a:ext cx="0" cy="0"/>
+          <a:chOff x="0" y="0"/>
+          <a:chExt cx="0" cy="0"/>
+        </a:xfrm>
+      </p:grpSpPr>
+      <p:sp>
+        <p:nvSpPr>
+          <p:cNvPr id="2" name="Title 1">
+            <a:extLst>
+              <a:ext uri="{FF2B5EF4-FFF2-40B4-BE49-F238E27FC236}">
+                <a16:creationId xmlns:a16="http://schemas.microsoft.com/office/drawing/2014/main" id="{94286F2A-F963-F778-AB0E-B193C3255FDF}"/>
+              </a:ext>
+            </a:extLst>
+          </p:cNvPr>
+          <p:cNvSpPr>
+            <a:spLocks noGrp="1"/>
+          </p:cNvSpPr>
+          <p:nvPr>
+            <p:ph type="title"/>
+          </p:nvPr>
+        </p:nvSpPr>
+        <p:spPr/>
+        <p:txBody>
+          <a:bodyPr/>
+          <a:lstStyle/>
+          <a:p>
+            <a:pPr algn="ctr"/>
+            <a:r>
+              <a:rPr lang="en-IL" dirty="0"/>
+              <a:t>Checkerboard 2x2’black’– [2:0]Mode = ‘110’</a:t>
+            </a:r>
+          </a:p>
+        </p:txBody>
+      </p:sp>
+      <p:sp>
+        <p:nvSpPr>
+          <p:cNvPr id="3" name="Rectangle 2">
+            <a:extLst>
+              <a:ext uri="{FF2B5EF4-FFF2-40B4-BE49-F238E27FC236}">
+                <a16:creationId xmlns:a16="http://schemas.microsoft.com/office/drawing/2014/main" id="{7CABD7A3-FE25-C0FC-C685-E0DF0E3EEB2A}"/>
+              </a:ext>
+            </a:extLst>
+          </p:cNvPr>
+          <p:cNvSpPr/>
+          <p:nvPr/>
+        </p:nvSpPr>
+        <p:spPr>
+          <a:xfrm>
+            <a:off x="642258" y="1690687"/>
+            <a:ext cx="2656112" cy="4252503"/>
+          </a:xfrm>
+          <a:prstGeom prst="rect">
+            <a:avLst/>
+          </a:prstGeom>
+        </p:spPr>
+        <p:style>
+          <a:lnRef idx="2">
+            <a:schemeClr val="accent1">
+              <a:shade val="15000"/>
+            </a:schemeClr>
+          </a:lnRef>
+          <a:fillRef idx="1">
+            <a:schemeClr val="accent1"/>
+          </a:fillRef>
+          <a:effectRef idx="0">
+            <a:schemeClr val="accent1"/>
+          </a:effectRef>
+          <a:fontRef idx="minor">
+            <a:schemeClr val="lt1"/>
+          </a:fontRef>
+        </p:style>
+        <p:txBody>
+          <a:bodyPr rtlCol="0" anchor="ctr"/>
+          <a:lstStyle/>
+          <a:p>
+            <a:pPr algn="ctr"/>
+            <a:r>
+              <a:rPr lang="en-IL" b="1" u="sng" dirty="0"/>
+              <a:t>READY</a:t>
+            </a:r>
+          </a:p>
+          <a:p>
+            <a:pPr algn="ctr"/>
+            <a:r>
+              <a:rPr lang="en-IL" b="1" u="sng" dirty="0"/>
+              <a:t> [2:0]Mode == ‘110’ :</a:t>
+            </a:r>
+          </a:p>
+          <a:p>
+            <a:pPr algn="ctr"/>
+            <a:r>
+              <a:rPr lang="en-IL" dirty="0"/>
+              <a:t>5b_enb =‘1’</a:t>
+            </a:r>
+          </a:p>
+          <a:p>
+            <a:pPr algn="ctr"/>
+            <a:r>
+              <a:rPr lang="en-IL" dirty="0"/>
+              <a:t>Test = ‘1’</a:t>
+            </a:r>
+          </a:p>
+          <a:p>
+            <a:pPr algn="ctr"/>
+            <a:r>
+              <a:rPr lang="en-IL" dirty="0"/>
+              <a:t>Binary_Or_Gray=’0’</a:t>
+            </a:r>
+          </a:p>
+          <a:p>
+            <a:pPr algn="ctr"/>
+            <a:r>
+              <a:rPr lang="en-IL" dirty="0"/>
+              <a:t>ramp_enb =’0’</a:t>
+            </a:r>
+          </a:p>
+          <a:p>
+            <a:pPr algn="ctr"/>
+            <a:r>
+              <a:rPr lang="en-IL" dirty="0"/>
+              <a:t>NewLine =‘1’(2d clk)</a:t>
+            </a:r>
+          </a:p>
+          <a:p>
+            <a:pPr algn="ctr"/>
+            <a:r>
+              <a:rPr lang="en-IL" dirty="0"/>
+              <a:t>Cnt_enb=‘1’(2d clk)</a:t>
+            </a:r>
+          </a:p>
+          <a:p>
+            <a:pPr algn="ctr"/>
+            <a:r>
+              <a:rPr lang="en-US" u="sng" dirty="0"/>
+              <a:t>Input: </a:t>
+            </a:r>
+            <a:r>
+              <a:rPr lang="en-US" dirty="0"/>
+              <a:t>F</a:t>
+            </a:r>
+            <a:r>
+              <a:rPr lang="en-IL" dirty="0"/>
+              <a:t>lag = ‘00’ or ‘01’:</a:t>
+            </a:r>
+          </a:p>
+          <a:p>
+            <a:pPr algn="ctr"/>
+            <a:r>
+              <a:rPr lang="en-IL" u="sng" dirty="0"/>
+              <a:t>Output:</a:t>
+            </a:r>
+            <a:r>
+              <a:rPr lang="en-IL" dirty="0"/>
+              <a:t> [1:0]ValSel = ‘10’</a:t>
+            </a:r>
+          </a:p>
+          <a:p>
+            <a:pPr algn="ctr"/>
+            <a:r>
+              <a:rPr lang="en-US" u="sng" dirty="0"/>
+              <a:t>Input: </a:t>
+            </a:r>
+            <a:r>
+              <a:rPr lang="en-US" dirty="0"/>
+              <a:t>F</a:t>
+            </a:r>
+            <a:r>
+              <a:rPr lang="en-IL" dirty="0"/>
+              <a:t>lag = ‘10’ or ‘11’:</a:t>
+            </a:r>
+          </a:p>
+          <a:p>
+            <a:pPr algn="ctr"/>
+            <a:r>
+              <a:rPr lang="en-IL" u="sng" dirty="0"/>
+              <a:t>Output:</a:t>
+            </a:r>
+            <a:r>
+              <a:rPr lang="en-IL" dirty="0"/>
+              <a:t> [1:0]ValSel = ‘00’</a:t>
+            </a:r>
+          </a:p>
+        </p:txBody>
+      </p:sp>
+      <p:sp>
+        <p:nvSpPr>
+          <p:cNvPr id="6" name="Right Arrow 5">
+            <a:extLst>
+              <a:ext uri="{FF2B5EF4-FFF2-40B4-BE49-F238E27FC236}">
+                <a16:creationId xmlns:a16="http://schemas.microsoft.com/office/drawing/2014/main" id="{184311DD-2C26-68C2-72B3-018E26B957BA}"/>
+              </a:ext>
+            </a:extLst>
+          </p:cNvPr>
+          <p:cNvSpPr/>
+          <p:nvPr/>
+        </p:nvSpPr>
+        <p:spPr>
+          <a:xfrm>
+            <a:off x="3298370" y="2068422"/>
+            <a:ext cx="1469568" cy="620485"/>
+          </a:xfrm>
+          <a:prstGeom prst="rightArrow">
+            <a:avLst/>
+          </a:prstGeom>
+        </p:spPr>
+        <p:style>
+          <a:lnRef idx="2">
+            <a:schemeClr val="accent1">
+              <a:shade val="15000"/>
+            </a:schemeClr>
+          </a:lnRef>
+          <a:fillRef idx="1">
+            <a:schemeClr val="accent1"/>
+          </a:fillRef>
+          <a:effectRef idx="0">
+            <a:schemeClr val="accent1"/>
+          </a:effectRef>
+          <a:fontRef idx="minor">
+            <a:schemeClr val="lt1"/>
+          </a:fontRef>
+        </p:style>
+        <p:txBody>
+          <a:bodyPr rtlCol="0" anchor="ctr"/>
+          <a:lstStyle/>
+          <a:p>
+            <a:pPr algn="ctr"/>
+            <a:endParaRPr lang="en-IL"/>
+          </a:p>
+        </p:txBody>
+      </p:sp>
+      <p:sp>
+        <p:nvSpPr>
+          <p:cNvPr id="7" name="TextBox 6">
+            <a:extLst>
+              <a:ext uri="{FF2B5EF4-FFF2-40B4-BE49-F238E27FC236}">
+                <a16:creationId xmlns:a16="http://schemas.microsoft.com/office/drawing/2014/main" id="{762319F4-5DCA-A692-B517-63A9666EECC9}"/>
+              </a:ext>
+            </a:extLst>
+          </p:cNvPr>
+          <p:cNvSpPr txBox="1"/>
+          <p:nvPr/>
+        </p:nvSpPr>
+        <p:spPr>
+          <a:xfrm>
+            <a:off x="3513329" y="4780961"/>
+            <a:ext cx="1039644" cy="369332"/>
+          </a:xfrm>
+          <a:prstGeom prst="rect">
+            <a:avLst/>
+          </a:prstGeom>
+          <a:noFill/>
+        </p:spPr>
+        <p:txBody>
+          <a:bodyPr wrap="none" rtlCol="0">
+            <a:spAutoFit/>
+          </a:bodyPr>
+          <a:lstStyle/>
+          <a:p>
+            <a:r>
+              <a:rPr lang="en-IL" dirty="0"/>
+              <a:t>Sync=‘1’</a:t>
+            </a:r>
+          </a:p>
+        </p:txBody>
+      </p:sp>
+      <p:sp>
+        <p:nvSpPr>
+          <p:cNvPr id="11" name="Right Arrow 10">
+            <a:extLst>
+              <a:ext uri="{FF2B5EF4-FFF2-40B4-BE49-F238E27FC236}">
+                <a16:creationId xmlns:a16="http://schemas.microsoft.com/office/drawing/2014/main" id="{85E27390-7881-0741-DE12-9F51E6932724}"/>
+              </a:ext>
+            </a:extLst>
+          </p:cNvPr>
+          <p:cNvSpPr/>
+          <p:nvPr/>
+        </p:nvSpPr>
+        <p:spPr>
+          <a:xfrm rot="10800000">
+            <a:off x="3298365" y="4160475"/>
+            <a:ext cx="1469569" cy="620485"/>
+          </a:xfrm>
+          <a:prstGeom prst="rightArrow">
+            <a:avLst/>
+          </a:prstGeom>
+        </p:spPr>
+        <p:style>
+          <a:lnRef idx="2">
+            <a:schemeClr val="accent1">
+              <a:shade val="15000"/>
+            </a:schemeClr>
+          </a:lnRef>
+          <a:fillRef idx="1">
+            <a:schemeClr val="accent1"/>
+          </a:fillRef>
+          <a:effectRef idx="0">
+            <a:schemeClr val="accent1"/>
+          </a:effectRef>
+          <a:fontRef idx="minor">
+            <a:schemeClr val="lt1"/>
+          </a:fontRef>
+        </p:style>
+        <p:txBody>
+          <a:bodyPr rtlCol="0" anchor="ctr"/>
+          <a:lstStyle/>
+          <a:p>
+            <a:pPr algn="ctr"/>
+            <a:endParaRPr lang="en-IL"/>
+          </a:p>
+        </p:txBody>
+      </p:sp>
+      <p:sp>
+        <p:nvSpPr>
+          <p:cNvPr id="12" name="TextBox 11">
+            <a:extLst>
+              <a:ext uri="{FF2B5EF4-FFF2-40B4-BE49-F238E27FC236}">
+                <a16:creationId xmlns:a16="http://schemas.microsoft.com/office/drawing/2014/main" id="{37A6783C-C517-13C6-CFA7-3626EF06A7E0}"/>
+              </a:ext>
+            </a:extLst>
+          </p:cNvPr>
+          <p:cNvSpPr txBox="1"/>
+          <p:nvPr/>
+        </p:nvSpPr>
+        <p:spPr>
+          <a:xfrm>
+            <a:off x="3513329" y="1777781"/>
+            <a:ext cx="896399" cy="369332"/>
+          </a:xfrm>
+          <a:prstGeom prst="rect">
+            <a:avLst/>
+          </a:prstGeom>
+          <a:noFill/>
+        </p:spPr>
+        <p:txBody>
+          <a:bodyPr wrap="none" rtlCol="0">
+            <a:spAutoFit/>
+          </a:bodyPr>
+          <a:lstStyle/>
+          <a:p>
+            <a:r>
+              <a:rPr lang="en-IL" dirty="0"/>
+              <a:t>2 clock</a:t>
+            </a:r>
+          </a:p>
+        </p:txBody>
+      </p:sp>
+      <p:sp>
+        <p:nvSpPr>
+          <p:cNvPr id="13" name="Rectangle 12">
+            <a:extLst>
+              <a:ext uri="{FF2B5EF4-FFF2-40B4-BE49-F238E27FC236}">
+                <a16:creationId xmlns:a16="http://schemas.microsoft.com/office/drawing/2014/main" id="{8F5AE00D-AB22-D268-3D89-C109F98244AC}"/>
+              </a:ext>
+            </a:extLst>
+          </p:cNvPr>
+          <p:cNvSpPr/>
+          <p:nvPr/>
+        </p:nvSpPr>
+        <p:spPr>
+          <a:xfrm>
             <a:off x="9031568" y="1690688"/>
             <a:ext cx="2215851" cy="4259489"/>
           </a:xfrm>
@@ -4082,7 +6702,7 @@
 </p:sld>
 </file>
 
-<file path=ppt/slides/slide11.xml><?xml version="1.0" encoding="utf-8"?>
+<file path=ppt/slides/slide15.xml><?xml version="1.0" encoding="utf-8"?>
 <p:sld xmlns:a="http://schemas.openxmlformats.org/drawingml/2006/main" xmlns:r="http://schemas.openxmlformats.org/officeDocument/2006/relationships" xmlns:p="http://schemas.openxmlformats.org/presentationml/2006/main">
   <p:cSld>
     <p:spTree>
@@ -5063,7 +7683,7 @@
                 <a:latin typeface="Arial" panose="020B0604020202020204" pitchFamily="34" charset="0"/>
                 <a:cs typeface="Arial" panose="020B0604020202020204" pitchFamily="34" charset="0"/>
               </a:rPr>
-              <a:t>[2:0]Xmode  - The </a:t>
+              <a:t>[1:0]Xmode  - The </a:t>
             </a:r>
             <a:r>
               <a:rPr lang="en-IL" sz="1900" kern="0" dirty="0">
@@ -5255,6 +7875,614 @@
 </file>
 
 <file path=ppt/slides/slide4.xml><?xml version="1.0" encoding="utf-8"?>
+<p:sld xmlns:a="http://schemas.openxmlformats.org/drawingml/2006/main" xmlns:r="http://schemas.openxmlformats.org/officeDocument/2006/relationships" xmlns:p="http://schemas.openxmlformats.org/presentationml/2006/main">
+  <p:cSld>
+    <p:spTree>
+      <p:nvGrpSpPr>
+        <p:cNvPr id="1" name=""/>
+        <p:cNvGrpSpPr/>
+        <p:nvPr/>
+      </p:nvGrpSpPr>
+      <p:grpSpPr>
+        <a:xfrm>
+          <a:off x="0" y="0"/>
+          <a:ext cx="0" cy="0"/>
+          <a:chOff x="0" y="0"/>
+          <a:chExt cx="0" cy="0"/>
+        </a:xfrm>
+      </p:grpSpPr>
+      <p:sp>
+        <p:nvSpPr>
+          <p:cNvPr id="2" name="Title 1">
+            <a:extLst>
+              <a:ext uri="{FF2B5EF4-FFF2-40B4-BE49-F238E27FC236}">
+                <a16:creationId xmlns:a16="http://schemas.microsoft.com/office/drawing/2014/main" id="{33D21B01-BFFE-3E53-356B-0AED6EAB8A3B}"/>
+              </a:ext>
+            </a:extLst>
+          </p:cNvPr>
+          <p:cNvSpPr>
+            <a:spLocks noGrp="1"/>
+          </p:cNvSpPr>
+          <p:nvPr>
+            <p:ph type="title"/>
+          </p:nvPr>
+        </p:nvSpPr>
+        <p:spPr/>
+        <p:txBody>
+          <a:bodyPr/>
+          <a:lstStyle/>
+          <a:p>
+            <a:pPr algn="ctr"/>
+            <a:r>
+              <a:rPr lang="en-IL" dirty="0"/>
+              <a:t>Counter</a:t>
+            </a:r>
+          </a:p>
+        </p:txBody>
+      </p:sp>
+      <p:sp>
+        <p:nvSpPr>
+          <p:cNvPr id="3" name="Content Placeholder 2">
+            <a:extLst>
+              <a:ext uri="{FF2B5EF4-FFF2-40B4-BE49-F238E27FC236}">
+                <a16:creationId xmlns:a16="http://schemas.microsoft.com/office/drawing/2014/main" id="{8DD0D4C5-A3E5-D0F4-902D-75F3F0D08A90}"/>
+              </a:ext>
+            </a:extLst>
+          </p:cNvPr>
+          <p:cNvSpPr>
+            <a:spLocks noGrp="1"/>
+          </p:cNvSpPr>
+          <p:nvPr>
+            <p:ph idx="1"/>
+          </p:nvPr>
+        </p:nvSpPr>
+        <p:spPr/>
+        <p:txBody>
+          <a:bodyPr>
+            <a:normAutofit fontScale="77500" lnSpcReduction="20000"/>
+          </a:bodyPr>
+          <a:lstStyle/>
+          <a:p>
+            <a:pPr marL="0" indent="0">
+              <a:buNone/>
+            </a:pPr>
+            <a:r>
+              <a:rPr lang="en-IL" sz="2800" b="1" u="sng" dirty="0"/>
+              <a:t>Inputs:</a:t>
+            </a:r>
+          </a:p>
+          <a:p>
+            <a:r>
+              <a:rPr lang="en-IL" sz="2600" dirty="0"/>
+              <a:t>Clk – The system clock.</a:t>
+            </a:r>
+          </a:p>
+          <a:p>
+            <a:r>
+              <a:rPr lang="en-IL" sz="2600" dirty="0"/>
+              <a:t>Reset – Active low asynchronous reset.</a:t>
+            </a:r>
+          </a:p>
+          <a:p>
+            <a:r>
+              <a:rPr lang="en-IL" sz="2600" dirty="0"/>
+              <a:t>Cnt_enb – ‘1’ for active, ’0’ for inactive.</a:t>
+            </a:r>
+          </a:p>
+          <a:p>
+            <a:r>
+              <a:rPr lang="en-IL" sz="2600" dirty="0"/>
+              <a:t>[11:0]LoadVal – </a:t>
+            </a:r>
+            <a:r>
+              <a:rPr lang="en-US" sz="2600" dirty="0"/>
+              <a:t>The value that needs to be added to delta X.</a:t>
+            </a:r>
+          </a:p>
+          <a:p>
+            <a:r>
+              <a:rPr lang="en-IL" sz="2600" dirty="0"/>
+              <a:t>[1:0]Xmode – The delta X, </a:t>
+            </a:r>
+            <a:r>
+              <a:rPr lang="en-IL" sz="2600" dirty="0">
+                <a:latin typeface="Arial" panose="020B0604020202020204" pitchFamily="34" charset="0"/>
+                <a:cs typeface="Arial" panose="020B0604020202020204" pitchFamily="34" charset="0"/>
+              </a:rPr>
+              <a:t>Choose </a:t>
+            </a:r>
+            <a:r>
+              <a:rPr lang="en-IL" sz="2600" kern="0" dirty="0">
+                <a:solidFill>
+                  <a:srgbClr val="242424"/>
+                </a:solidFill>
+                <a:effectLst/>
+                <a:latin typeface="Arial" panose="020B0604020202020204" pitchFamily="34" charset="0"/>
+                <a:ea typeface="Times New Roman" panose="02020603050405020304" pitchFamily="18" charset="0"/>
+                <a:cs typeface="Arial" panose="020B0604020202020204" pitchFamily="34" charset="0"/>
+              </a:rPr>
+              <a:t>gap between numbers at the same row</a:t>
+            </a:r>
+            <a:r>
+              <a:rPr lang="en-IL" sz="2600" dirty="0">
+                <a:effectLst/>
+                <a:latin typeface="Arial" panose="020B0604020202020204" pitchFamily="34" charset="0"/>
+                <a:cs typeface="Arial" panose="020B0604020202020204" pitchFamily="34" charset="0"/>
+              </a:rPr>
+              <a:t> .</a:t>
+            </a:r>
+          </a:p>
+          <a:p>
+            <a:pPr marL="0" indent="0">
+              <a:buNone/>
+            </a:pPr>
+            <a:r>
+              <a:rPr lang="en-IL" sz="2600" dirty="0">
+                <a:latin typeface="Arial" panose="020B0604020202020204" pitchFamily="34" charset="0"/>
+                <a:cs typeface="Arial" panose="020B0604020202020204" pitchFamily="34" charset="0"/>
+              </a:rPr>
+              <a:t>’00’:  The gap between numbers at the same row will be 0.</a:t>
+            </a:r>
+          </a:p>
+          <a:p>
+            <a:pPr marL="0" indent="0">
+              <a:buNone/>
+            </a:pPr>
+            <a:r>
+              <a:rPr lang="en-IL" sz="2600" dirty="0">
+                <a:latin typeface="Arial" panose="020B0604020202020204" pitchFamily="34" charset="0"/>
+                <a:cs typeface="Arial" panose="020B0604020202020204" pitchFamily="34" charset="0"/>
+              </a:rPr>
+              <a:t>‘01’: The gap between numbers at the same row will be 1.</a:t>
+            </a:r>
+          </a:p>
+          <a:p>
+            <a:pPr marL="0" indent="0">
+              <a:buNone/>
+            </a:pPr>
+            <a:r>
+              <a:rPr lang="en-IL" sz="2600" dirty="0">
+                <a:latin typeface="Arial" panose="020B0604020202020204" pitchFamily="34" charset="0"/>
+                <a:cs typeface="Arial" panose="020B0604020202020204" pitchFamily="34" charset="0"/>
+              </a:rPr>
+              <a:t>‘10’: The gap between numbers at the same row will be 4.</a:t>
+            </a:r>
+          </a:p>
+          <a:p>
+            <a:pPr marL="0" indent="0">
+              <a:buNone/>
+            </a:pPr>
+            <a:r>
+              <a:rPr lang="en-IL" sz="2600" dirty="0">
+                <a:latin typeface="Arial" panose="020B0604020202020204" pitchFamily="34" charset="0"/>
+                <a:cs typeface="Arial" panose="020B0604020202020204" pitchFamily="34" charset="0"/>
+              </a:rPr>
+              <a:t>‘11’: The gap between numbers at the same row will be 8.</a:t>
+            </a:r>
+          </a:p>
+          <a:p>
+            <a:pPr marL="0" indent="0">
+              <a:buNone/>
+            </a:pPr>
+            <a:r>
+              <a:rPr lang="en-IL" sz="2800" b="1" u="sng" dirty="0"/>
+              <a:t>Output:</a:t>
+            </a:r>
+          </a:p>
+          <a:p>
+            <a:r>
+              <a:rPr lang="en-IL" dirty="0"/>
+              <a:t>[11:0]Cnt – The value of LoadVal + deltaX</a:t>
+            </a:r>
+            <a:endParaRPr lang="en-IL" sz="2800" dirty="0"/>
+          </a:p>
+          <a:p>
+            <a:endParaRPr lang="en-IL" dirty="0"/>
+          </a:p>
+          <a:p>
+            <a:endParaRPr lang="en-IL" dirty="0"/>
+          </a:p>
+          <a:p>
+            <a:endParaRPr lang="en-IL" sz="2800" dirty="0"/>
+          </a:p>
+          <a:p>
+            <a:endParaRPr lang="en-IL" dirty="0"/>
+          </a:p>
+          <a:p>
+            <a:endParaRPr lang="en-IL" dirty="0"/>
+          </a:p>
+        </p:txBody>
+      </p:sp>
+    </p:spTree>
+    <p:extLst>
+      <p:ext uri="{BB962C8B-B14F-4D97-AF65-F5344CB8AC3E}">
+        <p14:creationId xmlns:p14="http://schemas.microsoft.com/office/powerpoint/2010/main" val="3666008285"/>
+      </p:ext>
+    </p:extLst>
+  </p:cSld>
+  <p:clrMapOvr>
+    <a:masterClrMapping/>
+  </p:clrMapOvr>
+</p:sld>
+</file>
+
+<file path=ppt/slides/slide5.xml><?xml version="1.0" encoding="utf-8"?>
+<p:sld xmlns:a="http://schemas.openxmlformats.org/drawingml/2006/main" xmlns:r="http://schemas.openxmlformats.org/officeDocument/2006/relationships" xmlns:p="http://schemas.openxmlformats.org/presentationml/2006/main">
+  <p:cSld>
+    <p:spTree>
+      <p:nvGrpSpPr>
+        <p:cNvPr id="1" name=""/>
+        <p:cNvGrpSpPr/>
+        <p:nvPr/>
+      </p:nvGrpSpPr>
+      <p:grpSpPr>
+        <a:xfrm>
+          <a:off x="0" y="0"/>
+          <a:ext cx="0" cy="0"/>
+          <a:chOff x="0" y="0"/>
+          <a:chExt cx="0" cy="0"/>
+        </a:xfrm>
+      </p:grpSpPr>
+      <p:sp>
+        <p:nvSpPr>
+          <p:cNvPr id="2" name="Title 1">
+            <a:extLst>
+              <a:ext uri="{FF2B5EF4-FFF2-40B4-BE49-F238E27FC236}">
+                <a16:creationId xmlns:a16="http://schemas.microsoft.com/office/drawing/2014/main" id="{AAF189B0-F1B6-BA99-3A04-BAA3C7CE5073}"/>
+              </a:ext>
+            </a:extLst>
+          </p:cNvPr>
+          <p:cNvSpPr>
+            <a:spLocks noGrp="1"/>
+          </p:cNvSpPr>
+          <p:nvPr>
+            <p:ph type="title"/>
+          </p:nvPr>
+        </p:nvSpPr>
+        <p:spPr/>
+        <p:txBody>
+          <a:bodyPr/>
+          <a:lstStyle/>
+          <a:p>
+            <a:pPr algn="ctr"/>
+            <a:r>
+              <a:rPr lang="en-IL" dirty="0"/>
+              <a:t>Counter - design</a:t>
+            </a:r>
+          </a:p>
+        </p:txBody>
+      </p:sp>
+      <p:pic>
+        <p:nvPicPr>
+          <p:cNvPr id="7" name="Picture 6">
+            <a:extLst>
+              <a:ext uri="{FF2B5EF4-FFF2-40B4-BE49-F238E27FC236}">
+                <a16:creationId xmlns:a16="http://schemas.microsoft.com/office/drawing/2014/main" id="{DB0FB809-5CE9-110B-D1FE-4D8DD930FEBC}"/>
+              </a:ext>
+            </a:extLst>
+          </p:cNvPr>
+          <p:cNvPicPr>
+            <a:picLocks noChangeAspect="1"/>
+          </p:cNvPicPr>
+          <p:nvPr/>
+        </p:nvPicPr>
+        <p:blipFill>
+          <a:blip r:embed="rId2"/>
+          <a:stretch>
+            <a:fillRect/>
+          </a:stretch>
+        </p:blipFill>
+        <p:spPr>
+          <a:xfrm>
+            <a:off x="1436209" y="1966552"/>
+            <a:ext cx="9319581" cy="3669750"/>
+          </a:xfrm>
+          <a:prstGeom prst="rect">
+            <a:avLst/>
+          </a:prstGeom>
+        </p:spPr>
+      </p:pic>
+    </p:spTree>
+    <p:extLst>
+      <p:ext uri="{BB962C8B-B14F-4D97-AF65-F5344CB8AC3E}">
+        <p14:creationId xmlns:p14="http://schemas.microsoft.com/office/powerpoint/2010/main" val="4033569357"/>
+      </p:ext>
+    </p:extLst>
+  </p:cSld>
+  <p:clrMapOvr>
+    <a:masterClrMapping/>
+  </p:clrMapOvr>
+</p:sld>
+</file>
+
+<file path=ppt/slides/slide6.xml><?xml version="1.0" encoding="utf-8"?>
+<p:sld xmlns:a="http://schemas.openxmlformats.org/drawingml/2006/main" xmlns:r="http://schemas.openxmlformats.org/officeDocument/2006/relationships" xmlns:p="http://schemas.openxmlformats.org/presentationml/2006/main">
+  <p:cSld>
+    <p:spTree>
+      <p:nvGrpSpPr>
+        <p:cNvPr id="1" name=""/>
+        <p:cNvGrpSpPr/>
+        <p:nvPr/>
+      </p:nvGrpSpPr>
+      <p:grpSpPr>
+        <a:xfrm>
+          <a:off x="0" y="0"/>
+          <a:ext cx="0" cy="0"/>
+          <a:chOff x="0" y="0"/>
+          <a:chExt cx="0" cy="0"/>
+        </a:xfrm>
+      </p:grpSpPr>
+      <p:sp>
+        <p:nvSpPr>
+          <p:cNvPr id="2" name="Title 1">
+            <a:extLst>
+              <a:ext uri="{FF2B5EF4-FFF2-40B4-BE49-F238E27FC236}">
+                <a16:creationId xmlns:a16="http://schemas.microsoft.com/office/drawing/2014/main" id="{A7C6608E-44A0-E4A4-44CE-3116BD4EB6DF}"/>
+              </a:ext>
+            </a:extLst>
+          </p:cNvPr>
+          <p:cNvSpPr>
+            <a:spLocks noGrp="1"/>
+          </p:cNvSpPr>
+          <p:nvPr>
+            <p:ph type="title"/>
+          </p:nvPr>
+        </p:nvSpPr>
+        <p:spPr/>
+        <p:txBody>
+          <a:bodyPr/>
+          <a:lstStyle/>
+          <a:p>
+            <a:pPr algn="ctr"/>
+            <a:r>
+              <a:rPr lang="en-IL" dirty="0"/>
+              <a:t>Ramp</a:t>
+            </a:r>
+          </a:p>
+        </p:txBody>
+      </p:sp>
+      <p:sp>
+        <p:nvSpPr>
+          <p:cNvPr id="3" name="Content Placeholder 2">
+            <a:extLst>
+              <a:ext uri="{FF2B5EF4-FFF2-40B4-BE49-F238E27FC236}">
+                <a16:creationId xmlns:a16="http://schemas.microsoft.com/office/drawing/2014/main" id="{B02159E4-68FF-0937-CF6C-ED214B6E8D90}"/>
+              </a:ext>
+            </a:extLst>
+          </p:cNvPr>
+          <p:cNvSpPr>
+            <a:spLocks noGrp="1"/>
+          </p:cNvSpPr>
+          <p:nvPr>
+            <p:ph idx="1"/>
+          </p:nvPr>
+        </p:nvSpPr>
+        <p:spPr/>
+        <p:txBody>
+          <a:bodyPr>
+            <a:normAutofit fontScale="70000" lnSpcReduction="20000"/>
+          </a:bodyPr>
+          <a:lstStyle/>
+          <a:p>
+            <a:pPr marL="0" indent="0">
+              <a:buNone/>
+            </a:pPr>
+            <a:r>
+              <a:rPr lang="en-IL" sz="3200" b="1" u="sng" dirty="0"/>
+              <a:t>Inputs:</a:t>
+            </a:r>
+          </a:p>
+          <a:p>
+            <a:r>
+              <a:rPr lang="en-IL" sz="2800" dirty="0"/>
+              <a:t>Clk – The system clock.</a:t>
+            </a:r>
+          </a:p>
+          <a:p>
+            <a:r>
+              <a:rPr lang="en-IL" sz="2800" dirty="0"/>
+              <a:t>Reset – Active low asynchronous reset.</a:t>
+            </a:r>
+          </a:p>
+          <a:p>
+            <a:r>
+              <a:rPr lang="en-IL" dirty="0"/>
+              <a:t>ramp</a:t>
+            </a:r>
+            <a:r>
+              <a:rPr lang="en-IL" sz="2800" dirty="0"/>
+              <a:t>_enb – ‘1’ for active, ’0’ for inactive.</a:t>
+            </a:r>
+          </a:p>
+          <a:p>
+            <a:r>
+              <a:rPr lang="en-US" dirty="0"/>
+              <a:t>d</a:t>
+            </a:r>
+            <a:r>
+              <a:rPr lang="en-US" sz="2800" dirty="0"/>
+              <a:t>elta – Add delta Y to the output</a:t>
+            </a:r>
+          </a:p>
+          <a:p>
+            <a:r>
+              <a:rPr lang="en-IL" sz="2800" dirty="0"/>
+              <a:t>[1:0]Ymode – The delta Y</a:t>
+            </a:r>
+            <a:endParaRPr lang="en-IL" sz="2800" dirty="0">
+              <a:effectLst/>
+              <a:latin typeface="Arial" panose="020B0604020202020204" pitchFamily="34" charset="0"/>
+              <a:cs typeface="Arial" panose="020B0604020202020204" pitchFamily="34" charset="0"/>
+            </a:endParaRPr>
+          </a:p>
+          <a:p>
+            <a:pPr marL="0" indent="0">
+              <a:buNone/>
+            </a:pPr>
+            <a:r>
+              <a:rPr lang="en-IL" sz="2800" dirty="0">
+                <a:latin typeface="Arial" panose="020B0604020202020204" pitchFamily="34" charset="0"/>
+                <a:cs typeface="Arial" panose="020B0604020202020204" pitchFamily="34" charset="0"/>
+              </a:rPr>
+              <a:t>’00’:  deltaY = 0</a:t>
+            </a:r>
+          </a:p>
+          <a:p>
+            <a:pPr marL="0" indent="0">
+              <a:buNone/>
+            </a:pPr>
+            <a:r>
+              <a:rPr lang="en-IL" sz="2800" dirty="0">
+                <a:latin typeface="Arial" panose="020B0604020202020204" pitchFamily="34" charset="0"/>
+                <a:cs typeface="Arial" panose="020B0604020202020204" pitchFamily="34" charset="0"/>
+              </a:rPr>
+              <a:t>‘01’: deltaY = 1</a:t>
+            </a:r>
+          </a:p>
+          <a:p>
+            <a:pPr marL="0" indent="0">
+              <a:buNone/>
+            </a:pPr>
+            <a:r>
+              <a:rPr lang="en-IL" sz="2800" dirty="0">
+                <a:latin typeface="Arial" panose="020B0604020202020204" pitchFamily="34" charset="0"/>
+                <a:cs typeface="Arial" panose="020B0604020202020204" pitchFamily="34" charset="0"/>
+              </a:rPr>
+              <a:t>‘10’: deltaY = 16</a:t>
+            </a:r>
+          </a:p>
+          <a:p>
+            <a:pPr marL="0" indent="0">
+              <a:buNone/>
+            </a:pPr>
+            <a:r>
+              <a:rPr lang="en-IL" sz="2800" dirty="0">
+                <a:latin typeface="Arial" panose="020B0604020202020204" pitchFamily="34" charset="0"/>
+                <a:cs typeface="Arial" panose="020B0604020202020204" pitchFamily="34" charset="0"/>
+              </a:rPr>
+              <a:t>‘11’: deltaY = 1290</a:t>
+            </a:r>
+          </a:p>
+          <a:p>
+            <a:pPr marL="0" indent="0">
+              <a:buNone/>
+            </a:pPr>
+            <a:r>
+              <a:rPr lang="en-IL" sz="3200" b="1" u="sng" dirty="0"/>
+              <a:t>Output:</a:t>
+            </a:r>
+          </a:p>
+          <a:p>
+            <a:r>
+              <a:rPr lang="en-IL" dirty="0"/>
+              <a:t>[11:0]Out = deltaY*(number of delta signals)</a:t>
+            </a:r>
+          </a:p>
+        </p:txBody>
+      </p:sp>
+    </p:spTree>
+    <p:extLst>
+      <p:ext uri="{BB962C8B-B14F-4D97-AF65-F5344CB8AC3E}">
+        <p14:creationId xmlns:p14="http://schemas.microsoft.com/office/powerpoint/2010/main" val="3748989657"/>
+      </p:ext>
+    </p:extLst>
+  </p:cSld>
+  <p:clrMapOvr>
+    <a:masterClrMapping/>
+  </p:clrMapOvr>
+</p:sld>
+</file>
+
+<file path=ppt/slides/slide7.xml><?xml version="1.0" encoding="utf-8"?>
+<p:sld xmlns:a="http://schemas.openxmlformats.org/drawingml/2006/main" xmlns:r="http://schemas.openxmlformats.org/officeDocument/2006/relationships" xmlns:p="http://schemas.openxmlformats.org/presentationml/2006/main">
+  <p:cSld>
+    <p:spTree>
+      <p:nvGrpSpPr>
+        <p:cNvPr id="1" name=""/>
+        <p:cNvGrpSpPr/>
+        <p:nvPr/>
+      </p:nvGrpSpPr>
+      <p:grpSpPr>
+        <a:xfrm>
+          <a:off x="0" y="0"/>
+          <a:ext cx="0" cy="0"/>
+          <a:chOff x="0" y="0"/>
+          <a:chExt cx="0" cy="0"/>
+        </a:xfrm>
+      </p:grpSpPr>
+      <p:sp>
+        <p:nvSpPr>
+          <p:cNvPr id="2" name="Title 1">
+            <a:extLst>
+              <a:ext uri="{FF2B5EF4-FFF2-40B4-BE49-F238E27FC236}">
+                <a16:creationId xmlns:a16="http://schemas.microsoft.com/office/drawing/2014/main" id="{552A01E4-3FF2-A923-48AD-07506C7E99E4}"/>
+              </a:ext>
+            </a:extLst>
+          </p:cNvPr>
+          <p:cNvSpPr>
+            <a:spLocks noGrp="1"/>
+          </p:cNvSpPr>
+          <p:nvPr>
+            <p:ph type="title"/>
+          </p:nvPr>
+        </p:nvSpPr>
+        <p:spPr/>
+        <p:txBody>
+          <a:bodyPr/>
+          <a:lstStyle/>
+          <a:p>
+            <a:pPr algn="ctr"/>
+            <a:r>
+              <a:rPr lang="en-IL" dirty="0"/>
+              <a:t>Ramp - design</a:t>
+            </a:r>
+          </a:p>
+        </p:txBody>
+      </p:sp>
+      <p:pic>
+        <p:nvPicPr>
+          <p:cNvPr id="4" name="Picture 3">
+            <a:extLst>
+              <a:ext uri="{FF2B5EF4-FFF2-40B4-BE49-F238E27FC236}">
+                <a16:creationId xmlns:a16="http://schemas.microsoft.com/office/drawing/2014/main" id="{BA8CFF42-E000-13CA-272F-4EE5627D425E}"/>
+              </a:ext>
+            </a:extLst>
+          </p:cNvPr>
+          <p:cNvPicPr>
+            <a:picLocks noChangeAspect="1"/>
+          </p:cNvPicPr>
+          <p:nvPr/>
+        </p:nvPicPr>
+        <p:blipFill>
+          <a:blip r:embed="rId2"/>
+          <a:stretch>
+            <a:fillRect/>
+          </a:stretch>
+        </p:blipFill>
+        <p:spPr>
+          <a:xfrm>
+            <a:off x="1372369" y="2173470"/>
+            <a:ext cx="7594768" cy="4152380"/>
+          </a:xfrm>
+          <a:prstGeom prst="rect">
+            <a:avLst/>
+          </a:prstGeom>
+        </p:spPr>
+      </p:pic>
+    </p:spTree>
+    <p:extLst>
+      <p:ext uri="{BB962C8B-B14F-4D97-AF65-F5344CB8AC3E}">
+        <p14:creationId xmlns:p14="http://schemas.microsoft.com/office/powerpoint/2010/main" val="3144352441"/>
+      </p:ext>
+    </p:extLst>
+  </p:cSld>
+  <p:clrMapOvr>
+    <a:masterClrMapping/>
+  </p:clrMapOvr>
+</p:sld>
+</file>
+
+<file path=ppt/slides/slide8.xml><?xml version="1.0" encoding="utf-8"?>
 <p:sld xmlns:a="http://schemas.openxmlformats.org/drawingml/2006/main" xmlns:r="http://schemas.openxmlformats.org/officeDocument/2006/relationships" xmlns:p="http://schemas.openxmlformats.org/presentationml/2006/main">
   <p:cSld>
     <p:bg>
@@ -5322,7 +8550,7 @@
 </p:sld>
 </file>
 
-<file path=ppt/slides/slide5.xml><?xml version="1.0" encoding="utf-8"?>
+<file path=ppt/slides/slide9.xml><?xml version="1.0" encoding="utf-8"?>
 <p:sld xmlns:a="http://schemas.openxmlformats.org/drawingml/2006/main" xmlns:r="http://schemas.openxmlformats.org/officeDocument/2006/relationships" xmlns:p="http://schemas.openxmlformats.org/presentationml/2006/main">
   <p:cSld>
     <p:spTree>
@@ -5940,2622 +9168,6 @@
     <p:extLst>
       <p:ext uri="{BB962C8B-B14F-4D97-AF65-F5344CB8AC3E}">
         <p14:creationId xmlns:p14="http://schemas.microsoft.com/office/powerpoint/2010/main" val="2921337156"/>
-      </p:ext>
-    </p:extLst>
-  </p:cSld>
-  <p:clrMapOvr>
-    <a:masterClrMapping/>
-  </p:clrMapOvr>
-</p:sld>
-</file>
-
-<file path=ppt/slides/slide6.xml><?xml version="1.0" encoding="utf-8"?>
-<p:sld xmlns:a="http://schemas.openxmlformats.org/drawingml/2006/main" xmlns:r="http://schemas.openxmlformats.org/officeDocument/2006/relationships" xmlns:p="http://schemas.openxmlformats.org/presentationml/2006/main">
-  <p:cSld>
-    <p:spTree>
-      <p:nvGrpSpPr>
-        <p:cNvPr id="1" name=""/>
-        <p:cNvGrpSpPr/>
-        <p:nvPr/>
-      </p:nvGrpSpPr>
-      <p:grpSpPr>
-        <a:xfrm>
-          <a:off x="0" y="0"/>
-          <a:ext cx="0" cy="0"/>
-          <a:chOff x="0" y="0"/>
-          <a:chExt cx="0" cy="0"/>
-        </a:xfrm>
-      </p:grpSpPr>
-      <p:sp>
-        <p:nvSpPr>
-          <p:cNvPr id="2" name="Title 1">
-            <a:extLst>
-              <a:ext uri="{FF2B5EF4-FFF2-40B4-BE49-F238E27FC236}">
-                <a16:creationId xmlns:a16="http://schemas.microsoft.com/office/drawing/2014/main" id="{A4037E89-4E35-9542-504C-0549156D271C}"/>
-              </a:ext>
-            </a:extLst>
-          </p:cNvPr>
-          <p:cNvSpPr>
-            <a:spLocks noGrp="1"/>
-          </p:cNvSpPr>
-          <p:nvPr>
-            <p:ph type="title"/>
-          </p:nvPr>
-        </p:nvSpPr>
-        <p:spPr/>
-        <p:txBody>
-          <a:bodyPr/>
-          <a:lstStyle/>
-          <a:p>
-            <a:pPr algn="ctr"/>
-            <a:r>
-              <a:rPr lang="en-IL" dirty="0"/>
-              <a:t>Constant test mode – [2:0]Mode = ‘010’</a:t>
-            </a:r>
-          </a:p>
-        </p:txBody>
-      </p:sp>
-      <p:sp>
-        <p:nvSpPr>
-          <p:cNvPr id="3" name="Rectangle 2">
-            <a:extLst>
-              <a:ext uri="{FF2B5EF4-FFF2-40B4-BE49-F238E27FC236}">
-                <a16:creationId xmlns:a16="http://schemas.microsoft.com/office/drawing/2014/main" id="{717DB2EF-88B2-7419-C3BF-2B186A65E744}"/>
-              </a:ext>
-            </a:extLst>
-          </p:cNvPr>
-          <p:cNvSpPr/>
-          <p:nvPr/>
-        </p:nvSpPr>
-        <p:spPr>
-          <a:xfrm>
-            <a:off x="653144" y="1690687"/>
-            <a:ext cx="2645226" cy="4252503"/>
-          </a:xfrm>
-          <a:prstGeom prst="rect">
-            <a:avLst/>
-          </a:prstGeom>
-        </p:spPr>
-        <p:style>
-          <a:lnRef idx="2">
-            <a:schemeClr val="accent1">
-              <a:shade val="15000"/>
-            </a:schemeClr>
-          </a:lnRef>
-          <a:fillRef idx="1">
-            <a:schemeClr val="accent1"/>
-          </a:fillRef>
-          <a:effectRef idx="0">
-            <a:schemeClr val="accent1"/>
-          </a:effectRef>
-          <a:fontRef idx="minor">
-            <a:schemeClr val="lt1"/>
-          </a:fontRef>
-        </p:style>
-        <p:txBody>
-          <a:bodyPr rtlCol="0" anchor="ctr"/>
-          <a:lstStyle/>
-          <a:p>
-            <a:pPr algn="ctr"/>
-            <a:r>
-              <a:rPr lang="en-IL" b="1" u="sng" dirty="0"/>
-              <a:t>READY</a:t>
-            </a:r>
-          </a:p>
-          <a:p>
-            <a:pPr algn="ctr"/>
-            <a:r>
-              <a:rPr lang="en-IL" b="1" u="sng" dirty="0"/>
-              <a:t> [2:0]Mode == ‘010’ :</a:t>
-            </a:r>
-          </a:p>
-          <a:p>
-            <a:pPr algn="ctr"/>
-            <a:r>
-              <a:rPr lang="en-IL" dirty="0"/>
-              <a:t>5b_enb =‘1’</a:t>
-            </a:r>
-          </a:p>
-          <a:p>
-            <a:pPr algn="ctr"/>
-            <a:r>
-              <a:rPr lang="en-IL" dirty="0"/>
-              <a:t>Test = ‘1’</a:t>
-            </a:r>
-          </a:p>
-          <a:p>
-            <a:pPr algn="ctr"/>
-            <a:r>
-              <a:rPr lang="en-IL" dirty="0"/>
-              <a:t>Binary_Or_Gray=’0’</a:t>
-            </a:r>
-          </a:p>
-          <a:p>
-            <a:pPr algn="ctr"/>
-            <a:r>
-              <a:rPr lang="en-IL" dirty="0"/>
-              <a:t>ramp_enb =’0’</a:t>
-            </a:r>
-          </a:p>
-          <a:p>
-            <a:pPr algn="ctr"/>
-            <a:r>
-              <a:rPr lang="en-IL" dirty="0"/>
-              <a:t>[1:0]ValSel = ‘01’(2d clk)</a:t>
-            </a:r>
-          </a:p>
-          <a:p>
-            <a:pPr algn="ctr"/>
-            <a:r>
-              <a:rPr lang="en-IL" dirty="0"/>
-              <a:t>Cnt_enb=‘1’(2d clk)</a:t>
-            </a:r>
-          </a:p>
-          <a:p>
-            <a:pPr algn="ctr"/>
-            <a:r>
-              <a:rPr lang="en-IL" dirty="0"/>
-              <a:t>NewLine =‘1’(2d clk)</a:t>
-            </a:r>
-          </a:p>
-        </p:txBody>
-      </p:sp>
-      <p:sp>
-        <p:nvSpPr>
-          <p:cNvPr id="5" name="Rectangle 4">
-            <a:extLst>
-              <a:ext uri="{FF2B5EF4-FFF2-40B4-BE49-F238E27FC236}">
-                <a16:creationId xmlns:a16="http://schemas.microsoft.com/office/drawing/2014/main" id="{705ABBCC-FA1C-C85D-1DEF-0D30AF7DE968}"/>
-              </a:ext>
-            </a:extLst>
-          </p:cNvPr>
-          <p:cNvSpPr/>
-          <p:nvPr/>
-        </p:nvSpPr>
-        <p:spPr>
-          <a:xfrm>
-            <a:off x="4767937" y="1690688"/>
-            <a:ext cx="2460169" cy="4259489"/>
-          </a:xfrm>
-          <a:prstGeom prst="rect">
-            <a:avLst/>
-          </a:prstGeom>
-        </p:spPr>
-        <p:style>
-          <a:lnRef idx="2">
-            <a:schemeClr val="accent1">
-              <a:shade val="15000"/>
-            </a:schemeClr>
-          </a:lnRef>
-          <a:fillRef idx="1">
-            <a:schemeClr val="accent1"/>
-          </a:fillRef>
-          <a:effectRef idx="0">
-            <a:schemeClr val="accent1"/>
-          </a:effectRef>
-          <a:fontRef idx="minor">
-            <a:schemeClr val="lt1"/>
-          </a:fontRef>
-        </p:style>
-        <p:txBody>
-          <a:bodyPr rtlCol="0" anchor="ctr"/>
-          <a:lstStyle/>
-          <a:p>
-            <a:pPr algn="ctr"/>
-            <a:r>
-              <a:rPr lang="en-IL" b="1" u="sng" dirty="0"/>
-              <a:t>Normal:</a:t>
-            </a:r>
-          </a:p>
-          <a:p>
-            <a:pPr algn="ctr"/>
-            <a:r>
-              <a:rPr lang="en-US" u="sng" dirty="0"/>
-              <a:t>I</a:t>
-            </a:r>
-            <a:r>
-              <a:rPr lang="en-IL" u="sng" dirty="0"/>
-              <a:t>nput:</a:t>
-            </a:r>
-          </a:p>
-          <a:p>
-            <a:pPr algn="ctr"/>
-            <a:r>
-              <a:rPr lang="en-IL" dirty="0"/>
-              <a:t>EndLine=’0’:</a:t>
-            </a:r>
-          </a:p>
-          <a:p>
-            <a:pPr algn="ctr"/>
-            <a:r>
-              <a:rPr lang="en-US" u="sng" dirty="0"/>
-              <a:t>O</a:t>
-            </a:r>
-            <a:r>
-              <a:rPr lang="en-IL" u="sng" dirty="0"/>
-              <a:t>utput:</a:t>
-            </a:r>
-          </a:p>
-          <a:p>
-            <a:pPr algn="ctr"/>
-            <a:r>
-              <a:rPr lang="en-IL" dirty="0"/>
-              <a:t>Xmode= ‘00’</a:t>
-            </a:r>
-          </a:p>
-          <a:p>
-            <a:pPr algn="ctr"/>
-            <a:r>
-              <a:rPr lang="en-IL" dirty="0"/>
-              <a:t>Cnt_enb=‘1’</a:t>
-            </a:r>
-          </a:p>
-          <a:p>
-            <a:pPr algn="ctr"/>
-            <a:r>
-              <a:rPr lang="en-IL" dirty="0"/>
-              <a:t>12b_enb = ‘1’</a:t>
-            </a:r>
-          </a:p>
-          <a:p>
-            <a:pPr algn="ctr"/>
-            <a:r>
-              <a:rPr lang="en-US" u="sng" dirty="0"/>
-              <a:t>I</a:t>
-            </a:r>
-            <a:r>
-              <a:rPr lang="en-IL" u="sng" dirty="0"/>
-              <a:t>nput:</a:t>
-            </a:r>
-          </a:p>
-          <a:p>
-            <a:pPr algn="ctr"/>
-            <a:r>
-              <a:rPr lang="en-IL" dirty="0"/>
-              <a:t>EndLine=’1’:</a:t>
-            </a:r>
-          </a:p>
-          <a:p>
-            <a:pPr algn="ctr"/>
-            <a:r>
-              <a:rPr lang="en-US" u="sng" dirty="0"/>
-              <a:t>O</a:t>
-            </a:r>
-            <a:r>
-              <a:rPr lang="en-IL" u="sng" dirty="0"/>
-              <a:t>utput:</a:t>
-            </a:r>
-          </a:p>
-          <a:p>
-            <a:pPr algn="ctr"/>
-            <a:r>
-              <a:rPr lang="en-IL" dirty="0"/>
-              <a:t>Cnt_enb=‘0’</a:t>
-            </a:r>
-          </a:p>
-          <a:p>
-            <a:pPr algn="ctr"/>
-            <a:r>
-              <a:rPr lang="en-IL" dirty="0"/>
-              <a:t>12b_enb = ‘0’</a:t>
-            </a:r>
-          </a:p>
-          <a:p>
-            <a:pPr algn="ctr"/>
-            <a:endParaRPr lang="en-IL" dirty="0"/>
-          </a:p>
-        </p:txBody>
-      </p:sp>
-      <p:sp>
-        <p:nvSpPr>
-          <p:cNvPr id="8" name="Right Arrow 7">
-            <a:extLst>
-              <a:ext uri="{FF2B5EF4-FFF2-40B4-BE49-F238E27FC236}">
-                <a16:creationId xmlns:a16="http://schemas.microsoft.com/office/drawing/2014/main" id="{FF1EE064-C372-D7FE-FCB6-DA52B2DFAC27}"/>
-              </a:ext>
-            </a:extLst>
-          </p:cNvPr>
-          <p:cNvSpPr/>
-          <p:nvPr/>
-        </p:nvSpPr>
-        <p:spPr>
-          <a:xfrm>
-            <a:off x="3298370" y="2068422"/>
-            <a:ext cx="1469568" cy="620485"/>
-          </a:xfrm>
-          <a:prstGeom prst="rightArrow">
-            <a:avLst/>
-          </a:prstGeom>
-        </p:spPr>
-        <p:style>
-          <a:lnRef idx="2">
-            <a:schemeClr val="accent1">
-              <a:shade val="15000"/>
-            </a:schemeClr>
-          </a:lnRef>
-          <a:fillRef idx="1">
-            <a:schemeClr val="accent1"/>
-          </a:fillRef>
-          <a:effectRef idx="0">
-            <a:schemeClr val="accent1"/>
-          </a:effectRef>
-          <a:fontRef idx="minor">
-            <a:schemeClr val="lt1"/>
-          </a:fontRef>
-        </p:style>
-        <p:txBody>
-          <a:bodyPr rtlCol="0" anchor="ctr"/>
-          <a:lstStyle/>
-          <a:p>
-            <a:pPr algn="ctr"/>
-            <a:endParaRPr lang="en-IL"/>
-          </a:p>
-        </p:txBody>
-      </p:sp>
-      <p:sp>
-        <p:nvSpPr>
-          <p:cNvPr id="9" name="TextBox 8">
-            <a:extLst>
-              <a:ext uri="{FF2B5EF4-FFF2-40B4-BE49-F238E27FC236}">
-                <a16:creationId xmlns:a16="http://schemas.microsoft.com/office/drawing/2014/main" id="{E2811DE1-79C3-BC5E-1B5E-A2FEFB44AC10}"/>
-              </a:ext>
-            </a:extLst>
-          </p:cNvPr>
-          <p:cNvSpPr txBox="1"/>
-          <p:nvPr/>
-        </p:nvSpPr>
-        <p:spPr>
-          <a:xfrm>
-            <a:off x="3513329" y="4780961"/>
-            <a:ext cx="1039644" cy="369332"/>
-          </a:xfrm>
-          <a:prstGeom prst="rect">
-            <a:avLst/>
-          </a:prstGeom>
-          <a:noFill/>
-        </p:spPr>
-        <p:txBody>
-          <a:bodyPr wrap="none" rtlCol="0">
-            <a:spAutoFit/>
-          </a:bodyPr>
-          <a:lstStyle/>
-          <a:p>
-            <a:r>
-              <a:rPr lang="en-IL" dirty="0"/>
-              <a:t>Sync=‘1’</a:t>
-            </a:r>
-          </a:p>
-        </p:txBody>
-      </p:sp>
-      <p:sp>
-        <p:nvSpPr>
-          <p:cNvPr id="10" name="Right Arrow 9">
-            <a:extLst>
-              <a:ext uri="{FF2B5EF4-FFF2-40B4-BE49-F238E27FC236}">
-                <a16:creationId xmlns:a16="http://schemas.microsoft.com/office/drawing/2014/main" id="{7497BFCF-4F6C-67AE-91E0-ACAECCC664B5}"/>
-              </a:ext>
-            </a:extLst>
-          </p:cNvPr>
-          <p:cNvSpPr/>
-          <p:nvPr/>
-        </p:nvSpPr>
-        <p:spPr>
-          <a:xfrm rot="10800000">
-            <a:off x="3298365" y="4160475"/>
-            <a:ext cx="1469569" cy="620485"/>
-          </a:xfrm>
-          <a:prstGeom prst="rightArrow">
-            <a:avLst/>
-          </a:prstGeom>
-        </p:spPr>
-        <p:style>
-          <a:lnRef idx="2">
-            <a:schemeClr val="accent1">
-              <a:shade val="15000"/>
-            </a:schemeClr>
-          </a:lnRef>
-          <a:fillRef idx="1">
-            <a:schemeClr val="accent1"/>
-          </a:fillRef>
-          <a:effectRef idx="0">
-            <a:schemeClr val="accent1"/>
-          </a:effectRef>
-          <a:fontRef idx="minor">
-            <a:schemeClr val="lt1"/>
-          </a:fontRef>
-        </p:style>
-        <p:txBody>
-          <a:bodyPr rtlCol="0" anchor="ctr"/>
-          <a:lstStyle/>
-          <a:p>
-            <a:pPr algn="ctr"/>
-            <a:endParaRPr lang="en-IL"/>
-          </a:p>
-        </p:txBody>
-      </p:sp>
-      <p:sp>
-        <p:nvSpPr>
-          <p:cNvPr id="11" name="TextBox 10">
-            <a:extLst>
-              <a:ext uri="{FF2B5EF4-FFF2-40B4-BE49-F238E27FC236}">
-                <a16:creationId xmlns:a16="http://schemas.microsoft.com/office/drawing/2014/main" id="{5E7C4290-B9B8-0B75-EC3C-E4FD78C81F1A}"/>
-              </a:ext>
-            </a:extLst>
-          </p:cNvPr>
-          <p:cNvSpPr txBox="1"/>
-          <p:nvPr/>
-        </p:nvSpPr>
-        <p:spPr>
-          <a:xfrm>
-            <a:off x="3513329" y="1777781"/>
-            <a:ext cx="896399" cy="369332"/>
-          </a:xfrm>
-          <a:prstGeom prst="rect">
-            <a:avLst/>
-          </a:prstGeom>
-          <a:noFill/>
-        </p:spPr>
-        <p:txBody>
-          <a:bodyPr wrap="none" rtlCol="0">
-            <a:spAutoFit/>
-          </a:bodyPr>
-          <a:lstStyle/>
-          <a:p>
-            <a:r>
-              <a:rPr lang="en-IL" dirty="0"/>
-              <a:t>2 clock</a:t>
-            </a:r>
-          </a:p>
-        </p:txBody>
-      </p:sp>
-      <p:sp>
-        <p:nvSpPr>
-          <p:cNvPr id="12" name="Rectangle 11">
-            <a:extLst>
-              <a:ext uri="{FF2B5EF4-FFF2-40B4-BE49-F238E27FC236}">
-                <a16:creationId xmlns:a16="http://schemas.microsoft.com/office/drawing/2014/main" id="{5361DF46-DEA1-87D9-4C30-C63E1E6535F2}"/>
-              </a:ext>
-            </a:extLst>
-          </p:cNvPr>
-          <p:cNvSpPr/>
-          <p:nvPr/>
-        </p:nvSpPr>
-        <p:spPr>
-          <a:xfrm>
-            <a:off x="8787251" y="1690688"/>
-            <a:ext cx="2460169" cy="4259489"/>
-          </a:xfrm>
-          <a:prstGeom prst="rect">
-            <a:avLst/>
-          </a:prstGeom>
-        </p:spPr>
-        <p:style>
-          <a:lnRef idx="2">
-            <a:schemeClr val="accent1">
-              <a:shade val="15000"/>
-            </a:schemeClr>
-          </a:lnRef>
-          <a:fillRef idx="1">
-            <a:schemeClr val="accent1"/>
-          </a:fillRef>
-          <a:effectRef idx="0">
-            <a:schemeClr val="accent1"/>
-          </a:effectRef>
-          <a:fontRef idx="minor">
-            <a:schemeClr val="lt1"/>
-          </a:fontRef>
-        </p:style>
-        <p:txBody>
-          <a:bodyPr rtlCol="0" anchor="ctr"/>
-          <a:lstStyle/>
-          <a:p>
-            <a:pPr algn="ctr"/>
-            <a:r>
-              <a:rPr lang="en-IL" b="1" u="sng" dirty="0"/>
-              <a:t>IDLE</a:t>
-            </a:r>
-          </a:p>
-        </p:txBody>
-      </p:sp>
-      <p:sp>
-        <p:nvSpPr>
-          <p:cNvPr id="13" name="Right Arrow 12">
-            <a:extLst>
-              <a:ext uri="{FF2B5EF4-FFF2-40B4-BE49-F238E27FC236}">
-                <a16:creationId xmlns:a16="http://schemas.microsoft.com/office/drawing/2014/main" id="{BFE76325-DAA7-0FAB-78DF-3F2A844A837F}"/>
-              </a:ext>
-            </a:extLst>
-          </p:cNvPr>
-          <p:cNvSpPr/>
-          <p:nvPr/>
-        </p:nvSpPr>
-        <p:spPr>
-          <a:xfrm>
-            <a:off x="7228106" y="3429000"/>
-            <a:ext cx="1559144" cy="620485"/>
-          </a:xfrm>
-          <a:prstGeom prst="rightArrow">
-            <a:avLst/>
-          </a:prstGeom>
-        </p:spPr>
-        <p:style>
-          <a:lnRef idx="2">
-            <a:schemeClr val="accent1">
-              <a:shade val="15000"/>
-            </a:schemeClr>
-          </a:lnRef>
-          <a:fillRef idx="1">
-            <a:schemeClr val="accent1"/>
-          </a:fillRef>
-          <a:effectRef idx="0">
-            <a:schemeClr val="accent1"/>
-          </a:effectRef>
-          <a:fontRef idx="minor">
-            <a:schemeClr val="lt1"/>
-          </a:fontRef>
-        </p:style>
-        <p:txBody>
-          <a:bodyPr rtlCol="0" anchor="ctr"/>
-          <a:lstStyle/>
-          <a:p>
-            <a:pPr algn="ctr"/>
-            <a:endParaRPr lang="en-IL"/>
-          </a:p>
-        </p:txBody>
-      </p:sp>
-      <p:sp>
-        <p:nvSpPr>
-          <p:cNvPr id="14" name="TextBox 13">
-            <a:extLst>
-              <a:ext uri="{FF2B5EF4-FFF2-40B4-BE49-F238E27FC236}">
-                <a16:creationId xmlns:a16="http://schemas.microsoft.com/office/drawing/2014/main" id="{0FAED5B9-1E03-76B6-0487-70EC6F487AB7}"/>
-              </a:ext>
-            </a:extLst>
-          </p:cNvPr>
-          <p:cNvSpPr txBox="1"/>
-          <p:nvPr/>
-        </p:nvSpPr>
-        <p:spPr>
-          <a:xfrm>
-            <a:off x="7228106" y="2816234"/>
-            <a:ext cx="1559145" cy="646331"/>
-          </a:xfrm>
-          <a:prstGeom prst="rect">
-            <a:avLst/>
-          </a:prstGeom>
-          <a:noFill/>
-        </p:spPr>
-        <p:txBody>
-          <a:bodyPr wrap="none" rtlCol="0">
-            <a:spAutoFit/>
-          </a:bodyPr>
-          <a:lstStyle/>
-          <a:p>
-            <a:r>
-              <a:rPr lang="en-IL" dirty="0"/>
-              <a:t>EndLine=‘1’</a:t>
-            </a:r>
-          </a:p>
-          <a:p>
-            <a:r>
-              <a:rPr lang="en-IL" dirty="0"/>
-              <a:t>EndFrame=‘1’</a:t>
-            </a:r>
-          </a:p>
-        </p:txBody>
-      </p:sp>
-    </p:spTree>
-    <p:extLst>
-      <p:ext uri="{BB962C8B-B14F-4D97-AF65-F5344CB8AC3E}">
-        <p14:creationId xmlns:p14="http://schemas.microsoft.com/office/powerpoint/2010/main" val="1299480461"/>
-      </p:ext>
-    </p:extLst>
-  </p:cSld>
-  <p:clrMapOvr>
-    <a:masterClrMapping/>
-  </p:clrMapOvr>
-</p:sld>
-</file>
-
-<file path=ppt/slides/slide7.xml><?xml version="1.0" encoding="utf-8"?>
-<p:sld xmlns:a="http://schemas.openxmlformats.org/drawingml/2006/main" xmlns:r="http://schemas.openxmlformats.org/officeDocument/2006/relationships" xmlns:p="http://schemas.openxmlformats.org/presentationml/2006/main">
-  <p:cSld>
-    <p:spTree>
-      <p:nvGrpSpPr>
-        <p:cNvPr id="1" name=""/>
-        <p:cNvGrpSpPr/>
-        <p:nvPr/>
-      </p:nvGrpSpPr>
-      <p:grpSpPr>
-        <a:xfrm>
-          <a:off x="0" y="0"/>
-          <a:ext cx="0" cy="0"/>
-          <a:chOff x="0" y="0"/>
-          <a:chExt cx="0" cy="0"/>
-        </a:xfrm>
-      </p:grpSpPr>
-      <p:sp>
-        <p:nvSpPr>
-          <p:cNvPr id="2" name="Title 1">
-            <a:extLst>
-              <a:ext uri="{FF2B5EF4-FFF2-40B4-BE49-F238E27FC236}">
-                <a16:creationId xmlns:a16="http://schemas.microsoft.com/office/drawing/2014/main" id="{94286F2A-F963-F778-AB0E-B193C3255FDF}"/>
-              </a:ext>
-            </a:extLst>
-          </p:cNvPr>
-          <p:cNvSpPr>
-            <a:spLocks noGrp="1"/>
-          </p:cNvSpPr>
-          <p:nvPr>
-            <p:ph type="title"/>
-          </p:nvPr>
-        </p:nvSpPr>
-        <p:spPr/>
-        <p:txBody>
-          <a:bodyPr/>
-          <a:lstStyle/>
-          <a:p>
-            <a:pPr algn="ctr"/>
-            <a:r>
-              <a:rPr lang="en-IL" dirty="0"/>
-              <a:t>Checkerboard 1x1’white’– [2:0]Mode = ‘011’</a:t>
-            </a:r>
-          </a:p>
-        </p:txBody>
-      </p:sp>
-      <p:sp>
-        <p:nvSpPr>
-          <p:cNvPr id="3" name="Rectangle 2">
-            <a:extLst>
-              <a:ext uri="{FF2B5EF4-FFF2-40B4-BE49-F238E27FC236}">
-                <a16:creationId xmlns:a16="http://schemas.microsoft.com/office/drawing/2014/main" id="{7CABD7A3-FE25-C0FC-C685-E0DF0E3EEB2A}"/>
-              </a:ext>
-            </a:extLst>
-          </p:cNvPr>
-          <p:cNvSpPr/>
-          <p:nvPr/>
-        </p:nvSpPr>
-        <p:spPr>
-          <a:xfrm>
-            <a:off x="642258" y="1690687"/>
-            <a:ext cx="2656112" cy="4252503"/>
-          </a:xfrm>
-          <a:prstGeom prst="rect">
-            <a:avLst/>
-          </a:prstGeom>
-        </p:spPr>
-        <p:style>
-          <a:lnRef idx="2">
-            <a:schemeClr val="accent1">
-              <a:shade val="15000"/>
-            </a:schemeClr>
-          </a:lnRef>
-          <a:fillRef idx="1">
-            <a:schemeClr val="accent1"/>
-          </a:fillRef>
-          <a:effectRef idx="0">
-            <a:schemeClr val="accent1"/>
-          </a:effectRef>
-          <a:fontRef idx="minor">
-            <a:schemeClr val="lt1"/>
-          </a:fontRef>
-        </p:style>
-        <p:txBody>
-          <a:bodyPr rtlCol="0" anchor="ctr"/>
-          <a:lstStyle/>
-          <a:p>
-            <a:pPr algn="ctr"/>
-            <a:r>
-              <a:rPr lang="en-IL" b="1" u="sng" dirty="0"/>
-              <a:t>READY</a:t>
-            </a:r>
-          </a:p>
-          <a:p>
-            <a:pPr algn="ctr"/>
-            <a:r>
-              <a:rPr lang="en-IL" b="1" u="sng" dirty="0"/>
-              <a:t> [2:0]Mode == ‘011’ :</a:t>
-            </a:r>
-          </a:p>
-          <a:p>
-            <a:pPr algn="ctr"/>
-            <a:r>
-              <a:rPr lang="en-IL" dirty="0"/>
-              <a:t>5b_enb =‘1’</a:t>
-            </a:r>
-          </a:p>
-          <a:p>
-            <a:pPr algn="ctr"/>
-            <a:r>
-              <a:rPr lang="en-IL" dirty="0"/>
-              <a:t>Test = ‘1’</a:t>
-            </a:r>
-          </a:p>
-          <a:p>
-            <a:pPr algn="ctr"/>
-            <a:r>
-              <a:rPr lang="en-IL" dirty="0"/>
-              <a:t>Binary_Or_Gray=’0’</a:t>
-            </a:r>
-          </a:p>
-          <a:p>
-            <a:pPr algn="ctr"/>
-            <a:r>
-              <a:rPr lang="en-IL" dirty="0"/>
-              <a:t>ramp_enb =’0’</a:t>
-            </a:r>
-          </a:p>
-          <a:p>
-            <a:pPr algn="ctr"/>
-            <a:r>
-              <a:rPr lang="en-IL" dirty="0"/>
-              <a:t>NewLine =‘1’(2d clk)</a:t>
-            </a:r>
-          </a:p>
-          <a:p>
-            <a:pPr algn="ctr"/>
-            <a:r>
-              <a:rPr lang="en-IL" dirty="0"/>
-              <a:t>Cnt_enb=‘1’(2d clk)</a:t>
-            </a:r>
-          </a:p>
-          <a:p>
-            <a:pPr algn="ctr"/>
-            <a:r>
-              <a:rPr lang="en-US" u="sng" dirty="0"/>
-              <a:t>Input: </a:t>
-            </a:r>
-            <a:r>
-              <a:rPr lang="en-US" dirty="0"/>
-              <a:t>F</a:t>
-            </a:r>
-            <a:r>
-              <a:rPr lang="en-IL" dirty="0"/>
-              <a:t>lag = ‘0’:</a:t>
-            </a:r>
-          </a:p>
-          <a:p>
-            <a:pPr algn="ctr"/>
-            <a:r>
-              <a:rPr lang="en-IL" u="sng" dirty="0"/>
-              <a:t>Output:</a:t>
-            </a:r>
-            <a:r>
-              <a:rPr lang="en-IL" dirty="0"/>
-              <a:t> [1:0]ValSel = ‘00’</a:t>
-            </a:r>
-          </a:p>
-          <a:p>
-            <a:pPr algn="ctr"/>
-            <a:r>
-              <a:rPr lang="en-US" u="sng" dirty="0"/>
-              <a:t>Input: </a:t>
-            </a:r>
-            <a:r>
-              <a:rPr lang="en-US" dirty="0"/>
-              <a:t>F</a:t>
-            </a:r>
-            <a:r>
-              <a:rPr lang="en-IL" dirty="0"/>
-              <a:t>lag = ‘1’:</a:t>
-            </a:r>
-          </a:p>
-          <a:p>
-            <a:pPr algn="ctr"/>
-            <a:r>
-              <a:rPr lang="en-IL" u="sng" dirty="0"/>
-              <a:t>Output:</a:t>
-            </a:r>
-            <a:r>
-              <a:rPr lang="en-IL" dirty="0"/>
-              <a:t> [1:0]ValSel = ‘10’</a:t>
-            </a:r>
-          </a:p>
-        </p:txBody>
-      </p:sp>
-      <p:sp>
-        <p:nvSpPr>
-          <p:cNvPr id="5" name="Rectangle 4">
-            <a:extLst>
-              <a:ext uri="{FF2B5EF4-FFF2-40B4-BE49-F238E27FC236}">
-                <a16:creationId xmlns:a16="http://schemas.microsoft.com/office/drawing/2014/main" id="{B3678CFE-B37B-6B84-02C0-C674143B3E17}"/>
-              </a:ext>
-            </a:extLst>
-          </p:cNvPr>
-          <p:cNvSpPr/>
-          <p:nvPr/>
-        </p:nvSpPr>
-        <p:spPr>
-          <a:xfrm>
-            <a:off x="4767937" y="1690688"/>
-            <a:ext cx="2460169" cy="4259489"/>
-          </a:xfrm>
-          <a:prstGeom prst="rect">
-            <a:avLst/>
-          </a:prstGeom>
-        </p:spPr>
-        <p:style>
-          <a:lnRef idx="2">
-            <a:schemeClr val="accent1">
-              <a:shade val="15000"/>
-            </a:schemeClr>
-          </a:lnRef>
-          <a:fillRef idx="1">
-            <a:schemeClr val="accent1"/>
-          </a:fillRef>
-          <a:effectRef idx="0">
-            <a:schemeClr val="accent1"/>
-          </a:effectRef>
-          <a:fontRef idx="minor">
-            <a:schemeClr val="lt1"/>
-          </a:fontRef>
-        </p:style>
-        <p:txBody>
-          <a:bodyPr rtlCol="0" anchor="ctr"/>
-          <a:lstStyle/>
-          <a:p>
-            <a:pPr algn="ctr"/>
-            <a:r>
-              <a:rPr lang="en-IL" b="1" u="sng" dirty="0"/>
-              <a:t>CB 1x1:</a:t>
-            </a:r>
-          </a:p>
-          <a:p>
-            <a:pPr algn="ctr"/>
-            <a:r>
-              <a:rPr lang="en-US" u="sng" dirty="0"/>
-              <a:t>I</a:t>
-            </a:r>
-            <a:r>
-              <a:rPr lang="en-IL" u="sng" dirty="0"/>
-              <a:t>nput:</a:t>
-            </a:r>
-          </a:p>
-          <a:p>
-            <a:pPr algn="ctr"/>
-            <a:r>
-              <a:rPr lang="en-IL" dirty="0"/>
-              <a:t>EndLine=’0’:</a:t>
-            </a:r>
-          </a:p>
-          <a:p>
-            <a:pPr algn="ctr"/>
-            <a:r>
-              <a:rPr lang="en-US" u="sng" dirty="0"/>
-              <a:t>O</a:t>
-            </a:r>
-            <a:r>
-              <a:rPr lang="en-IL" u="sng" dirty="0"/>
-              <a:t>utput:</a:t>
-            </a:r>
-          </a:p>
-          <a:p>
-            <a:pPr algn="ctr"/>
-            <a:r>
-              <a:rPr lang="en-IL" dirty="0"/>
-              <a:t>Xmode= ‘00’</a:t>
-            </a:r>
-          </a:p>
-          <a:p>
-            <a:pPr algn="ctr"/>
-            <a:r>
-              <a:rPr lang="en-IL" dirty="0"/>
-              <a:t>Cnt_enb=‘1’</a:t>
-            </a:r>
-          </a:p>
-          <a:p>
-            <a:pPr algn="ctr"/>
-            <a:r>
-              <a:rPr lang="en-IL" dirty="0"/>
-              <a:t>12b_enb = ‘1’</a:t>
-            </a:r>
-          </a:p>
-          <a:p>
-            <a:pPr algn="ctr"/>
-            <a:r>
-              <a:rPr lang="en-IL" dirty="0"/>
-              <a:t>ValSel[1]=~ValSel[1]</a:t>
-            </a:r>
-          </a:p>
-          <a:p>
-            <a:pPr algn="ctr"/>
-            <a:r>
-              <a:rPr lang="en-IL" dirty="0"/>
-              <a:t>Flag = ~Flag(1clk)</a:t>
-            </a:r>
-          </a:p>
-          <a:p>
-            <a:pPr algn="ctr"/>
-            <a:r>
-              <a:rPr lang="en-US" u="sng" dirty="0"/>
-              <a:t>I</a:t>
-            </a:r>
-            <a:r>
-              <a:rPr lang="en-IL" u="sng" dirty="0"/>
-              <a:t>nput:</a:t>
-            </a:r>
-          </a:p>
-          <a:p>
-            <a:pPr algn="ctr"/>
-            <a:r>
-              <a:rPr lang="en-IL" dirty="0"/>
-              <a:t>EndLine=’1’:</a:t>
-            </a:r>
-          </a:p>
-          <a:p>
-            <a:pPr algn="ctr"/>
-            <a:r>
-              <a:rPr lang="en-US" u="sng" dirty="0"/>
-              <a:t>O</a:t>
-            </a:r>
-            <a:r>
-              <a:rPr lang="en-IL" u="sng" dirty="0"/>
-              <a:t>utput:</a:t>
-            </a:r>
-          </a:p>
-          <a:p>
-            <a:pPr algn="ctr"/>
-            <a:r>
-              <a:rPr lang="en-IL" dirty="0"/>
-              <a:t>Cnt_enb=‘0’</a:t>
-            </a:r>
-          </a:p>
-          <a:p>
-            <a:pPr algn="ctr"/>
-            <a:r>
-              <a:rPr lang="en-IL" dirty="0"/>
-              <a:t>12b_enb = ‘0’</a:t>
-            </a:r>
-          </a:p>
-          <a:p>
-            <a:pPr algn="ctr"/>
-            <a:endParaRPr lang="en-IL" dirty="0"/>
-          </a:p>
-        </p:txBody>
-      </p:sp>
-      <p:sp>
-        <p:nvSpPr>
-          <p:cNvPr id="6" name="Right Arrow 5">
-            <a:extLst>
-              <a:ext uri="{FF2B5EF4-FFF2-40B4-BE49-F238E27FC236}">
-                <a16:creationId xmlns:a16="http://schemas.microsoft.com/office/drawing/2014/main" id="{184311DD-2C26-68C2-72B3-018E26B957BA}"/>
-              </a:ext>
-            </a:extLst>
-          </p:cNvPr>
-          <p:cNvSpPr/>
-          <p:nvPr/>
-        </p:nvSpPr>
-        <p:spPr>
-          <a:xfrm>
-            <a:off x="3298370" y="2068422"/>
-            <a:ext cx="1469568" cy="620485"/>
-          </a:xfrm>
-          <a:prstGeom prst="rightArrow">
-            <a:avLst/>
-          </a:prstGeom>
-        </p:spPr>
-        <p:style>
-          <a:lnRef idx="2">
-            <a:schemeClr val="accent1">
-              <a:shade val="15000"/>
-            </a:schemeClr>
-          </a:lnRef>
-          <a:fillRef idx="1">
-            <a:schemeClr val="accent1"/>
-          </a:fillRef>
-          <a:effectRef idx="0">
-            <a:schemeClr val="accent1"/>
-          </a:effectRef>
-          <a:fontRef idx="minor">
-            <a:schemeClr val="lt1"/>
-          </a:fontRef>
-        </p:style>
-        <p:txBody>
-          <a:bodyPr rtlCol="0" anchor="ctr"/>
-          <a:lstStyle/>
-          <a:p>
-            <a:pPr algn="ctr"/>
-            <a:endParaRPr lang="en-IL"/>
-          </a:p>
-        </p:txBody>
-      </p:sp>
-      <p:sp>
-        <p:nvSpPr>
-          <p:cNvPr id="7" name="TextBox 6">
-            <a:extLst>
-              <a:ext uri="{FF2B5EF4-FFF2-40B4-BE49-F238E27FC236}">
-                <a16:creationId xmlns:a16="http://schemas.microsoft.com/office/drawing/2014/main" id="{762319F4-5DCA-A692-B517-63A9666EECC9}"/>
-              </a:ext>
-            </a:extLst>
-          </p:cNvPr>
-          <p:cNvSpPr txBox="1"/>
-          <p:nvPr/>
-        </p:nvSpPr>
-        <p:spPr>
-          <a:xfrm>
-            <a:off x="3513329" y="4780961"/>
-            <a:ext cx="1039644" cy="369332"/>
-          </a:xfrm>
-          <a:prstGeom prst="rect">
-            <a:avLst/>
-          </a:prstGeom>
-          <a:noFill/>
-        </p:spPr>
-        <p:txBody>
-          <a:bodyPr wrap="none" rtlCol="0">
-            <a:spAutoFit/>
-          </a:bodyPr>
-          <a:lstStyle/>
-          <a:p>
-            <a:r>
-              <a:rPr lang="en-IL" dirty="0"/>
-              <a:t>Sync=‘1’</a:t>
-            </a:r>
-          </a:p>
-        </p:txBody>
-      </p:sp>
-      <p:sp>
-        <p:nvSpPr>
-          <p:cNvPr id="11" name="Right Arrow 10">
-            <a:extLst>
-              <a:ext uri="{FF2B5EF4-FFF2-40B4-BE49-F238E27FC236}">
-                <a16:creationId xmlns:a16="http://schemas.microsoft.com/office/drawing/2014/main" id="{85E27390-7881-0741-DE12-9F51E6932724}"/>
-              </a:ext>
-            </a:extLst>
-          </p:cNvPr>
-          <p:cNvSpPr/>
-          <p:nvPr/>
-        </p:nvSpPr>
-        <p:spPr>
-          <a:xfrm rot="10800000">
-            <a:off x="3298365" y="4160475"/>
-            <a:ext cx="1469569" cy="620485"/>
-          </a:xfrm>
-          <a:prstGeom prst="rightArrow">
-            <a:avLst/>
-          </a:prstGeom>
-        </p:spPr>
-        <p:style>
-          <a:lnRef idx="2">
-            <a:schemeClr val="accent1">
-              <a:shade val="15000"/>
-            </a:schemeClr>
-          </a:lnRef>
-          <a:fillRef idx="1">
-            <a:schemeClr val="accent1"/>
-          </a:fillRef>
-          <a:effectRef idx="0">
-            <a:schemeClr val="accent1"/>
-          </a:effectRef>
-          <a:fontRef idx="minor">
-            <a:schemeClr val="lt1"/>
-          </a:fontRef>
-        </p:style>
-        <p:txBody>
-          <a:bodyPr rtlCol="0" anchor="ctr"/>
-          <a:lstStyle/>
-          <a:p>
-            <a:pPr algn="ctr"/>
-            <a:endParaRPr lang="en-IL"/>
-          </a:p>
-        </p:txBody>
-      </p:sp>
-      <p:sp>
-        <p:nvSpPr>
-          <p:cNvPr id="12" name="TextBox 11">
-            <a:extLst>
-              <a:ext uri="{FF2B5EF4-FFF2-40B4-BE49-F238E27FC236}">
-                <a16:creationId xmlns:a16="http://schemas.microsoft.com/office/drawing/2014/main" id="{37A6783C-C517-13C6-CFA7-3626EF06A7E0}"/>
-              </a:ext>
-            </a:extLst>
-          </p:cNvPr>
-          <p:cNvSpPr txBox="1"/>
-          <p:nvPr/>
-        </p:nvSpPr>
-        <p:spPr>
-          <a:xfrm>
-            <a:off x="3513329" y="1777781"/>
-            <a:ext cx="896399" cy="369332"/>
-          </a:xfrm>
-          <a:prstGeom prst="rect">
-            <a:avLst/>
-          </a:prstGeom>
-          <a:noFill/>
-        </p:spPr>
-        <p:txBody>
-          <a:bodyPr wrap="none" rtlCol="0">
-            <a:spAutoFit/>
-          </a:bodyPr>
-          <a:lstStyle/>
-          <a:p>
-            <a:r>
-              <a:rPr lang="en-IL" dirty="0"/>
-              <a:t>2 clock</a:t>
-            </a:r>
-          </a:p>
-        </p:txBody>
-      </p:sp>
-      <p:sp>
-        <p:nvSpPr>
-          <p:cNvPr id="13" name="Rectangle 12">
-            <a:extLst>
-              <a:ext uri="{FF2B5EF4-FFF2-40B4-BE49-F238E27FC236}">
-                <a16:creationId xmlns:a16="http://schemas.microsoft.com/office/drawing/2014/main" id="{8F5AE00D-AB22-D268-3D89-C109F98244AC}"/>
-              </a:ext>
-            </a:extLst>
-          </p:cNvPr>
-          <p:cNvSpPr/>
-          <p:nvPr/>
-        </p:nvSpPr>
-        <p:spPr>
-          <a:xfrm>
-            <a:off x="8787251" y="1690688"/>
-            <a:ext cx="2460169" cy="4259489"/>
-          </a:xfrm>
-          <a:prstGeom prst="rect">
-            <a:avLst/>
-          </a:prstGeom>
-        </p:spPr>
-        <p:style>
-          <a:lnRef idx="2">
-            <a:schemeClr val="accent1">
-              <a:shade val="15000"/>
-            </a:schemeClr>
-          </a:lnRef>
-          <a:fillRef idx="1">
-            <a:schemeClr val="accent1"/>
-          </a:fillRef>
-          <a:effectRef idx="0">
-            <a:schemeClr val="accent1"/>
-          </a:effectRef>
-          <a:fontRef idx="minor">
-            <a:schemeClr val="lt1"/>
-          </a:fontRef>
-        </p:style>
-        <p:txBody>
-          <a:bodyPr rtlCol="0" anchor="ctr"/>
-          <a:lstStyle/>
-          <a:p>
-            <a:pPr algn="ctr"/>
-            <a:r>
-              <a:rPr lang="en-IL" b="1" u="sng" dirty="0"/>
-              <a:t>IDLE</a:t>
-            </a:r>
-          </a:p>
-        </p:txBody>
-      </p:sp>
-      <p:sp>
-        <p:nvSpPr>
-          <p:cNvPr id="14" name="Right Arrow 13">
-            <a:extLst>
-              <a:ext uri="{FF2B5EF4-FFF2-40B4-BE49-F238E27FC236}">
-                <a16:creationId xmlns:a16="http://schemas.microsoft.com/office/drawing/2014/main" id="{020C8085-F819-2FAA-41C4-2BB269B2E78D}"/>
-              </a:ext>
-            </a:extLst>
-          </p:cNvPr>
-          <p:cNvSpPr/>
-          <p:nvPr/>
-        </p:nvSpPr>
-        <p:spPr>
-          <a:xfrm>
-            <a:off x="7228106" y="3429000"/>
-            <a:ext cx="1559144" cy="620485"/>
-          </a:xfrm>
-          <a:prstGeom prst="rightArrow">
-            <a:avLst/>
-          </a:prstGeom>
-        </p:spPr>
-        <p:style>
-          <a:lnRef idx="2">
-            <a:schemeClr val="accent1">
-              <a:shade val="15000"/>
-            </a:schemeClr>
-          </a:lnRef>
-          <a:fillRef idx="1">
-            <a:schemeClr val="accent1"/>
-          </a:fillRef>
-          <a:effectRef idx="0">
-            <a:schemeClr val="accent1"/>
-          </a:effectRef>
-          <a:fontRef idx="minor">
-            <a:schemeClr val="lt1"/>
-          </a:fontRef>
-        </p:style>
-        <p:txBody>
-          <a:bodyPr rtlCol="0" anchor="ctr"/>
-          <a:lstStyle/>
-          <a:p>
-            <a:pPr algn="ctr"/>
-            <a:endParaRPr lang="en-IL"/>
-          </a:p>
-        </p:txBody>
-      </p:sp>
-      <p:sp>
-        <p:nvSpPr>
-          <p:cNvPr id="15" name="TextBox 14">
-            <a:extLst>
-              <a:ext uri="{FF2B5EF4-FFF2-40B4-BE49-F238E27FC236}">
-                <a16:creationId xmlns:a16="http://schemas.microsoft.com/office/drawing/2014/main" id="{D08EF13E-D08F-7B08-1AA4-62D2F02C95CE}"/>
-              </a:ext>
-            </a:extLst>
-          </p:cNvPr>
-          <p:cNvSpPr txBox="1"/>
-          <p:nvPr/>
-        </p:nvSpPr>
-        <p:spPr>
-          <a:xfrm>
-            <a:off x="7228106" y="2816234"/>
-            <a:ext cx="1559145" cy="646331"/>
-          </a:xfrm>
-          <a:prstGeom prst="rect">
-            <a:avLst/>
-          </a:prstGeom>
-          <a:noFill/>
-        </p:spPr>
-        <p:txBody>
-          <a:bodyPr wrap="none" rtlCol="0">
-            <a:spAutoFit/>
-          </a:bodyPr>
-          <a:lstStyle/>
-          <a:p>
-            <a:r>
-              <a:rPr lang="en-IL" dirty="0"/>
-              <a:t>EndLine=‘1’</a:t>
-            </a:r>
-          </a:p>
-          <a:p>
-            <a:r>
-              <a:rPr lang="en-IL" dirty="0"/>
-              <a:t>EndFrame=‘1’</a:t>
-            </a:r>
-          </a:p>
-        </p:txBody>
-      </p:sp>
-    </p:spTree>
-    <p:extLst>
-      <p:ext uri="{BB962C8B-B14F-4D97-AF65-F5344CB8AC3E}">
-        <p14:creationId xmlns:p14="http://schemas.microsoft.com/office/powerpoint/2010/main" val="2417252751"/>
-      </p:ext>
-    </p:extLst>
-  </p:cSld>
-  <p:clrMapOvr>
-    <a:masterClrMapping/>
-  </p:clrMapOvr>
-</p:sld>
-</file>
-
-<file path=ppt/slides/slide8.xml><?xml version="1.0" encoding="utf-8"?>
-<p:sld xmlns:a="http://schemas.openxmlformats.org/drawingml/2006/main" xmlns:r="http://schemas.openxmlformats.org/officeDocument/2006/relationships" xmlns:p="http://schemas.openxmlformats.org/presentationml/2006/main">
-  <p:cSld>
-    <p:spTree>
-      <p:nvGrpSpPr>
-        <p:cNvPr id="1" name=""/>
-        <p:cNvGrpSpPr/>
-        <p:nvPr/>
-      </p:nvGrpSpPr>
-      <p:grpSpPr>
-        <a:xfrm>
-          <a:off x="0" y="0"/>
-          <a:ext cx="0" cy="0"/>
-          <a:chOff x="0" y="0"/>
-          <a:chExt cx="0" cy="0"/>
-        </a:xfrm>
-      </p:grpSpPr>
-      <p:sp>
-        <p:nvSpPr>
-          <p:cNvPr id="2" name="Title 1">
-            <a:extLst>
-              <a:ext uri="{FF2B5EF4-FFF2-40B4-BE49-F238E27FC236}">
-                <a16:creationId xmlns:a16="http://schemas.microsoft.com/office/drawing/2014/main" id="{94286F2A-F963-F778-AB0E-B193C3255FDF}"/>
-              </a:ext>
-            </a:extLst>
-          </p:cNvPr>
-          <p:cNvSpPr>
-            <a:spLocks noGrp="1"/>
-          </p:cNvSpPr>
-          <p:nvPr>
-            <p:ph type="title"/>
-          </p:nvPr>
-        </p:nvSpPr>
-        <p:spPr/>
-        <p:txBody>
-          <a:bodyPr/>
-          <a:lstStyle/>
-          <a:p>
-            <a:pPr algn="ctr"/>
-            <a:r>
-              <a:rPr lang="en-IL" dirty="0"/>
-              <a:t>Checkerboard 1x1’black’– [2:0]Mode = ‘100’</a:t>
-            </a:r>
-          </a:p>
-        </p:txBody>
-      </p:sp>
-      <p:sp>
-        <p:nvSpPr>
-          <p:cNvPr id="3" name="Rectangle 2">
-            <a:extLst>
-              <a:ext uri="{FF2B5EF4-FFF2-40B4-BE49-F238E27FC236}">
-                <a16:creationId xmlns:a16="http://schemas.microsoft.com/office/drawing/2014/main" id="{7CABD7A3-FE25-C0FC-C685-E0DF0E3EEB2A}"/>
-              </a:ext>
-            </a:extLst>
-          </p:cNvPr>
-          <p:cNvSpPr/>
-          <p:nvPr/>
-        </p:nvSpPr>
-        <p:spPr>
-          <a:xfrm>
-            <a:off x="642258" y="1690687"/>
-            <a:ext cx="2656112" cy="4252503"/>
-          </a:xfrm>
-          <a:prstGeom prst="rect">
-            <a:avLst/>
-          </a:prstGeom>
-        </p:spPr>
-        <p:style>
-          <a:lnRef idx="2">
-            <a:schemeClr val="accent1">
-              <a:shade val="15000"/>
-            </a:schemeClr>
-          </a:lnRef>
-          <a:fillRef idx="1">
-            <a:schemeClr val="accent1"/>
-          </a:fillRef>
-          <a:effectRef idx="0">
-            <a:schemeClr val="accent1"/>
-          </a:effectRef>
-          <a:fontRef idx="minor">
-            <a:schemeClr val="lt1"/>
-          </a:fontRef>
-        </p:style>
-        <p:txBody>
-          <a:bodyPr rtlCol="0" anchor="ctr"/>
-          <a:lstStyle/>
-          <a:p>
-            <a:pPr algn="ctr"/>
-            <a:r>
-              <a:rPr lang="en-IL" b="1" u="sng" dirty="0"/>
-              <a:t>READY</a:t>
-            </a:r>
-          </a:p>
-          <a:p>
-            <a:pPr algn="ctr"/>
-            <a:r>
-              <a:rPr lang="en-IL" b="1" u="sng" dirty="0"/>
-              <a:t> [2:0]Mode == ‘100’ :</a:t>
-            </a:r>
-          </a:p>
-          <a:p>
-            <a:pPr algn="ctr"/>
-            <a:r>
-              <a:rPr lang="en-IL" dirty="0"/>
-              <a:t>5b_enb =‘1’</a:t>
-            </a:r>
-          </a:p>
-          <a:p>
-            <a:pPr algn="ctr"/>
-            <a:r>
-              <a:rPr lang="en-IL" dirty="0"/>
-              <a:t>Test = ‘1’</a:t>
-            </a:r>
-          </a:p>
-          <a:p>
-            <a:pPr algn="ctr"/>
-            <a:r>
-              <a:rPr lang="en-IL" dirty="0"/>
-              <a:t>Binary_Or_Gray=’0’</a:t>
-            </a:r>
-          </a:p>
-          <a:p>
-            <a:pPr algn="ctr"/>
-            <a:r>
-              <a:rPr lang="en-IL" dirty="0"/>
-              <a:t>ramp_enb =’0’</a:t>
-            </a:r>
-          </a:p>
-          <a:p>
-            <a:pPr algn="ctr"/>
-            <a:r>
-              <a:rPr lang="en-IL" dirty="0"/>
-              <a:t>NewLine =‘1’(2d clk)</a:t>
-            </a:r>
-          </a:p>
-          <a:p>
-            <a:pPr algn="ctr"/>
-            <a:r>
-              <a:rPr lang="en-IL" dirty="0"/>
-              <a:t>Cnt_enb=‘1’(2d clk)</a:t>
-            </a:r>
-          </a:p>
-          <a:p>
-            <a:pPr algn="ctr"/>
-            <a:r>
-              <a:rPr lang="en-US" u="sng" dirty="0"/>
-              <a:t>Input: </a:t>
-            </a:r>
-            <a:r>
-              <a:rPr lang="en-US" dirty="0"/>
-              <a:t>F</a:t>
-            </a:r>
-            <a:r>
-              <a:rPr lang="en-IL" dirty="0"/>
-              <a:t>lag = ‘0’:</a:t>
-            </a:r>
-          </a:p>
-          <a:p>
-            <a:pPr algn="ctr"/>
-            <a:r>
-              <a:rPr lang="en-IL" u="sng" dirty="0"/>
-              <a:t>Output:</a:t>
-            </a:r>
-            <a:r>
-              <a:rPr lang="en-IL" dirty="0"/>
-              <a:t> [1:0]ValSel = ‘10’</a:t>
-            </a:r>
-          </a:p>
-          <a:p>
-            <a:pPr algn="ctr"/>
-            <a:r>
-              <a:rPr lang="en-US" u="sng" dirty="0"/>
-              <a:t>Input: </a:t>
-            </a:r>
-            <a:r>
-              <a:rPr lang="en-US" dirty="0"/>
-              <a:t>F</a:t>
-            </a:r>
-            <a:r>
-              <a:rPr lang="en-IL" dirty="0"/>
-              <a:t>lag = ‘1’:</a:t>
-            </a:r>
-          </a:p>
-          <a:p>
-            <a:pPr algn="ctr"/>
-            <a:r>
-              <a:rPr lang="en-IL" u="sng" dirty="0"/>
-              <a:t>Output:</a:t>
-            </a:r>
-            <a:r>
-              <a:rPr lang="en-IL" dirty="0"/>
-              <a:t> [1:0]ValSel = ‘00’</a:t>
-            </a:r>
-          </a:p>
-        </p:txBody>
-      </p:sp>
-      <p:sp>
-        <p:nvSpPr>
-          <p:cNvPr id="5" name="Rectangle 4">
-            <a:extLst>
-              <a:ext uri="{FF2B5EF4-FFF2-40B4-BE49-F238E27FC236}">
-                <a16:creationId xmlns:a16="http://schemas.microsoft.com/office/drawing/2014/main" id="{B3678CFE-B37B-6B84-02C0-C674143B3E17}"/>
-              </a:ext>
-            </a:extLst>
-          </p:cNvPr>
-          <p:cNvSpPr/>
-          <p:nvPr/>
-        </p:nvSpPr>
-        <p:spPr>
-          <a:xfrm>
-            <a:off x="4767937" y="1690688"/>
-            <a:ext cx="2460169" cy="4259489"/>
-          </a:xfrm>
-          <a:prstGeom prst="rect">
-            <a:avLst/>
-          </a:prstGeom>
-        </p:spPr>
-        <p:style>
-          <a:lnRef idx="2">
-            <a:schemeClr val="accent1">
-              <a:shade val="15000"/>
-            </a:schemeClr>
-          </a:lnRef>
-          <a:fillRef idx="1">
-            <a:schemeClr val="accent1"/>
-          </a:fillRef>
-          <a:effectRef idx="0">
-            <a:schemeClr val="accent1"/>
-          </a:effectRef>
-          <a:fontRef idx="minor">
-            <a:schemeClr val="lt1"/>
-          </a:fontRef>
-        </p:style>
-        <p:txBody>
-          <a:bodyPr rtlCol="0" anchor="ctr"/>
-          <a:lstStyle/>
-          <a:p>
-            <a:pPr algn="ctr"/>
-            <a:r>
-              <a:rPr lang="en-IL" b="1" u="sng" dirty="0"/>
-              <a:t>CB 1x1:</a:t>
-            </a:r>
-          </a:p>
-          <a:p>
-            <a:pPr algn="ctr"/>
-            <a:r>
-              <a:rPr lang="en-US" u="sng" dirty="0"/>
-              <a:t>I</a:t>
-            </a:r>
-            <a:r>
-              <a:rPr lang="en-IL" u="sng" dirty="0"/>
-              <a:t>nput:</a:t>
-            </a:r>
-          </a:p>
-          <a:p>
-            <a:pPr algn="ctr"/>
-            <a:r>
-              <a:rPr lang="en-IL" dirty="0"/>
-              <a:t>EndLine=’0’:</a:t>
-            </a:r>
-          </a:p>
-          <a:p>
-            <a:pPr algn="ctr"/>
-            <a:r>
-              <a:rPr lang="en-US" u="sng" dirty="0"/>
-              <a:t>O</a:t>
-            </a:r>
-            <a:r>
-              <a:rPr lang="en-IL" u="sng" dirty="0"/>
-              <a:t>utput:</a:t>
-            </a:r>
-          </a:p>
-          <a:p>
-            <a:pPr algn="ctr"/>
-            <a:r>
-              <a:rPr lang="en-IL" dirty="0"/>
-              <a:t>Xmode= ‘00’</a:t>
-            </a:r>
-          </a:p>
-          <a:p>
-            <a:pPr algn="ctr"/>
-            <a:r>
-              <a:rPr lang="en-IL" dirty="0"/>
-              <a:t>Cnt_enb=‘1’</a:t>
-            </a:r>
-          </a:p>
-          <a:p>
-            <a:pPr algn="ctr"/>
-            <a:r>
-              <a:rPr lang="en-IL" dirty="0"/>
-              <a:t>12b_enb = ‘1’</a:t>
-            </a:r>
-          </a:p>
-          <a:p>
-            <a:pPr algn="ctr"/>
-            <a:r>
-              <a:rPr lang="en-IL" dirty="0"/>
-              <a:t>ValSel[1]=~ValSel[1]</a:t>
-            </a:r>
-          </a:p>
-          <a:p>
-            <a:pPr algn="ctr"/>
-            <a:r>
-              <a:rPr lang="en-IL" dirty="0"/>
-              <a:t>Flag = ~Flag(1clk)</a:t>
-            </a:r>
-          </a:p>
-          <a:p>
-            <a:pPr algn="ctr"/>
-            <a:r>
-              <a:rPr lang="en-US" u="sng" dirty="0"/>
-              <a:t>I</a:t>
-            </a:r>
-            <a:r>
-              <a:rPr lang="en-IL" u="sng" dirty="0"/>
-              <a:t>nput:</a:t>
-            </a:r>
-          </a:p>
-          <a:p>
-            <a:pPr algn="ctr"/>
-            <a:r>
-              <a:rPr lang="en-IL" dirty="0"/>
-              <a:t>EndLine=’1’:</a:t>
-            </a:r>
-          </a:p>
-          <a:p>
-            <a:pPr algn="ctr"/>
-            <a:r>
-              <a:rPr lang="en-US" u="sng" dirty="0"/>
-              <a:t>O</a:t>
-            </a:r>
-            <a:r>
-              <a:rPr lang="en-IL" u="sng" dirty="0"/>
-              <a:t>utput:</a:t>
-            </a:r>
-          </a:p>
-          <a:p>
-            <a:pPr algn="ctr"/>
-            <a:r>
-              <a:rPr lang="en-IL" dirty="0"/>
-              <a:t>Cnt_enb=‘0’</a:t>
-            </a:r>
-          </a:p>
-          <a:p>
-            <a:pPr algn="ctr"/>
-            <a:r>
-              <a:rPr lang="en-IL" dirty="0"/>
-              <a:t>12b_enb = ‘0’</a:t>
-            </a:r>
-          </a:p>
-          <a:p>
-            <a:pPr algn="ctr"/>
-            <a:endParaRPr lang="en-IL" dirty="0"/>
-          </a:p>
-        </p:txBody>
-      </p:sp>
-      <p:sp>
-        <p:nvSpPr>
-          <p:cNvPr id="6" name="Right Arrow 5">
-            <a:extLst>
-              <a:ext uri="{FF2B5EF4-FFF2-40B4-BE49-F238E27FC236}">
-                <a16:creationId xmlns:a16="http://schemas.microsoft.com/office/drawing/2014/main" id="{184311DD-2C26-68C2-72B3-018E26B957BA}"/>
-              </a:ext>
-            </a:extLst>
-          </p:cNvPr>
-          <p:cNvSpPr/>
-          <p:nvPr/>
-        </p:nvSpPr>
-        <p:spPr>
-          <a:xfrm>
-            <a:off x="3298370" y="2068422"/>
-            <a:ext cx="1469568" cy="620485"/>
-          </a:xfrm>
-          <a:prstGeom prst="rightArrow">
-            <a:avLst/>
-          </a:prstGeom>
-        </p:spPr>
-        <p:style>
-          <a:lnRef idx="2">
-            <a:schemeClr val="accent1">
-              <a:shade val="15000"/>
-            </a:schemeClr>
-          </a:lnRef>
-          <a:fillRef idx="1">
-            <a:schemeClr val="accent1"/>
-          </a:fillRef>
-          <a:effectRef idx="0">
-            <a:schemeClr val="accent1"/>
-          </a:effectRef>
-          <a:fontRef idx="minor">
-            <a:schemeClr val="lt1"/>
-          </a:fontRef>
-        </p:style>
-        <p:txBody>
-          <a:bodyPr rtlCol="0" anchor="ctr"/>
-          <a:lstStyle/>
-          <a:p>
-            <a:pPr algn="ctr"/>
-            <a:endParaRPr lang="en-IL"/>
-          </a:p>
-        </p:txBody>
-      </p:sp>
-      <p:sp>
-        <p:nvSpPr>
-          <p:cNvPr id="7" name="TextBox 6">
-            <a:extLst>
-              <a:ext uri="{FF2B5EF4-FFF2-40B4-BE49-F238E27FC236}">
-                <a16:creationId xmlns:a16="http://schemas.microsoft.com/office/drawing/2014/main" id="{762319F4-5DCA-A692-B517-63A9666EECC9}"/>
-              </a:ext>
-            </a:extLst>
-          </p:cNvPr>
-          <p:cNvSpPr txBox="1"/>
-          <p:nvPr/>
-        </p:nvSpPr>
-        <p:spPr>
-          <a:xfrm>
-            <a:off x="3513329" y="4780961"/>
-            <a:ext cx="1039644" cy="369332"/>
-          </a:xfrm>
-          <a:prstGeom prst="rect">
-            <a:avLst/>
-          </a:prstGeom>
-          <a:noFill/>
-        </p:spPr>
-        <p:txBody>
-          <a:bodyPr wrap="none" rtlCol="0">
-            <a:spAutoFit/>
-          </a:bodyPr>
-          <a:lstStyle/>
-          <a:p>
-            <a:r>
-              <a:rPr lang="en-IL" dirty="0"/>
-              <a:t>Sync=‘1’</a:t>
-            </a:r>
-          </a:p>
-        </p:txBody>
-      </p:sp>
-      <p:sp>
-        <p:nvSpPr>
-          <p:cNvPr id="11" name="Right Arrow 10">
-            <a:extLst>
-              <a:ext uri="{FF2B5EF4-FFF2-40B4-BE49-F238E27FC236}">
-                <a16:creationId xmlns:a16="http://schemas.microsoft.com/office/drawing/2014/main" id="{85E27390-7881-0741-DE12-9F51E6932724}"/>
-              </a:ext>
-            </a:extLst>
-          </p:cNvPr>
-          <p:cNvSpPr/>
-          <p:nvPr/>
-        </p:nvSpPr>
-        <p:spPr>
-          <a:xfrm rot="10800000">
-            <a:off x="3298365" y="4160475"/>
-            <a:ext cx="1469569" cy="620485"/>
-          </a:xfrm>
-          <a:prstGeom prst="rightArrow">
-            <a:avLst/>
-          </a:prstGeom>
-        </p:spPr>
-        <p:style>
-          <a:lnRef idx="2">
-            <a:schemeClr val="accent1">
-              <a:shade val="15000"/>
-            </a:schemeClr>
-          </a:lnRef>
-          <a:fillRef idx="1">
-            <a:schemeClr val="accent1"/>
-          </a:fillRef>
-          <a:effectRef idx="0">
-            <a:schemeClr val="accent1"/>
-          </a:effectRef>
-          <a:fontRef idx="minor">
-            <a:schemeClr val="lt1"/>
-          </a:fontRef>
-        </p:style>
-        <p:txBody>
-          <a:bodyPr rtlCol="0" anchor="ctr"/>
-          <a:lstStyle/>
-          <a:p>
-            <a:pPr algn="ctr"/>
-            <a:endParaRPr lang="en-IL"/>
-          </a:p>
-        </p:txBody>
-      </p:sp>
-      <p:sp>
-        <p:nvSpPr>
-          <p:cNvPr id="12" name="TextBox 11">
-            <a:extLst>
-              <a:ext uri="{FF2B5EF4-FFF2-40B4-BE49-F238E27FC236}">
-                <a16:creationId xmlns:a16="http://schemas.microsoft.com/office/drawing/2014/main" id="{37A6783C-C517-13C6-CFA7-3626EF06A7E0}"/>
-              </a:ext>
-            </a:extLst>
-          </p:cNvPr>
-          <p:cNvSpPr txBox="1"/>
-          <p:nvPr/>
-        </p:nvSpPr>
-        <p:spPr>
-          <a:xfrm>
-            <a:off x="3513329" y="1777781"/>
-            <a:ext cx="896399" cy="369332"/>
-          </a:xfrm>
-          <a:prstGeom prst="rect">
-            <a:avLst/>
-          </a:prstGeom>
-          <a:noFill/>
-        </p:spPr>
-        <p:txBody>
-          <a:bodyPr wrap="none" rtlCol="0">
-            <a:spAutoFit/>
-          </a:bodyPr>
-          <a:lstStyle/>
-          <a:p>
-            <a:r>
-              <a:rPr lang="en-IL" dirty="0"/>
-              <a:t>2 clock</a:t>
-            </a:r>
-          </a:p>
-        </p:txBody>
-      </p:sp>
-      <p:sp>
-        <p:nvSpPr>
-          <p:cNvPr id="13" name="Rectangle 12">
-            <a:extLst>
-              <a:ext uri="{FF2B5EF4-FFF2-40B4-BE49-F238E27FC236}">
-                <a16:creationId xmlns:a16="http://schemas.microsoft.com/office/drawing/2014/main" id="{8F5AE00D-AB22-D268-3D89-C109F98244AC}"/>
-              </a:ext>
-            </a:extLst>
-          </p:cNvPr>
-          <p:cNvSpPr/>
-          <p:nvPr/>
-        </p:nvSpPr>
-        <p:spPr>
-          <a:xfrm>
-            <a:off x="8787251" y="1690688"/>
-            <a:ext cx="2460169" cy="4259489"/>
-          </a:xfrm>
-          <a:prstGeom prst="rect">
-            <a:avLst/>
-          </a:prstGeom>
-        </p:spPr>
-        <p:style>
-          <a:lnRef idx="2">
-            <a:schemeClr val="accent1">
-              <a:shade val="15000"/>
-            </a:schemeClr>
-          </a:lnRef>
-          <a:fillRef idx="1">
-            <a:schemeClr val="accent1"/>
-          </a:fillRef>
-          <a:effectRef idx="0">
-            <a:schemeClr val="accent1"/>
-          </a:effectRef>
-          <a:fontRef idx="minor">
-            <a:schemeClr val="lt1"/>
-          </a:fontRef>
-        </p:style>
-        <p:txBody>
-          <a:bodyPr rtlCol="0" anchor="ctr"/>
-          <a:lstStyle/>
-          <a:p>
-            <a:pPr algn="ctr"/>
-            <a:r>
-              <a:rPr lang="en-IL" b="1" u="sng" dirty="0"/>
-              <a:t>IDLE</a:t>
-            </a:r>
-          </a:p>
-        </p:txBody>
-      </p:sp>
-      <p:sp>
-        <p:nvSpPr>
-          <p:cNvPr id="14" name="Right Arrow 13">
-            <a:extLst>
-              <a:ext uri="{FF2B5EF4-FFF2-40B4-BE49-F238E27FC236}">
-                <a16:creationId xmlns:a16="http://schemas.microsoft.com/office/drawing/2014/main" id="{020C8085-F819-2FAA-41C4-2BB269B2E78D}"/>
-              </a:ext>
-            </a:extLst>
-          </p:cNvPr>
-          <p:cNvSpPr/>
-          <p:nvPr/>
-        </p:nvSpPr>
-        <p:spPr>
-          <a:xfrm>
-            <a:off x="7228106" y="3429000"/>
-            <a:ext cx="1559144" cy="620485"/>
-          </a:xfrm>
-          <a:prstGeom prst="rightArrow">
-            <a:avLst/>
-          </a:prstGeom>
-        </p:spPr>
-        <p:style>
-          <a:lnRef idx="2">
-            <a:schemeClr val="accent1">
-              <a:shade val="15000"/>
-            </a:schemeClr>
-          </a:lnRef>
-          <a:fillRef idx="1">
-            <a:schemeClr val="accent1"/>
-          </a:fillRef>
-          <a:effectRef idx="0">
-            <a:schemeClr val="accent1"/>
-          </a:effectRef>
-          <a:fontRef idx="minor">
-            <a:schemeClr val="lt1"/>
-          </a:fontRef>
-        </p:style>
-        <p:txBody>
-          <a:bodyPr rtlCol="0" anchor="ctr"/>
-          <a:lstStyle/>
-          <a:p>
-            <a:pPr algn="ctr"/>
-            <a:endParaRPr lang="en-IL"/>
-          </a:p>
-        </p:txBody>
-      </p:sp>
-      <p:sp>
-        <p:nvSpPr>
-          <p:cNvPr id="15" name="TextBox 14">
-            <a:extLst>
-              <a:ext uri="{FF2B5EF4-FFF2-40B4-BE49-F238E27FC236}">
-                <a16:creationId xmlns:a16="http://schemas.microsoft.com/office/drawing/2014/main" id="{D08EF13E-D08F-7B08-1AA4-62D2F02C95CE}"/>
-              </a:ext>
-            </a:extLst>
-          </p:cNvPr>
-          <p:cNvSpPr txBox="1"/>
-          <p:nvPr/>
-        </p:nvSpPr>
-        <p:spPr>
-          <a:xfrm>
-            <a:off x="7228106" y="2816234"/>
-            <a:ext cx="1559145" cy="646331"/>
-          </a:xfrm>
-          <a:prstGeom prst="rect">
-            <a:avLst/>
-          </a:prstGeom>
-          <a:noFill/>
-        </p:spPr>
-        <p:txBody>
-          <a:bodyPr wrap="none" rtlCol="0">
-            <a:spAutoFit/>
-          </a:bodyPr>
-          <a:lstStyle/>
-          <a:p>
-            <a:r>
-              <a:rPr lang="en-IL" dirty="0"/>
-              <a:t>EndLine=‘1’</a:t>
-            </a:r>
-          </a:p>
-          <a:p>
-            <a:r>
-              <a:rPr lang="en-IL" dirty="0"/>
-              <a:t>EndFrame=‘1’</a:t>
-            </a:r>
-          </a:p>
-        </p:txBody>
-      </p:sp>
-    </p:spTree>
-    <p:extLst>
-      <p:ext uri="{BB962C8B-B14F-4D97-AF65-F5344CB8AC3E}">
-        <p14:creationId xmlns:p14="http://schemas.microsoft.com/office/powerpoint/2010/main" val="2837591648"/>
-      </p:ext>
-    </p:extLst>
-  </p:cSld>
-  <p:clrMapOvr>
-    <a:masterClrMapping/>
-  </p:clrMapOvr>
-</p:sld>
-</file>
-
-<file path=ppt/slides/slide9.xml><?xml version="1.0" encoding="utf-8"?>
-<p:sld xmlns:a="http://schemas.openxmlformats.org/drawingml/2006/main" xmlns:r="http://schemas.openxmlformats.org/officeDocument/2006/relationships" xmlns:p="http://schemas.openxmlformats.org/presentationml/2006/main">
-  <p:cSld>
-    <p:spTree>
-      <p:nvGrpSpPr>
-        <p:cNvPr id="1" name=""/>
-        <p:cNvGrpSpPr/>
-        <p:nvPr/>
-      </p:nvGrpSpPr>
-      <p:grpSpPr>
-        <a:xfrm>
-          <a:off x="0" y="0"/>
-          <a:ext cx="0" cy="0"/>
-          <a:chOff x="0" y="0"/>
-          <a:chExt cx="0" cy="0"/>
-        </a:xfrm>
-      </p:grpSpPr>
-      <p:sp>
-        <p:nvSpPr>
-          <p:cNvPr id="2" name="Title 1">
-            <a:extLst>
-              <a:ext uri="{FF2B5EF4-FFF2-40B4-BE49-F238E27FC236}">
-                <a16:creationId xmlns:a16="http://schemas.microsoft.com/office/drawing/2014/main" id="{94286F2A-F963-F778-AB0E-B193C3255FDF}"/>
-              </a:ext>
-            </a:extLst>
-          </p:cNvPr>
-          <p:cNvSpPr>
-            <a:spLocks noGrp="1"/>
-          </p:cNvSpPr>
-          <p:nvPr>
-            <p:ph type="title"/>
-          </p:nvPr>
-        </p:nvSpPr>
-        <p:spPr/>
-        <p:txBody>
-          <a:bodyPr/>
-          <a:lstStyle/>
-          <a:p>
-            <a:pPr algn="ctr"/>
-            <a:r>
-              <a:rPr lang="en-IL" dirty="0"/>
-              <a:t>Checkerboard 2x2 ’white’– [2:0]Mode = ‘101’</a:t>
-            </a:r>
-          </a:p>
-        </p:txBody>
-      </p:sp>
-      <p:sp>
-        <p:nvSpPr>
-          <p:cNvPr id="3" name="Rectangle 2">
-            <a:extLst>
-              <a:ext uri="{FF2B5EF4-FFF2-40B4-BE49-F238E27FC236}">
-                <a16:creationId xmlns:a16="http://schemas.microsoft.com/office/drawing/2014/main" id="{7CABD7A3-FE25-C0FC-C685-E0DF0E3EEB2A}"/>
-              </a:ext>
-            </a:extLst>
-          </p:cNvPr>
-          <p:cNvSpPr/>
-          <p:nvPr/>
-        </p:nvSpPr>
-        <p:spPr>
-          <a:xfrm>
-            <a:off x="642258" y="1690687"/>
-            <a:ext cx="2656112" cy="4252503"/>
-          </a:xfrm>
-          <a:prstGeom prst="rect">
-            <a:avLst/>
-          </a:prstGeom>
-        </p:spPr>
-        <p:style>
-          <a:lnRef idx="2">
-            <a:schemeClr val="accent1">
-              <a:shade val="15000"/>
-            </a:schemeClr>
-          </a:lnRef>
-          <a:fillRef idx="1">
-            <a:schemeClr val="accent1"/>
-          </a:fillRef>
-          <a:effectRef idx="0">
-            <a:schemeClr val="accent1"/>
-          </a:effectRef>
-          <a:fontRef idx="minor">
-            <a:schemeClr val="lt1"/>
-          </a:fontRef>
-        </p:style>
-        <p:txBody>
-          <a:bodyPr rtlCol="0" anchor="ctr"/>
-          <a:lstStyle/>
-          <a:p>
-            <a:pPr algn="ctr"/>
-            <a:r>
-              <a:rPr lang="en-IL" b="1" u="sng" dirty="0"/>
-              <a:t>READY</a:t>
-            </a:r>
-          </a:p>
-          <a:p>
-            <a:pPr algn="ctr"/>
-            <a:r>
-              <a:rPr lang="en-IL" b="1" u="sng" dirty="0"/>
-              <a:t> [2:0]Mode == ‘101’ :</a:t>
-            </a:r>
-          </a:p>
-          <a:p>
-            <a:pPr algn="ctr"/>
-            <a:r>
-              <a:rPr lang="en-IL" dirty="0"/>
-              <a:t>5b_enb =‘1’</a:t>
-            </a:r>
-          </a:p>
-          <a:p>
-            <a:pPr algn="ctr"/>
-            <a:r>
-              <a:rPr lang="en-IL" dirty="0"/>
-              <a:t>Test = ‘1’</a:t>
-            </a:r>
-          </a:p>
-          <a:p>
-            <a:pPr algn="ctr"/>
-            <a:r>
-              <a:rPr lang="en-IL" dirty="0"/>
-              <a:t>Binary_Or_Gray=’0’</a:t>
-            </a:r>
-          </a:p>
-          <a:p>
-            <a:pPr algn="ctr"/>
-            <a:r>
-              <a:rPr lang="en-IL" dirty="0"/>
-              <a:t>ramp_enb =’0’</a:t>
-            </a:r>
-          </a:p>
-          <a:p>
-            <a:pPr algn="ctr"/>
-            <a:r>
-              <a:rPr lang="en-IL" dirty="0"/>
-              <a:t>NewLine =‘1’(2d clk)</a:t>
-            </a:r>
-          </a:p>
-          <a:p>
-            <a:pPr algn="ctr"/>
-            <a:r>
-              <a:rPr lang="en-IL" dirty="0"/>
-              <a:t>Cnt_enb=‘1’(2d clk)</a:t>
-            </a:r>
-          </a:p>
-          <a:p>
-            <a:pPr algn="ctr"/>
-            <a:r>
-              <a:rPr lang="en-US" u="sng" dirty="0"/>
-              <a:t>Input: </a:t>
-            </a:r>
-            <a:r>
-              <a:rPr lang="en-US" dirty="0"/>
-              <a:t>F</a:t>
-            </a:r>
-            <a:r>
-              <a:rPr lang="en-IL" dirty="0"/>
-              <a:t>lag = ‘00’ or ‘01’:</a:t>
-            </a:r>
-          </a:p>
-          <a:p>
-            <a:pPr algn="ctr"/>
-            <a:r>
-              <a:rPr lang="en-IL" u="sng" dirty="0"/>
-              <a:t>Output:</a:t>
-            </a:r>
-            <a:r>
-              <a:rPr lang="en-IL" dirty="0"/>
-              <a:t> [1:0]ValSel = ‘00’</a:t>
-            </a:r>
-          </a:p>
-          <a:p>
-            <a:pPr algn="ctr"/>
-            <a:r>
-              <a:rPr lang="en-US" u="sng" dirty="0"/>
-              <a:t>Input: </a:t>
-            </a:r>
-            <a:r>
-              <a:rPr lang="en-US" dirty="0"/>
-              <a:t>F</a:t>
-            </a:r>
-            <a:r>
-              <a:rPr lang="en-IL" dirty="0"/>
-              <a:t>lag = ’10’ or ‘11’:</a:t>
-            </a:r>
-          </a:p>
-          <a:p>
-            <a:pPr algn="ctr"/>
-            <a:r>
-              <a:rPr lang="en-IL" u="sng" dirty="0"/>
-              <a:t>Output:</a:t>
-            </a:r>
-            <a:r>
-              <a:rPr lang="en-IL" dirty="0"/>
-              <a:t> [1:0]ValSel = ‘10’</a:t>
-            </a:r>
-          </a:p>
-        </p:txBody>
-      </p:sp>
-      <p:sp>
-        <p:nvSpPr>
-          <p:cNvPr id="5" name="Rectangle 4">
-            <a:extLst>
-              <a:ext uri="{FF2B5EF4-FFF2-40B4-BE49-F238E27FC236}">
-                <a16:creationId xmlns:a16="http://schemas.microsoft.com/office/drawing/2014/main" id="{B3678CFE-B37B-6B84-02C0-C674143B3E17}"/>
-              </a:ext>
-            </a:extLst>
-          </p:cNvPr>
-          <p:cNvSpPr/>
-          <p:nvPr/>
-        </p:nvSpPr>
-        <p:spPr>
-          <a:xfrm>
-            <a:off x="4767937" y="1690688"/>
-            <a:ext cx="2656103" cy="4259489"/>
-          </a:xfrm>
-          <a:prstGeom prst="rect">
-            <a:avLst/>
-          </a:prstGeom>
-        </p:spPr>
-        <p:style>
-          <a:lnRef idx="2">
-            <a:schemeClr val="accent1">
-              <a:shade val="15000"/>
-            </a:schemeClr>
-          </a:lnRef>
-          <a:fillRef idx="1">
-            <a:schemeClr val="accent1"/>
-          </a:fillRef>
-          <a:effectRef idx="0">
-            <a:schemeClr val="accent1"/>
-          </a:effectRef>
-          <a:fontRef idx="minor">
-            <a:schemeClr val="lt1"/>
-          </a:fontRef>
-        </p:style>
-        <p:txBody>
-          <a:bodyPr rtlCol="0" anchor="ctr"/>
-          <a:lstStyle/>
-          <a:p>
-            <a:pPr algn="ctr"/>
-            <a:r>
-              <a:rPr lang="en-IL" b="1" u="sng" dirty="0"/>
-              <a:t>CB 2x2:</a:t>
-            </a:r>
-          </a:p>
-          <a:p>
-            <a:pPr algn="ctr"/>
-            <a:r>
-              <a:rPr lang="en-US" u="sng" dirty="0"/>
-              <a:t>I</a:t>
-            </a:r>
-            <a:r>
-              <a:rPr lang="en-IL" u="sng" dirty="0"/>
-              <a:t>nput:</a:t>
-            </a:r>
-          </a:p>
-          <a:p>
-            <a:pPr algn="ctr"/>
-            <a:r>
-              <a:rPr lang="en-IL" dirty="0"/>
-              <a:t>EndLine=’0’:</a:t>
-            </a:r>
-          </a:p>
-          <a:p>
-            <a:pPr algn="ctr"/>
-            <a:r>
-              <a:rPr lang="en-US" u="sng" dirty="0"/>
-              <a:t>O</a:t>
-            </a:r>
-            <a:r>
-              <a:rPr lang="en-IL" u="sng" dirty="0"/>
-              <a:t>utput:</a:t>
-            </a:r>
-          </a:p>
-          <a:p>
-            <a:pPr algn="ctr"/>
-            <a:r>
-              <a:rPr lang="en-IL" dirty="0"/>
-              <a:t>Xmode= ’00’</a:t>
-            </a:r>
-          </a:p>
-          <a:p>
-            <a:pPr algn="ctr"/>
-            <a:r>
-              <a:rPr lang="en-IL" dirty="0"/>
-              <a:t>Cnt_enb=‘1’</a:t>
-            </a:r>
-          </a:p>
-          <a:p>
-            <a:pPr algn="ctr"/>
-            <a:r>
-              <a:rPr lang="en-IL" dirty="0"/>
-              <a:t>12b_enb = ‘1’</a:t>
-            </a:r>
-          </a:p>
-          <a:p>
-            <a:pPr algn="ctr"/>
-            <a:r>
-              <a:rPr lang="en-IL" dirty="0"/>
-              <a:t>Flag = Flag+1(1clk)</a:t>
-            </a:r>
-          </a:p>
-          <a:p>
-            <a:pPr algn="ctr"/>
-            <a:r>
-              <a:rPr lang="en-US" dirty="0"/>
-              <a:t>E</a:t>
-            </a:r>
-            <a:r>
-              <a:rPr lang="en-IL" dirty="0"/>
-              <a:t>very 2 clks:</a:t>
-            </a:r>
-          </a:p>
-          <a:p>
-            <a:pPr algn="ctr"/>
-            <a:r>
-              <a:rPr lang="en-IL" dirty="0"/>
-              <a:t>ValSel[1]=~ValSel[1] </a:t>
-            </a:r>
-          </a:p>
-          <a:p>
-            <a:pPr algn="ctr"/>
-            <a:r>
-              <a:rPr lang="en-US" u="sng" dirty="0"/>
-              <a:t>I</a:t>
-            </a:r>
-            <a:r>
-              <a:rPr lang="en-IL" u="sng" dirty="0"/>
-              <a:t>nput:</a:t>
-            </a:r>
-          </a:p>
-          <a:p>
-            <a:pPr algn="ctr"/>
-            <a:r>
-              <a:rPr lang="en-IL" dirty="0"/>
-              <a:t>EndLine=’1’:</a:t>
-            </a:r>
-          </a:p>
-          <a:p>
-            <a:pPr algn="ctr"/>
-            <a:r>
-              <a:rPr lang="en-US" u="sng" dirty="0"/>
-              <a:t>O</a:t>
-            </a:r>
-            <a:r>
-              <a:rPr lang="en-IL" u="sng" dirty="0"/>
-              <a:t>utput:</a:t>
-            </a:r>
-          </a:p>
-          <a:p>
-            <a:pPr algn="ctr"/>
-            <a:r>
-              <a:rPr lang="en-IL" dirty="0"/>
-              <a:t>Cnt_enb=‘0’</a:t>
-            </a:r>
-          </a:p>
-          <a:p>
-            <a:pPr algn="ctr"/>
-            <a:r>
-              <a:rPr lang="en-IL" dirty="0"/>
-              <a:t>12b_enb = ‘0’</a:t>
-            </a:r>
-          </a:p>
-        </p:txBody>
-      </p:sp>
-      <p:sp>
-        <p:nvSpPr>
-          <p:cNvPr id="6" name="Right Arrow 5">
-            <a:extLst>
-              <a:ext uri="{FF2B5EF4-FFF2-40B4-BE49-F238E27FC236}">
-                <a16:creationId xmlns:a16="http://schemas.microsoft.com/office/drawing/2014/main" id="{184311DD-2C26-68C2-72B3-018E26B957BA}"/>
-              </a:ext>
-            </a:extLst>
-          </p:cNvPr>
-          <p:cNvSpPr/>
-          <p:nvPr/>
-        </p:nvSpPr>
-        <p:spPr>
-          <a:xfrm>
-            <a:off x="3298370" y="2068422"/>
-            <a:ext cx="1469568" cy="620485"/>
-          </a:xfrm>
-          <a:prstGeom prst="rightArrow">
-            <a:avLst/>
-          </a:prstGeom>
-        </p:spPr>
-        <p:style>
-          <a:lnRef idx="2">
-            <a:schemeClr val="accent1">
-              <a:shade val="15000"/>
-            </a:schemeClr>
-          </a:lnRef>
-          <a:fillRef idx="1">
-            <a:schemeClr val="accent1"/>
-          </a:fillRef>
-          <a:effectRef idx="0">
-            <a:schemeClr val="accent1"/>
-          </a:effectRef>
-          <a:fontRef idx="minor">
-            <a:schemeClr val="lt1"/>
-          </a:fontRef>
-        </p:style>
-        <p:txBody>
-          <a:bodyPr rtlCol="0" anchor="ctr"/>
-          <a:lstStyle/>
-          <a:p>
-            <a:pPr algn="ctr"/>
-            <a:endParaRPr lang="en-IL"/>
-          </a:p>
-        </p:txBody>
-      </p:sp>
-      <p:sp>
-        <p:nvSpPr>
-          <p:cNvPr id="7" name="TextBox 6">
-            <a:extLst>
-              <a:ext uri="{FF2B5EF4-FFF2-40B4-BE49-F238E27FC236}">
-                <a16:creationId xmlns:a16="http://schemas.microsoft.com/office/drawing/2014/main" id="{762319F4-5DCA-A692-B517-63A9666EECC9}"/>
-              </a:ext>
-            </a:extLst>
-          </p:cNvPr>
-          <p:cNvSpPr txBox="1"/>
-          <p:nvPr/>
-        </p:nvSpPr>
-        <p:spPr>
-          <a:xfrm>
-            <a:off x="3513329" y="4780961"/>
-            <a:ext cx="1039644" cy="369332"/>
-          </a:xfrm>
-          <a:prstGeom prst="rect">
-            <a:avLst/>
-          </a:prstGeom>
-          <a:noFill/>
-        </p:spPr>
-        <p:txBody>
-          <a:bodyPr wrap="none" rtlCol="0">
-            <a:spAutoFit/>
-          </a:bodyPr>
-          <a:lstStyle/>
-          <a:p>
-            <a:r>
-              <a:rPr lang="en-IL" dirty="0"/>
-              <a:t>Sync=‘1’</a:t>
-            </a:r>
-          </a:p>
-        </p:txBody>
-      </p:sp>
-      <p:sp>
-        <p:nvSpPr>
-          <p:cNvPr id="11" name="Right Arrow 10">
-            <a:extLst>
-              <a:ext uri="{FF2B5EF4-FFF2-40B4-BE49-F238E27FC236}">
-                <a16:creationId xmlns:a16="http://schemas.microsoft.com/office/drawing/2014/main" id="{85E27390-7881-0741-DE12-9F51E6932724}"/>
-              </a:ext>
-            </a:extLst>
-          </p:cNvPr>
-          <p:cNvSpPr/>
-          <p:nvPr/>
-        </p:nvSpPr>
-        <p:spPr>
-          <a:xfrm rot="10800000">
-            <a:off x="3298365" y="4160475"/>
-            <a:ext cx="1469569" cy="620485"/>
-          </a:xfrm>
-          <a:prstGeom prst="rightArrow">
-            <a:avLst/>
-          </a:prstGeom>
-        </p:spPr>
-        <p:style>
-          <a:lnRef idx="2">
-            <a:schemeClr val="accent1">
-              <a:shade val="15000"/>
-            </a:schemeClr>
-          </a:lnRef>
-          <a:fillRef idx="1">
-            <a:schemeClr val="accent1"/>
-          </a:fillRef>
-          <a:effectRef idx="0">
-            <a:schemeClr val="accent1"/>
-          </a:effectRef>
-          <a:fontRef idx="minor">
-            <a:schemeClr val="lt1"/>
-          </a:fontRef>
-        </p:style>
-        <p:txBody>
-          <a:bodyPr rtlCol="0" anchor="ctr"/>
-          <a:lstStyle/>
-          <a:p>
-            <a:pPr algn="ctr"/>
-            <a:endParaRPr lang="en-IL"/>
-          </a:p>
-        </p:txBody>
-      </p:sp>
-      <p:sp>
-        <p:nvSpPr>
-          <p:cNvPr id="12" name="TextBox 11">
-            <a:extLst>
-              <a:ext uri="{FF2B5EF4-FFF2-40B4-BE49-F238E27FC236}">
-                <a16:creationId xmlns:a16="http://schemas.microsoft.com/office/drawing/2014/main" id="{37A6783C-C517-13C6-CFA7-3626EF06A7E0}"/>
-              </a:ext>
-            </a:extLst>
-          </p:cNvPr>
-          <p:cNvSpPr txBox="1"/>
-          <p:nvPr/>
-        </p:nvSpPr>
-        <p:spPr>
-          <a:xfrm>
-            <a:off x="3513329" y="1777781"/>
-            <a:ext cx="896399" cy="369332"/>
-          </a:xfrm>
-          <a:prstGeom prst="rect">
-            <a:avLst/>
-          </a:prstGeom>
-          <a:noFill/>
-        </p:spPr>
-        <p:txBody>
-          <a:bodyPr wrap="none" rtlCol="0">
-            <a:spAutoFit/>
-          </a:bodyPr>
-          <a:lstStyle/>
-          <a:p>
-            <a:r>
-              <a:rPr lang="en-IL" dirty="0"/>
-              <a:t>2 clock</a:t>
-            </a:r>
-          </a:p>
-        </p:txBody>
-      </p:sp>
-      <p:sp>
-        <p:nvSpPr>
-          <p:cNvPr id="13" name="Rectangle 12">
-            <a:extLst>
-              <a:ext uri="{FF2B5EF4-FFF2-40B4-BE49-F238E27FC236}">
-                <a16:creationId xmlns:a16="http://schemas.microsoft.com/office/drawing/2014/main" id="{8F5AE00D-AB22-D268-3D89-C109F98244AC}"/>
-              </a:ext>
-            </a:extLst>
-          </p:cNvPr>
-          <p:cNvSpPr/>
-          <p:nvPr/>
-        </p:nvSpPr>
-        <p:spPr>
-          <a:xfrm>
-            <a:off x="8983184" y="1690688"/>
-            <a:ext cx="2264236" cy="4259489"/>
-          </a:xfrm>
-          <a:prstGeom prst="rect">
-            <a:avLst/>
-          </a:prstGeom>
-        </p:spPr>
-        <p:style>
-          <a:lnRef idx="2">
-            <a:schemeClr val="accent1">
-              <a:shade val="15000"/>
-            </a:schemeClr>
-          </a:lnRef>
-          <a:fillRef idx="1">
-            <a:schemeClr val="accent1"/>
-          </a:fillRef>
-          <a:effectRef idx="0">
-            <a:schemeClr val="accent1"/>
-          </a:effectRef>
-          <a:fontRef idx="minor">
-            <a:schemeClr val="lt1"/>
-          </a:fontRef>
-        </p:style>
-        <p:txBody>
-          <a:bodyPr rtlCol="0" anchor="ctr"/>
-          <a:lstStyle/>
-          <a:p>
-            <a:pPr algn="ctr"/>
-            <a:r>
-              <a:rPr lang="en-IL" b="1" u="sng" dirty="0"/>
-              <a:t>IDLE</a:t>
-            </a:r>
-          </a:p>
-        </p:txBody>
-      </p:sp>
-      <p:sp>
-        <p:nvSpPr>
-          <p:cNvPr id="14" name="Right Arrow 13">
-            <a:extLst>
-              <a:ext uri="{FF2B5EF4-FFF2-40B4-BE49-F238E27FC236}">
-                <a16:creationId xmlns:a16="http://schemas.microsoft.com/office/drawing/2014/main" id="{020C8085-F819-2FAA-41C4-2BB269B2E78D}"/>
-              </a:ext>
-            </a:extLst>
-          </p:cNvPr>
-          <p:cNvSpPr/>
-          <p:nvPr/>
-        </p:nvSpPr>
-        <p:spPr>
-          <a:xfrm>
-            <a:off x="7424040" y="3506695"/>
-            <a:ext cx="1559144" cy="620485"/>
-          </a:xfrm>
-          <a:prstGeom prst="rightArrow">
-            <a:avLst/>
-          </a:prstGeom>
-        </p:spPr>
-        <p:style>
-          <a:lnRef idx="2">
-            <a:schemeClr val="accent1">
-              <a:shade val="15000"/>
-            </a:schemeClr>
-          </a:lnRef>
-          <a:fillRef idx="1">
-            <a:schemeClr val="accent1"/>
-          </a:fillRef>
-          <a:effectRef idx="0">
-            <a:schemeClr val="accent1"/>
-          </a:effectRef>
-          <a:fontRef idx="minor">
-            <a:schemeClr val="lt1"/>
-          </a:fontRef>
-        </p:style>
-        <p:txBody>
-          <a:bodyPr rtlCol="0" anchor="ctr"/>
-          <a:lstStyle/>
-          <a:p>
-            <a:pPr algn="ctr"/>
-            <a:endParaRPr lang="en-IL"/>
-          </a:p>
-        </p:txBody>
-      </p:sp>
-      <p:sp>
-        <p:nvSpPr>
-          <p:cNvPr id="15" name="TextBox 14">
-            <a:extLst>
-              <a:ext uri="{FF2B5EF4-FFF2-40B4-BE49-F238E27FC236}">
-                <a16:creationId xmlns:a16="http://schemas.microsoft.com/office/drawing/2014/main" id="{D08EF13E-D08F-7B08-1AA4-62D2F02C95CE}"/>
-              </a:ext>
-            </a:extLst>
-          </p:cNvPr>
-          <p:cNvSpPr txBox="1"/>
-          <p:nvPr/>
-        </p:nvSpPr>
-        <p:spPr>
-          <a:xfrm>
-            <a:off x="7477229" y="2860364"/>
-            <a:ext cx="1559145" cy="646331"/>
-          </a:xfrm>
-          <a:prstGeom prst="rect">
-            <a:avLst/>
-          </a:prstGeom>
-          <a:noFill/>
-        </p:spPr>
-        <p:txBody>
-          <a:bodyPr wrap="none" rtlCol="0">
-            <a:spAutoFit/>
-          </a:bodyPr>
-          <a:lstStyle/>
-          <a:p>
-            <a:r>
-              <a:rPr lang="en-IL" dirty="0"/>
-              <a:t>EndLine=‘1’</a:t>
-            </a:r>
-          </a:p>
-          <a:p>
-            <a:r>
-              <a:rPr lang="en-IL" dirty="0"/>
-              <a:t>EndFrame=‘1’</a:t>
-            </a:r>
-          </a:p>
-        </p:txBody>
-      </p:sp>
-    </p:spTree>
-    <p:extLst>
-      <p:ext uri="{BB962C8B-B14F-4D97-AF65-F5344CB8AC3E}">
-        <p14:creationId xmlns:p14="http://schemas.microsoft.com/office/powerpoint/2010/main" val="2498590066"/>
       </p:ext>
     </p:extLst>
   </p:cSld>
